--- a/RxJS.pptx
+++ b/RxJS.pptx
@@ -4,13 +4,26 @@
   <p:sldMasterIdLst>
     <p:sldMasterId id="2147483648" r:id="rId1"/>
   </p:sldMasterIdLst>
+  <p:notesMasterIdLst>
+    <p:notesMasterId r:id="rId18"/>
+  </p:notesMasterIdLst>
   <p:sldIdLst>
     <p:sldId id="256" r:id="rId2"/>
     <p:sldId id="258" r:id="rId3"/>
-    <p:sldId id="257" r:id="rId4"/>
-    <p:sldId id="259" r:id="rId5"/>
-    <p:sldId id="260" r:id="rId6"/>
-    <p:sldId id="261" r:id="rId7"/>
+    <p:sldId id="272" r:id="rId4"/>
+    <p:sldId id="273" r:id="rId5"/>
+    <p:sldId id="259" r:id="rId6"/>
+    <p:sldId id="264" r:id="rId7"/>
+    <p:sldId id="263" r:id="rId8"/>
+    <p:sldId id="266" r:id="rId9"/>
+    <p:sldId id="267" r:id="rId10"/>
+    <p:sldId id="268" r:id="rId11"/>
+    <p:sldId id="269" r:id="rId12"/>
+    <p:sldId id="271" r:id="rId13"/>
+    <p:sldId id="270" r:id="rId14"/>
+    <p:sldId id="274" r:id="rId15"/>
+    <p:sldId id="260" r:id="rId16"/>
+    <p:sldId id="261" r:id="rId17"/>
   </p:sldIdLst>
   <p:sldSz cx="12192000" cy="6858000"/>
   <p:notesSz cx="6858000" cy="9144000"/>
@@ -117,8 +130,2642 @@
 </p:presentation>
 </file>
 
-<file path=ppt/revisionInfo.xml><?xml version="1.0" encoding="utf-8"?>
-<p1510:revInfo xmlns:a="http://schemas.openxmlformats.org/drawingml/2006/main" xmlns:r="http://schemas.openxmlformats.org/officeDocument/2006/relationships" xmlns:p1510="http://schemas.microsoft.com/office/powerpoint/2015/10/main"/>
+<file path=ppt/notesMasters/notesMaster1.xml><?xml version="1.0" encoding="utf-8"?>
+<p:notesMaster xmlns:a="http://schemas.openxmlformats.org/drawingml/2006/main" xmlns:r="http://schemas.openxmlformats.org/officeDocument/2006/relationships" xmlns:p="http://schemas.openxmlformats.org/presentationml/2006/main">
+  <p:cSld>
+    <p:bg>
+      <p:bgRef idx="1001">
+        <a:schemeClr val="bg1"/>
+      </p:bgRef>
+    </p:bg>
+    <p:spTree>
+      <p:nvGrpSpPr>
+        <p:cNvPr id="1" name=""/>
+        <p:cNvGrpSpPr/>
+        <p:nvPr/>
+      </p:nvGrpSpPr>
+      <p:grpSpPr>
+        <a:xfrm>
+          <a:off x="0" y="0"/>
+          <a:ext cx="0" cy="0"/>
+          <a:chOff x="0" y="0"/>
+          <a:chExt cx="0" cy="0"/>
+        </a:xfrm>
+      </p:grpSpPr>
+      <p:sp>
+        <p:nvSpPr>
+          <p:cNvPr id="2" name="Header Placeholder 1"/>
+          <p:cNvSpPr>
+            <a:spLocks noGrp="1"/>
+          </p:cNvSpPr>
+          <p:nvPr>
+            <p:ph type="hdr" sz="quarter"/>
+          </p:nvPr>
+        </p:nvSpPr>
+        <p:spPr>
+          <a:xfrm>
+            <a:off x="0" y="0"/>
+            <a:ext cx="2971800" cy="458788"/>
+          </a:xfrm>
+          <a:prstGeom prst="rect">
+            <a:avLst/>
+          </a:prstGeom>
+        </p:spPr>
+        <p:txBody>
+          <a:bodyPr vert="horz" lIns="91440" tIns="45720" rIns="91440" bIns="45720" rtlCol="0"/>
+          <a:lstStyle>
+            <a:lvl1pPr algn="l">
+              <a:defRPr sz="1200"/>
+            </a:lvl1pPr>
+          </a:lstStyle>
+          <a:p>
+            <a:endParaRPr lang="en-US"/>
+          </a:p>
+        </p:txBody>
+      </p:sp>
+      <p:sp>
+        <p:nvSpPr>
+          <p:cNvPr id="3" name="Date Placeholder 2"/>
+          <p:cNvSpPr>
+            <a:spLocks noGrp="1"/>
+          </p:cNvSpPr>
+          <p:nvPr>
+            <p:ph type="dt" idx="1"/>
+          </p:nvPr>
+        </p:nvSpPr>
+        <p:spPr>
+          <a:xfrm>
+            <a:off x="3884613" y="0"/>
+            <a:ext cx="2971800" cy="458788"/>
+          </a:xfrm>
+          <a:prstGeom prst="rect">
+            <a:avLst/>
+          </a:prstGeom>
+        </p:spPr>
+        <p:txBody>
+          <a:bodyPr vert="horz" lIns="91440" tIns="45720" rIns="91440" bIns="45720" rtlCol="0"/>
+          <a:lstStyle>
+            <a:lvl1pPr algn="r">
+              <a:defRPr sz="1200"/>
+            </a:lvl1pPr>
+          </a:lstStyle>
+          <a:p>
+            <a:fld id="{5CEDD6E0-976A-4535-BB7D-F68780321D48}" type="datetimeFigureOut">
+              <a:rPr lang="en-US" smtClean="0"/>
+              <a:t>1/22/2019</a:t>
+            </a:fld>
+            <a:endParaRPr lang="en-US"/>
+          </a:p>
+        </p:txBody>
+      </p:sp>
+      <p:sp>
+        <p:nvSpPr>
+          <p:cNvPr id="4" name="Slide Image Placeholder 3"/>
+          <p:cNvSpPr>
+            <a:spLocks noGrp="1" noRot="1" noChangeAspect="1"/>
+          </p:cNvSpPr>
+          <p:nvPr>
+            <p:ph type="sldImg" idx="2"/>
+          </p:nvPr>
+        </p:nvSpPr>
+        <p:spPr>
+          <a:xfrm>
+            <a:off x="685800" y="1143000"/>
+            <a:ext cx="5486400" cy="3086100"/>
+          </a:xfrm>
+          <a:prstGeom prst="rect">
+            <a:avLst/>
+          </a:prstGeom>
+          <a:noFill/>
+          <a:ln w="12700">
+            <a:solidFill>
+              <a:prstClr val="black"/>
+            </a:solidFill>
+          </a:ln>
+        </p:spPr>
+        <p:txBody>
+          <a:bodyPr vert="horz" lIns="91440" tIns="45720" rIns="91440" bIns="45720" rtlCol="0" anchor="ctr"/>
+          <a:lstStyle/>
+          <a:p>
+            <a:endParaRPr lang="en-US"/>
+          </a:p>
+        </p:txBody>
+      </p:sp>
+      <p:sp>
+        <p:nvSpPr>
+          <p:cNvPr id="5" name="Notes Placeholder 4"/>
+          <p:cNvSpPr>
+            <a:spLocks noGrp="1"/>
+          </p:cNvSpPr>
+          <p:nvPr>
+            <p:ph type="body" sz="quarter" idx="3"/>
+          </p:nvPr>
+        </p:nvSpPr>
+        <p:spPr>
+          <a:xfrm>
+            <a:off x="685800" y="4400550"/>
+            <a:ext cx="5486400" cy="3600450"/>
+          </a:xfrm>
+          <a:prstGeom prst="rect">
+            <a:avLst/>
+          </a:prstGeom>
+        </p:spPr>
+        <p:txBody>
+          <a:bodyPr vert="horz" lIns="91440" tIns="45720" rIns="91440" bIns="45720" rtlCol="0"/>
+          <a:lstStyle/>
+          <a:p>
+            <a:pPr lvl="0"/>
+            <a:r>
+              <a:rPr lang="en-US"/>
+              <a:t>Edit Master text styles</a:t>
+            </a:r>
+          </a:p>
+          <a:p>
+            <a:pPr lvl="1"/>
+            <a:r>
+              <a:rPr lang="en-US"/>
+              <a:t>Second level</a:t>
+            </a:r>
+          </a:p>
+          <a:p>
+            <a:pPr lvl="2"/>
+            <a:r>
+              <a:rPr lang="en-US"/>
+              <a:t>Third level</a:t>
+            </a:r>
+          </a:p>
+          <a:p>
+            <a:pPr lvl="3"/>
+            <a:r>
+              <a:rPr lang="en-US"/>
+              <a:t>Fourth level</a:t>
+            </a:r>
+          </a:p>
+          <a:p>
+            <a:pPr lvl="4"/>
+            <a:r>
+              <a:rPr lang="en-US"/>
+              <a:t>Fifth level</a:t>
+            </a:r>
+          </a:p>
+        </p:txBody>
+      </p:sp>
+      <p:sp>
+        <p:nvSpPr>
+          <p:cNvPr id="6" name="Footer Placeholder 5"/>
+          <p:cNvSpPr>
+            <a:spLocks noGrp="1"/>
+          </p:cNvSpPr>
+          <p:nvPr>
+            <p:ph type="ftr" sz="quarter" idx="4"/>
+          </p:nvPr>
+        </p:nvSpPr>
+        <p:spPr>
+          <a:xfrm>
+            <a:off x="0" y="8685213"/>
+            <a:ext cx="2971800" cy="458787"/>
+          </a:xfrm>
+          <a:prstGeom prst="rect">
+            <a:avLst/>
+          </a:prstGeom>
+        </p:spPr>
+        <p:txBody>
+          <a:bodyPr vert="horz" lIns="91440" tIns="45720" rIns="91440" bIns="45720" rtlCol="0" anchor="b"/>
+          <a:lstStyle>
+            <a:lvl1pPr algn="l">
+              <a:defRPr sz="1200"/>
+            </a:lvl1pPr>
+          </a:lstStyle>
+          <a:p>
+            <a:endParaRPr lang="en-US"/>
+          </a:p>
+        </p:txBody>
+      </p:sp>
+      <p:sp>
+        <p:nvSpPr>
+          <p:cNvPr id="7" name="Slide Number Placeholder 6"/>
+          <p:cNvSpPr>
+            <a:spLocks noGrp="1"/>
+          </p:cNvSpPr>
+          <p:nvPr>
+            <p:ph type="sldNum" sz="quarter" idx="5"/>
+          </p:nvPr>
+        </p:nvSpPr>
+        <p:spPr>
+          <a:xfrm>
+            <a:off x="3884613" y="8685213"/>
+            <a:ext cx="2971800" cy="458787"/>
+          </a:xfrm>
+          <a:prstGeom prst="rect">
+            <a:avLst/>
+          </a:prstGeom>
+        </p:spPr>
+        <p:txBody>
+          <a:bodyPr vert="horz" lIns="91440" tIns="45720" rIns="91440" bIns="45720" rtlCol="0" anchor="b"/>
+          <a:lstStyle>
+            <a:lvl1pPr algn="r">
+              <a:defRPr sz="1200"/>
+            </a:lvl1pPr>
+          </a:lstStyle>
+          <a:p>
+            <a:fld id="{60494BC2-912A-4926-9316-56EB5CA2D0BC}" type="slidenum">
+              <a:rPr lang="en-US" smtClean="0"/>
+              <a:t>‹#›</a:t>
+            </a:fld>
+            <a:endParaRPr lang="en-US"/>
+          </a:p>
+        </p:txBody>
+      </p:sp>
+    </p:spTree>
+    <p:extLst>
+      <p:ext uri="{BB962C8B-B14F-4D97-AF65-F5344CB8AC3E}">
+        <p14:creationId xmlns:p14="http://schemas.microsoft.com/office/powerpoint/2010/main" val="1545344200"/>
+      </p:ext>
+    </p:extLst>
+  </p:cSld>
+  <p:clrMap bg1="lt1" tx1="dk1" bg2="lt2" tx2="dk2" accent1="accent1" accent2="accent2" accent3="accent3" accent4="accent4" accent5="accent5" accent6="accent6" hlink="hlink" folHlink="folHlink"/>
+  <p:notesStyle>
+    <a:lvl1pPr marL="0" algn="l" defTabSz="914400" rtl="0" eaLnBrk="1" latinLnBrk="0" hangingPunct="1">
+      <a:defRPr sz="1200" kern="1200">
+        <a:solidFill>
+          <a:schemeClr val="tx1"/>
+        </a:solidFill>
+        <a:latin typeface="+mn-lt"/>
+        <a:ea typeface="+mn-ea"/>
+        <a:cs typeface="+mn-cs"/>
+      </a:defRPr>
+    </a:lvl1pPr>
+    <a:lvl2pPr marL="457200" algn="l" defTabSz="914400" rtl="0" eaLnBrk="1" latinLnBrk="0" hangingPunct="1">
+      <a:defRPr sz="1200" kern="1200">
+        <a:solidFill>
+          <a:schemeClr val="tx1"/>
+        </a:solidFill>
+        <a:latin typeface="+mn-lt"/>
+        <a:ea typeface="+mn-ea"/>
+        <a:cs typeface="+mn-cs"/>
+      </a:defRPr>
+    </a:lvl2pPr>
+    <a:lvl3pPr marL="914400" algn="l" defTabSz="914400" rtl="0" eaLnBrk="1" latinLnBrk="0" hangingPunct="1">
+      <a:defRPr sz="1200" kern="1200">
+        <a:solidFill>
+          <a:schemeClr val="tx1"/>
+        </a:solidFill>
+        <a:latin typeface="+mn-lt"/>
+        <a:ea typeface="+mn-ea"/>
+        <a:cs typeface="+mn-cs"/>
+      </a:defRPr>
+    </a:lvl3pPr>
+    <a:lvl4pPr marL="1371600" algn="l" defTabSz="914400" rtl="0" eaLnBrk="1" latinLnBrk="0" hangingPunct="1">
+      <a:defRPr sz="1200" kern="1200">
+        <a:solidFill>
+          <a:schemeClr val="tx1"/>
+        </a:solidFill>
+        <a:latin typeface="+mn-lt"/>
+        <a:ea typeface="+mn-ea"/>
+        <a:cs typeface="+mn-cs"/>
+      </a:defRPr>
+    </a:lvl4pPr>
+    <a:lvl5pPr marL="1828800" algn="l" defTabSz="914400" rtl="0" eaLnBrk="1" latinLnBrk="0" hangingPunct="1">
+      <a:defRPr sz="1200" kern="1200">
+        <a:solidFill>
+          <a:schemeClr val="tx1"/>
+        </a:solidFill>
+        <a:latin typeface="+mn-lt"/>
+        <a:ea typeface="+mn-ea"/>
+        <a:cs typeface="+mn-cs"/>
+      </a:defRPr>
+    </a:lvl5pPr>
+    <a:lvl6pPr marL="2286000" algn="l" defTabSz="914400" rtl="0" eaLnBrk="1" latinLnBrk="0" hangingPunct="1">
+      <a:defRPr sz="1200" kern="1200">
+        <a:solidFill>
+          <a:schemeClr val="tx1"/>
+        </a:solidFill>
+        <a:latin typeface="+mn-lt"/>
+        <a:ea typeface="+mn-ea"/>
+        <a:cs typeface="+mn-cs"/>
+      </a:defRPr>
+    </a:lvl6pPr>
+    <a:lvl7pPr marL="2743200" algn="l" defTabSz="914400" rtl="0" eaLnBrk="1" latinLnBrk="0" hangingPunct="1">
+      <a:defRPr sz="1200" kern="1200">
+        <a:solidFill>
+          <a:schemeClr val="tx1"/>
+        </a:solidFill>
+        <a:latin typeface="+mn-lt"/>
+        <a:ea typeface="+mn-ea"/>
+        <a:cs typeface="+mn-cs"/>
+      </a:defRPr>
+    </a:lvl7pPr>
+    <a:lvl8pPr marL="3200400" algn="l" defTabSz="914400" rtl="0" eaLnBrk="1" latinLnBrk="0" hangingPunct="1">
+      <a:defRPr sz="1200" kern="1200">
+        <a:solidFill>
+          <a:schemeClr val="tx1"/>
+        </a:solidFill>
+        <a:latin typeface="+mn-lt"/>
+        <a:ea typeface="+mn-ea"/>
+        <a:cs typeface="+mn-cs"/>
+      </a:defRPr>
+    </a:lvl8pPr>
+    <a:lvl9pPr marL="3657600" algn="l" defTabSz="914400" rtl="0" eaLnBrk="1" latinLnBrk="0" hangingPunct="1">
+      <a:defRPr sz="1200" kern="1200">
+        <a:solidFill>
+          <a:schemeClr val="tx1"/>
+        </a:solidFill>
+        <a:latin typeface="+mn-lt"/>
+        <a:ea typeface="+mn-ea"/>
+        <a:cs typeface="+mn-cs"/>
+      </a:defRPr>
+    </a:lvl9pPr>
+  </p:notesStyle>
+</p:notesMaster>
+</file>
+
+<file path=ppt/notesSlides/notesSlide1.xml><?xml version="1.0" encoding="utf-8"?>
+<p:notes xmlns:a="http://schemas.openxmlformats.org/drawingml/2006/main" xmlns:r="http://schemas.openxmlformats.org/officeDocument/2006/relationships" xmlns:p="http://schemas.openxmlformats.org/presentationml/2006/main">
+  <p:cSld>
+    <p:spTree>
+      <p:nvGrpSpPr>
+        <p:cNvPr id="1" name=""/>
+        <p:cNvGrpSpPr/>
+        <p:nvPr/>
+      </p:nvGrpSpPr>
+      <p:grpSpPr>
+        <a:xfrm>
+          <a:off x="0" y="0"/>
+          <a:ext cx="0" cy="0"/>
+          <a:chOff x="0" y="0"/>
+          <a:chExt cx="0" cy="0"/>
+        </a:xfrm>
+      </p:grpSpPr>
+      <p:sp>
+        <p:nvSpPr>
+          <p:cNvPr id="2" name="Slide Image Placeholder 1"/>
+          <p:cNvSpPr>
+            <a:spLocks noGrp="1" noRot="1" noChangeAspect="1"/>
+          </p:cNvSpPr>
+          <p:nvPr>
+            <p:ph type="sldImg"/>
+          </p:nvPr>
+        </p:nvSpPr>
+        <p:spPr/>
+      </p:sp>
+      <p:sp>
+        <p:nvSpPr>
+          <p:cNvPr id="3" name="Notes Placeholder 2"/>
+          <p:cNvSpPr>
+            <a:spLocks noGrp="1"/>
+          </p:cNvSpPr>
+          <p:nvPr>
+            <p:ph type="body" idx="1"/>
+          </p:nvPr>
+        </p:nvSpPr>
+        <p:spPr/>
+        <p:txBody>
+          <a:bodyPr/>
+          <a:lstStyle/>
+          <a:p>
+            <a:r>
+              <a:rPr lang="en-US" dirty="0"/>
+              <a:t>Created by Microsoft. </a:t>
+            </a:r>
+          </a:p>
+          <a:p>
+            <a:endParaRPr lang="en-US" dirty="0"/>
+          </a:p>
+          <a:p>
+            <a:r>
+              <a:rPr lang="en-US" dirty="0"/>
+              <a:t>Ben </a:t>
+            </a:r>
+            <a:r>
+              <a:rPr lang="en-US" dirty="0" err="1"/>
+              <a:t>Lesh</a:t>
+            </a:r>
+            <a:r>
+              <a:rPr lang="en-US" dirty="0"/>
+              <a:t> has been part of the development since with Netflix and now with Google.</a:t>
+            </a:r>
+          </a:p>
+          <a:p>
+            <a:endParaRPr lang="en-US" dirty="0"/>
+          </a:p>
+          <a:p>
+            <a:r>
+              <a:rPr lang="en-US" dirty="0"/>
+              <a:t>Walk through slide deck, then show some </a:t>
+            </a:r>
+            <a:r>
+              <a:rPr lang="en-US"/>
+              <a:t>trivial code </a:t>
+            </a:r>
+            <a:r>
+              <a:rPr lang="en-US" dirty="0"/>
+              <a:t>examples.</a:t>
+            </a:r>
+          </a:p>
+          <a:p>
+            <a:endParaRPr lang="en-US" dirty="0"/>
+          </a:p>
+          <a:p>
+            <a:r>
+              <a:rPr lang="en-US" dirty="0"/>
+              <a:t>Then, will show some marble tests in OIT POC.</a:t>
+            </a:r>
+          </a:p>
+        </p:txBody>
+      </p:sp>
+      <p:sp>
+        <p:nvSpPr>
+          <p:cNvPr id="4" name="Slide Number Placeholder 3"/>
+          <p:cNvSpPr>
+            <a:spLocks noGrp="1"/>
+          </p:cNvSpPr>
+          <p:nvPr>
+            <p:ph type="sldNum" sz="quarter" idx="10"/>
+          </p:nvPr>
+        </p:nvSpPr>
+        <p:spPr/>
+        <p:txBody>
+          <a:bodyPr/>
+          <a:lstStyle/>
+          <a:p>
+            <a:fld id="{60494BC2-912A-4926-9316-56EB5CA2D0BC}" type="slidenum">
+              <a:rPr lang="en-US" smtClean="0"/>
+              <a:t>1</a:t>
+            </a:fld>
+            <a:endParaRPr lang="en-US"/>
+          </a:p>
+        </p:txBody>
+      </p:sp>
+    </p:spTree>
+    <p:extLst>
+      <p:ext uri="{BB962C8B-B14F-4D97-AF65-F5344CB8AC3E}">
+        <p14:creationId xmlns:p14="http://schemas.microsoft.com/office/powerpoint/2010/main" val="1574955109"/>
+      </p:ext>
+    </p:extLst>
+  </p:cSld>
+  <p:clrMapOvr>
+    <a:masterClrMapping/>
+  </p:clrMapOvr>
+</p:notes>
+</file>
+
+<file path=ppt/notesSlides/notesSlide10.xml><?xml version="1.0" encoding="utf-8"?>
+<p:notes xmlns:a="http://schemas.openxmlformats.org/drawingml/2006/main" xmlns:r="http://schemas.openxmlformats.org/officeDocument/2006/relationships" xmlns:p="http://schemas.openxmlformats.org/presentationml/2006/main">
+  <p:cSld>
+    <p:spTree>
+      <p:nvGrpSpPr>
+        <p:cNvPr id="1" name=""/>
+        <p:cNvGrpSpPr/>
+        <p:nvPr/>
+      </p:nvGrpSpPr>
+      <p:grpSpPr>
+        <a:xfrm>
+          <a:off x="0" y="0"/>
+          <a:ext cx="0" cy="0"/>
+          <a:chOff x="0" y="0"/>
+          <a:chExt cx="0" cy="0"/>
+        </a:xfrm>
+      </p:grpSpPr>
+      <p:sp>
+        <p:nvSpPr>
+          <p:cNvPr id="2" name="Slide Image Placeholder 1"/>
+          <p:cNvSpPr>
+            <a:spLocks noGrp="1" noRot="1" noChangeAspect="1"/>
+          </p:cNvSpPr>
+          <p:nvPr>
+            <p:ph type="sldImg"/>
+          </p:nvPr>
+        </p:nvSpPr>
+        <p:spPr/>
+      </p:sp>
+      <p:sp>
+        <p:nvSpPr>
+          <p:cNvPr id="3" name="Notes Placeholder 2"/>
+          <p:cNvSpPr>
+            <a:spLocks noGrp="1"/>
+          </p:cNvSpPr>
+          <p:nvPr>
+            <p:ph type="body" idx="1"/>
+          </p:nvPr>
+        </p:nvSpPr>
+        <p:spPr/>
+        <p:txBody>
+          <a:bodyPr/>
+          <a:lstStyle/>
+          <a:p>
+            <a:r>
+              <a:rPr lang="en-US" sz="1200" b="1" i="0" kern="1200" dirty="0">
+                <a:solidFill>
+                  <a:schemeClr val="tx1"/>
+                </a:solidFill>
+                <a:effectLst/>
+                <a:latin typeface="+mn-lt"/>
+                <a:ea typeface="+mn-ea"/>
+                <a:cs typeface="+mn-cs"/>
+              </a:rPr>
+              <a:t>When should I use cold or hot? </a:t>
+            </a:r>
+          </a:p>
+          <a:p>
+            <a:endParaRPr lang="en-US" sz="1200" b="0" i="0" kern="1200" dirty="0">
+              <a:solidFill>
+                <a:schemeClr val="tx1"/>
+              </a:solidFill>
+              <a:effectLst/>
+              <a:latin typeface="+mn-lt"/>
+              <a:ea typeface="+mn-ea"/>
+              <a:cs typeface="+mn-cs"/>
+            </a:endParaRPr>
+          </a:p>
+          <a:p>
+            <a:r>
+              <a:rPr lang="en-US" sz="1200" b="0" i="0" kern="1200" dirty="0">
+                <a:solidFill>
+                  <a:schemeClr val="tx1"/>
+                </a:solidFill>
+                <a:effectLst/>
+                <a:latin typeface="+mn-lt"/>
+                <a:ea typeface="+mn-ea"/>
+                <a:cs typeface="+mn-cs"/>
+              </a:rPr>
+              <a:t>It depends on your goal, usually you would need to create a hot observable to have a single source of truth, share side effects and final result to the subscribers.</a:t>
+            </a:r>
+          </a:p>
+          <a:p>
+            <a:endParaRPr lang="en-US" sz="1200" b="0" i="0" kern="1200" dirty="0">
+              <a:solidFill>
+                <a:schemeClr val="tx1"/>
+              </a:solidFill>
+              <a:effectLst/>
+              <a:latin typeface="+mn-lt"/>
+              <a:ea typeface="+mn-ea"/>
+              <a:cs typeface="+mn-cs"/>
+            </a:endParaRPr>
+          </a:p>
+          <a:p>
+            <a:r>
+              <a:rPr lang="en-US" sz="1200" b="0" i="0" kern="1200" dirty="0">
+                <a:solidFill>
+                  <a:schemeClr val="tx1"/>
+                </a:solidFill>
+                <a:effectLst/>
+                <a:latin typeface="+mn-lt"/>
+                <a:ea typeface="+mn-ea"/>
+                <a:cs typeface="+mn-cs"/>
+              </a:rPr>
+              <a:t>For example in a web socket you really don’t want to create more then one connection and you could need to share the entire sets of values: </a:t>
+            </a:r>
+            <a:r>
+              <a:rPr lang="en-US" sz="1200" b="1" i="0" u="none" strike="noStrike" kern="1200" dirty="0">
+                <a:solidFill>
+                  <a:schemeClr val="tx1"/>
+                </a:solidFill>
+                <a:effectLst/>
+                <a:latin typeface="+mn-lt"/>
+                <a:ea typeface="+mn-ea"/>
+                <a:cs typeface="+mn-cs"/>
+                <a:hlinkClick r:id="rId3"/>
+              </a:rPr>
+              <a:t>Link</a:t>
+            </a:r>
+            <a:r>
+              <a:rPr lang="en-US" sz="1200" b="1" i="0" kern="1200" dirty="0">
+                <a:solidFill>
+                  <a:schemeClr val="tx1"/>
+                </a:solidFill>
+                <a:effectLst/>
+                <a:latin typeface="+mn-lt"/>
+                <a:ea typeface="+mn-ea"/>
+                <a:cs typeface="+mn-cs"/>
+              </a:rPr>
+              <a:t>.</a:t>
+            </a:r>
+            <a:endParaRPr lang="en-US" sz="1200" b="0" i="0" kern="1200" dirty="0">
+              <a:solidFill>
+                <a:schemeClr val="tx1"/>
+              </a:solidFill>
+              <a:effectLst/>
+              <a:latin typeface="+mn-lt"/>
+              <a:ea typeface="+mn-ea"/>
+              <a:cs typeface="+mn-cs"/>
+            </a:endParaRPr>
+          </a:p>
+          <a:p>
+            <a:endParaRPr lang="en-US" sz="1200" b="0" i="0" kern="1200" dirty="0">
+              <a:solidFill>
+                <a:schemeClr val="tx1"/>
+              </a:solidFill>
+              <a:effectLst/>
+              <a:latin typeface="+mn-lt"/>
+              <a:ea typeface="+mn-ea"/>
+              <a:cs typeface="+mn-cs"/>
+            </a:endParaRPr>
+          </a:p>
+          <a:p>
+            <a:r>
+              <a:rPr lang="en-US" sz="1200" b="0" i="0" kern="1200" dirty="0">
+                <a:solidFill>
+                  <a:schemeClr val="tx1"/>
+                </a:solidFill>
+                <a:effectLst/>
+                <a:latin typeface="+mn-lt"/>
+                <a:ea typeface="+mn-ea"/>
+                <a:cs typeface="+mn-cs"/>
+              </a:rPr>
+              <a:t>Or for an REST </a:t>
+            </a:r>
+            <a:r>
+              <a:rPr lang="en-US" sz="1200" b="0" i="0" kern="1200" dirty="0" err="1">
+                <a:solidFill>
+                  <a:schemeClr val="tx1"/>
+                </a:solidFill>
+                <a:effectLst/>
+                <a:latin typeface="+mn-lt"/>
+                <a:ea typeface="+mn-ea"/>
+                <a:cs typeface="+mn-cs"/>
+              </a:rPr>
+              <a:t>Api</a:t>
+            </a:r>
+            <a:r>
+              <a:rPr lang="en-US" sz="1200" b="0" i="0" kern="1200" dirty="0">
+                <a:solidFill>
+                  <a:schemeClr val="tx1"/>
+                </a:solidFill>
+                <a:effectLst/>
+                <a:latin typeface="+mn-lt"/>
+                <a:ea typeface="+mn-ea"/>
+                <a:cs typeface="+mn-cs"/>
+              </a:rPr>
+              <a:t> call you would like to share the result without asking the server every time - You should chose the cold observable instead, when you need to create a producer and generate side effects for every subscribers.</a:t>
+            </a:r>
+          </a:p>
+          <a:p>
+            <a:endParaRPr lang="en-US" dirty="0"/>
+          </a:p>
+        </p:txBody>
+      </p:sp>
+      <p:sp>
+        <p:nvSpPr>
+          <p:cNvPr id="4" name="Slide Number Placeholder 3"/>
+          <p:cNvSpPr>
+            <a:spLocks noGrp="1"/>
+          </p:cNvSpPr>
+          <p:nvPr>
+            <p:ph type="sldNum" sz="quarter" idx="10"/>
+          </p:nvPr>
+        </p:nvSpPr>
+        <p:spPr/>
+        <p:txBody>
+          <a:bodyPr/>
+          <a:lstStyle/>
+          <a:p>
+            <a:fld id="{60494BC2-912A-4926-9316-56EB5CA2D0BC}" type="slidenum">
+              <a:rPr lang="en-US" smtClean="0"/>
+              <a:t>10</a:t>
+            </a:fld>
+            <a:endParaRPr lang="en-US"/>
+          </a:p>
+        </p:txBody>
+      </p:sp>
+    </p:spTree>
+    <p:extLst>
+      <p:ext uri="{BB962C8B-B14F-4D97-AF65-F5344CB8AC3E}">
+        <p14:creationId xmlns:p14="http://schemas.microsoft.com/office/powerpoint/2010/main" val="1858521780"/>
+      </p:ext>
+    </p:extLst>
+  </p:cSld>
+  <p:clrMapOvr>
+    <a:masterClrMapping/>
+  </p:clrMapOvr>
+</p:notes>
+</file>
+
+<file path=ppt/notesSlides/notesSlide11.xml><?xml version="1.0" encoding="utf-8"?>
+<p:notes xmlns:a="http://schemas.openxmlformats.org/drawingml/2006/main" xmlns:r="http://schemas.openxmlformats.org/officeDocument/2006/relationships" xmlns:p="http://schemas.openxmlformats.org/presentationml/2006/main">
+  <p:cSld>
+    <p:spTree>
+      <p:nvGrpSpPr>
+        <p:cNvPr id="1" name=""/>
+        <p:cNvGrpSpPr/>
+        <p:nvPr/>
+      </p:nvGrpSpPr>
+      <p:grpSpPr>
+        <a:xfrm>
+          <a:off x="0" y="0"/>
+          <a:ext cx="0" cy="0"/>
+          <a:chOff x="0" y="0"/>
+          <a:chExt cx="0" cy="0"/>
+        </a:xfrm>
+      </p:grpSpPr>
+      <p:sp>
+        <p:nvSpPr>
+          <p:cNvPr id="2" name="Slide Image Placeholder 1"/>
+          <p:cNvSpPr>
+            <a:spLocks noGrp="1" noRot="1" noChangeAspect="1"/>
+          </p:cNvSpPr>
+          <p:nvPr>
+            <p:ph type="sldImg"/>
+          </p:nvPr>
+        </p:nvSpPr>
+        <p:spPr/>
+      </p:sp>
+      <p:sp>
+        <p:nvSpPr>
+          <p:cNvPr id="3" name="Notes Placeholder 2"/>
+          <p:cNvSpPr>
+            <a:spLocks noGrp="1"/>
+          </p:cNvSpPr>
+          <p:nvPr>
+            <p:ph type="body" idx="1"/>
+          </p:nvPr>
+        </p:nvSpPr>
+        <p:spPr/>
+        <p:txBody>
+          <a:bodyPr/>
+          <a:lstStyle/>
+          <a:p>
+            <a:r>
+              <a:rPr lang="en-US" sz="1200" b="0" i="0" kern="1200" dirty="0">
+                <a:solidFill>
+                  <a:schemeClr val="tx1"/>
+                </a:solidFill>
+                <a:effectLst/>
+                <a:latin typeface="+mn-lt"/>
+                <a:ea typeface="+mn-ea"/>
+                <a:cs typeface="+mn-cs"/>
+              </a:rPr>
+              <a:t>(CODE EXAMPLE - 275) </a:t>
+            </a:r>
+          </a:p>
+          <a:p>
+            <a:endParaRPr lang="en-US" sz="1200" b="0" i="0" kern="1200" dirty="0">
+              <a:solidFill>
+                <a:schemeClr val="tx1"/>
+              </a:solidFill>
+              <a:effectLst/>
+              <a:latin typeface="+mn-lt"/>
+              <a:ea typeface="+mn-ea"/>
+              <a:cs typeface="+mn-cs"/>
+            </a:endParaRPr>
+          </a:p>
+          <a:p>
+            <a:r>
+              <a:rPr lang="en-US" sz="1200" b="0" i="0" kern="1200" dirty="0">
+                <a:solidFill>
+                  <a:schemeClr val="tx1"/>
+                </a:solidFill>
+                <a:effectLst/>
+                <a:latin typeface="+mn-lt"/>
+                <a:ea typeface="+mn-ea"/>
+                <a:cs typeface="+mn-cs"/>
+              </a:rPr>
+              <a:t>Note the difference between </a:t>
+            </a:r>
+            <a:r>
+              <a:rPr lang="en-US" dirty="0" err="1"/>
+              <a:t>concatMap</a:t>
+            </a:r>
+            <a:r>
+              <a:rPr lang="en-US" sz="1200" b="0" i="0" kern="1200" dirty="0">
+                <a:solidFill>
+                  <a:schemeClr val="tx1"/>
+                </a:solidFill>
+                <a:effectLst/>
+                <a:latin typeface="+mn-lt"/>
+                <a:ea typeface="+mn-ea"/>
+                <a:cs typeface="+mn-cs"/>
+              </a:rPr>
+              <a:t> and </a:t>
+            </a:r>
+            <a:r>
+              <a:rPr lang="en-US" sz="1200" b="0" i="0" u="none" strike="noStrike" kern="1200" dirty="0" err="1">
+                <a:solidFill>
+                  <a:schemeClr val="tx1"/>
+                </a:solidFill>
+                <a:effectLst/>
+                <a:latin typeface="+mn-lt"/>
+                <a:ea typeface="+mn-ea"/>
+                <a:cs typeface="+mn-cs"/>
+                <a:hlinkClick r:id="rId3"/>
+              </a:rPr>
+              <a:t>mergeMap</a:t>
+            </a:r>
+            <a:r>
+              <a:rPr lang="en-US" sz="1200" b="0" i="0" kern="1200" dirty="0">
+                <a:solidFill>
+                  <a:schemeClr val="tx1"/>
+                </a:solidFill>
+                <a:effectLst/>
+                <a:latin typeface="+mn-lt"/>
+                <a:ea typeface="+mn-ea"/>
+                <a:cs typeface="+mn-cs"/>
+              </a:rPr>
+              <a:t>. Because </a:t>
+            </a:r>
+            <a:r>
+              <a:rPr lang="en-US" dirty="0" err="1"/>
+              <a:t>concatMap</a:t>
+            </a:r>
+            <a:r>
+              <a:rPr lang="en-US" sz="1200" b="0" i="0" kern="1200" dirty="0">
+                <a:solidFill>
+                  <a:schemeClr val="tx1"/>
+                </a:solidFill>
+                <a:effectLst/>
+                <a:latin typeface="+mn-lt"/>
+                <a:ea typeface="+mn-ea"/>
+                <a:cs typeface="+mn-cs"/>
+              </a:rPr>
+              <a:t> does not subscribe to the next observable until the previous completes, the value from the source delayed by 2000ms will be emitted first. </a:t>
+            </a:r>
+          </a:p>
+          <a:p>
+            <a:endParaRPr lang="en-US" sz="1200" b="0" i="0" kern="1200" dirty="0">
+              <a:solidFill>
+                <a:schemeClr val="tx1"/>
+              </a:solidFill>
+              <a:effectLst/>
+              <a:latin typeface="+mn-lt"/>
+              <a:ea typeface="+mn-ea"/>
+              <a:cs typeface="+mn-cs"/>
+            </a:endParaRPr>
+          </a:p>
+          <a:p>
+            <a:r>
+              <a:rPr lang="en-US" sz="1200" b="0" i="0" kern="1200" dirty="0">
+                <a:solidFill>
+                  <a:schemeClr val="tx1"/>
+                </a:solidFill>
+                <a:effectLst/>
+                <a:latin typeface="+mn-lt"/>
+                <a:ea typeface="+mn-ea"/>
+                <a:cs typeface="+mn-cs"/>
+              </a:rPr>
+              <a:t>Contrast this with </a:t>
+            </a:r>
+            <a:r>
+              <a:rPr lang="en-US" sz="1200" b="0" i="0" u="none" strike="noStrike" kern="1200" dirty="0" err="1">
+                <a:solidFill>
+                  <a:schemeClr val="tx1"/>
+                </a:solidFill>
+                <a:effectLst/>
+                <a:latin typeface="+mn-lt"/>
+                <a:ea typeface="+mn-ea"/>
+                <a:cs typeface="+mn-cs"/>
+                <a:hlinkClick r:id="rId3"/>
+              </a:rPr>
+              <a:t>mergeMap</a:t>
+            </a:r>
+            <a:r>
+              <a:rPr lang="en-US" sz="1200" b="0" i="0" kern="1200" dirty="0">
+                <a:solidFill>
+                  <a:schemeClr val="tx1"/>
+                </a:solidFill>
+                <a:effectLst/>
+                <a:latin typeface="+mn-lt"/>
+                <a:ea typeface="+mn-ea"/>
+                <a:cs typeface="+mn-cs"/>
+              </a:rPr>
+              <a:t> which subscribes immediately to inner observables, the observable with the lesser delay (1000ms) will emit, followed by the observable which takes 2000ms to complete.</a:t>
+            </a:r>
+            <a:endParaRPr lang="en-US" dirty="0"/>
+          </a:p>
+        </p:txBody>
+      </p:sp>
+      <p:sp>
+        <p:nvSpPr>
+          <p:cNvPr id="4" name="Slide Number Placeholder 3"/>
+          <p:cNvSpPr>
+            <a:spLocks noGrp="1"/>
+          </p:cNvSpPr>
+          <p:nvPr>
+            <p:ph type="sldNum" sz="quarter" idx="10"/>
+          </p:nvPr>
+        </p:nvSpPr>
+        <p:spPr/>
+        <p:txBody>
+          <a:bodyPr/>
+          <a:lstStyle/>
+          <a:p>
+            <a:fld id="{60494BC2-912A-4926-9316-56EB5CA2D0BC}" type="slidenum">
+              <a:rPr lang="en-US" smtClean="0"/>
+              <a:t>11</a:t>
+            </a:fld>
+            <a:endParaRPr lang="en-US"/>
+          </a:p>
+        </p:txBody>
+      </p:sp>
+    </p:spTree>
+    <p:extLst>
+      <p:ext uri="{BB962C8B-B14F-4D97-AF65-F5344CB8AC3E}">
+        <p14:creationId xmlns:p14="http://schemas.microsoft.com/office/powerpoint/2010/main" val="1954274113"/>
+      </p:ext>
+    </p:extLst>
+  </p:cSld>
+  <p:clrMapOvr>
+    <a:masterClrMapping/>
+  </p:clrMapOvr>
+</p:notes>
+</file>
+
+<file path=ppt/notesSlides/notesSlide12.xml><?xml version="1.0" encoding="utf-8"?>
+<p:notes xmlns:a="http://schemas.openxmlformats.org/drawingml/2006/main" xmlns:r="http://schemas.openxmlformats.org/officeDocument/2006/relationships" xmlns:p="http://schemas.openxmlformats.org/presentationml/2006/main">
+  <p:cSld>
+    <p:spTree>
+      <p:nvGrpSpPr>
+        <p:cNvPr id="1" name=""/>
+        <p:cNvGrpSpPr/>
+        <p:nvPr/>
+      </p:nvGrpSpPr>
+      <p:grpSpPr>
+        <a:xfrm>
+          <a:off x="0" y="0"/>
+          <a:ext cx="0" cy="0"/>
+          <a:chOff x="0" y="0"/>
+          <a:chExt cx="0" cy="0"/>
+        </a:xfrm>
+      </p:grpSpPr>
+      <p:sp>
+        <p:nvSpPr>
+          <p:cNvPr id="2" name="Slide Image Placeholder 1"/>
+          <p:cNvSpPr>
+            <a:spLocks noGrp="1" noRot="1" noChangeAspect="1"/>
+          </p:cNvSpPr>
+          <p:nvPr>
+            <p:ph type="sldImg"/>
+          </p:nvPr>
+        </p:nvSpPr>
+        <p:spPr/>
+      </p:sp>
+      <p:sp>
+        <p:nvSpPr>
+          <p:cNvPr id="3" name="Notes Placeholder 2"/>
+          <p:cNvSpPr>
+            <a:spLocks noGrp="1"/>
+          </p:cNvSpPr>
+          <p:nvPr>
+            <p:ph type="body" idx="1"/>
+          </p:nvPr>
+        </p:nvSpPr>
+        <p:spPr/>
+        <p:txBody>
+          <a:bodyPr/>
+          <a:lstStyle/>
+          <a:p>
+            <a:endParaRPr lang="en-US" dirty="0"/>
+          </a:p>
+        </p:txBody>
+      </p:sp>
+      <p:sp>
+        <p:nvSpPr>
+          <p:cNvPr id="4" name="Slide Number Placeholder 3"/>
+          <p:cNvSpPr>
+            <a:spLocks noGrp="1"/>
+          </p:cNvSpPr>
+          <p:nvPr>
+            <p:ph type="sldNum" sz="quarter" idx="10"/>
+          </p:nvPr>
+        </p:nvSpPr>
+        <p:spPr/>
+        <p:txBody>
+          <a:bodyPr/>
+          <a:lstStyle/>
+          <a:p>
+            <a:fld id="{60494BC2-912A-4926-9316-56EB5CA2D0BC}" type="slidenum">
+              <a:rPr lang="en-US" smtClean="0"/>
+              <a:t>12</a:t>
+            </a:fld>
+            <a:endParaRPr lang="en-US"/>
+          </a:p>
+        </p:txBody>
+      </p:sp>
+    </p:spTree>
+    <p:extLst>
+      <p:ext uri="{BB962C8B-B14F-4D97-AF65-F5344CB8AC3E}">
+        <p14:creationId xmlns:p14="http://schemas.microsoft.com/office/powerpoint/2010/main" val="1958878740"/>
+      </p:ext>
+    </p:extLst>
+  </p:cSld>
+  <p:clrMapOvr>
+    <a:masterClrMapping/>
+  </p:clrMapOvr>
+</p:notes>
+</file>
+
+<file path=ppt/notesSlides/notesSlide2.xml><?xml version="1.0" encoding="utf-8"?>
+<p:notes xmlns:a="http://schemas.openxmlformats.org/drawingml/2006/main" xmlns:r="http://schemas.openxmlformats.org/officeDocument/2006/relationships" xmlns:p="http://schemas.openxmlformats.org/presentationml/2006/main">
+  <p:cSld>
+    <p:spTree>
+      <p:nvGrpSpPr>
+        <p:cNvPr id="1" name=""/>
+        <p:cNvGrpSpPr/>
+        <p:nvPr/>
+      </p:nvGrpSpPr>
+      <p:grpSpPr>
+        <a:xfrm>
+          <a:off x="0" y="0"/>
+          <a:ext cx="0" cy="0"/>
+          <a:chOff x="0" y="0"/>
+          <a:chExt cx="0" cy="0"/>
+        </a:xfrm>
+      </p:grpSpPr>
+      <p:sp>
+        <p:nvSpPr>
+          <p:cNvPr id="2" name="Slide Image Placeholder 1"/>
+          <p:cNvSpPr>
+            <a:spLocks noGrp="1" noRot="1" noChangeAspect="1"/>
+          </p:cNvSpPr>
+          <p:nvPr>
+            <p:ph type="sldImg"/>
+          </p:nvPr>
+        </p:nvSpPr>
+        <p:spPr/>
+      </p:sp>
+      <p:sp>
+        <p:nvSpPr>
+          <p:cNvPr id="3" name="Notes Placeholder 2"/>
+          <p:cNvSpPr>
+            <a:spLocks noGrp="1"/>
+          </p:cNvSpPr>
+          <p:nvPr>
+            <p:ph type="body" idx="1"/>
+          </p:nvPr>
+        </p:nvSpPr>
+        <p:spPr/>
+        <p:txBody>
+          <a:bodyPr/>
+          <a:lstStyle/>
+          <a:p>
+            <a:r>
+              <a:rPr lang="en-US" sz="1200" b="1" i="0" kern="1200" dirty="0">
+                <a:solidFill>
+                  <a:schemeClr val="tx1"/>
+                </a:solidFill>
+                <a:effectLst/>
+                <a:latin typeface="+mn-lt"/>
+                <a:ea typeface="+mn-ea"/>
+                <a:cs typeface="+mn-cs"/>
+              </a:rPr>
+              <a:t>Reactive programming is programming with asynchronous data streams.</a:t>
+            </a:r>
+          </a:p>
+          <a:p>
+            <a:r>
+              <a:rPr lang="en-US" sz="1200" b="0" i="0" kern="1200" dirty="0">
+                <a:solidFill>
+                  <a:schemeClr val="tx1"/>
+                </a:solidFill>
+                <a:effectLst/>
+                <a:latin typeface="+mn-lt"/>
+                <a:ea typeface="+mn-ea"/>
+                <a:cs typeface="+mn-cs"/>
+              </a:rPr>
+              <a:t>In a way, this isn't anything new. Event buses or your typical click events are really an asynchronous event stream, on which you can observe and do some side effects. Reactive is that idea on steroids. </a:t>
+            </a:r>
+          </a:p>
+          <a:p>
+            <a:endParaRPr lang="en-US" sz="1200" b="0" i="0" kern="1200" dirty="0">
+              <a:solidFill>
+                <a:schemeClr val="tx1"/>
+              </a:solidFill>
+              <a:effectLst/>
+              <a:latin typeface="+mn-lt"/>
+              <a:ea typeface="+mn-ea"/>
+              <a:cs typeface="+mn-cs"/>
+            </a:endParaRPr>
+          </a:p>
+          <a:p>
+            <a:pPr marL="0" marR="0" lvl="0" indent="0" algn="l" defTabSz="914400" rtl="0" eaLnBrk="1" fontAlgn="auto" latinLnBrk="0" hangingPunct="1">
+              <a:lnSpc>
+                <a:spcPct val="100000"/>
+              </a:lnSpc>
+              <a:spcBef>
+                <a:spcPts val="0"/>
+              </a:spcBef>
+              <a:spcAft>
+                <a:spcPts val="0"/>
+              </a:spcAft>
+              <a:buClrTx/>
+              <a:buSzTx/>
+              <a:buFontTx/>
+              <a:buNone/>
+              <a:tabLst/>
+              <a:defRPr/>
+            </a:pPr>
+            <a:r>
+              <a:rPr lang="en-US" sz="1200" b="0" i="0" kern="1200" dirty="0">
+                <a:solidFill>
+                  <a:schemeClr val="tx1"/>
+                </a:solidFill>
+                <a:effectLst/>
+                <a:latin typeface="+mn-lt"/>
+                <a:ea typeface="+mn-ea"/>
+                <a:cs typeface="+mn-cs"/>
+              </a:rPr>
+              <a:t>A Stream as a sequence of ordered events in timeline.</a:t>
+            </a:r>
+          </a:p>
+          <a:p>
+            <a:pPr marL="0" marR="0" lvl="0" indent="0" algn="l" defTabSz="914400" rtl="0" eaLnBrk="1" fontAlgn="auto" latinLnBrk="0" hangingPunct="1">
+              <a:lnSpc>
+                <a:spcPct val="100000"/>
+              </a:lnSpc>
+              <a:spcBef>
+                <a:spcPts val="0"/>
+              </a:spcBef>
+              <a:spcAft>
+                <a:spcPts val="0"/>
+              </a:spcAft>
+              <a:buClrTx/>
+              <a:buSzTx/>
+              <a:buFontTx/>
+              <a:buNone/>
+              <a:tabLst/>
+              <a:defRPr/>
+            </a:pPr>
+            <a:endParaRPr lang="en-US" sz="1200" b="0" i="0" kern="1200" dirty="0">
+              <a:solidFill>
+                <a:schemeClr val="tx1"/>
+              </a:solidFill>
+              <a:effectLst/>
+              <a:latin typeface="+mn-lt"/>
+              <a:ea typeface="+mn-ea"/>
+              <a:cs typeface="+mn-cs"/>
+            </a:endParaRPr>
+          </a:p>
+          <a:p>
+            <a:r>
+              <a:rPr lang="en-US" sz="1200" b="0" i="0" kern="1200" dirty="0">
+                <a:solidFill>
+                  <a:schemeClr val="tx1"/>
+                </a:solidFill>
+                <a:effectLst/>
+                <a:latin typeface="+mn-lt"/>
+                <a:ea typeface="+mn-ea"/>
+                <a:cs typeface="+mn-cs"/>
+              </a:rPr>
+              <a:t>You are able to create data streams of anything, not just from click and hover events. Streams are cheap and ubiquitous, anything can be a stream: variables, user inputs, properties, caches, data structures, etc. </a:t>
+            </a:r>
+          </a:p>
+          <a:p>
+            <a:endParaRPr lang="en-US" sz="1200" b="0" i="0" kern="1200" dirty="0">
+              <a:solidFill>
+                <a:schemeClr val="tx1"/>
+              </a:solidFill>
+              <a:effectLst/>
+              <a:latin typeface="+mn-lt"/>
+              <a:ea typeface="+mn-ea"/>
+              <a:cs typeface="+mn-cs"/>
+            </a:endParaRPr>
+          </a:p>
+          <a:p>
+            <a:r>
+              <a:rPr lang="en-US" sz="1200" b="0" i="0" kern="1200" dirty="0">
+                <a:solidFill>
+                  <a:schemeClr val="tx1"/>
+                </a:solidFill>
+                <a:effectLst/>
+                <a:latin typeface="+mn-lt"/>
+                <a:ea typeface="+mn-ea"/>
+                <a:cs typeface="+mn-cs"/>
+              </a:rPr>
+              <a:t>For example, imagine your Twitter feed would be a data stream in the same fashion that click events are. You can listen to that stream and react accordingly.</a:t>
+            </a:r>
+          </a:p>
+          <a:p>
+            <a:endParaRPr lang="en-US" dirty="0"/>
+          </a:p>
+        </p:txBody>
+      </p:sp>
+      <p:sp>
+        <p:nvSpPr>
+          <p:cNvPr id="4" name="Slide Number Placeholder 3"/>
+          <p:cNvSpPr>
+            <a:spLocks noGrp="1"/>
+          </p:cNvSpPr>
+          <p:nvPr>
+            <p:ph type="sldNum" sz="quarter" idx="10"/>
+          </p:nvPr>
+        </p:nvSpPr>
+        <p:spPr/>
+        <p:txBody>
+          <a:bodyPr/>
+          <a:lstStyle/>
+          <a:p>
+            <a:fld id="{60494BC2-912A-4926-9316-56EB5CA2D0BC}" type="slidenum">
+              <a:rPr lang="en-US" smtClean="0"/>
+              <a:t>2</a:t>
+            </a:fld>
+            <a:endParaRPr lang="en-US"/>
+          </a:p>
+        </p:txBody>
+      </p:sp>
+    </p:spTree>
+    <p:extLst>
+      <p:ext uri="{BB962C8B-B14F-4D97-AF65-F5344CB8AC3E}">
+        <p14:creationId xmlns:p14="http://schemas.microsoft.com/office/powerpoint/2010/main" val="3000929050"/>
+      </p:ext>
+    </p:extLst>
+  </p:cSld>
+  <p:clrMapOvr>
+    <a:masterClrMapping/>
+  </p:clrMapOvr>
+</p:notes>
+</file>
+
+<file path=ppt/notesSlides/notesSlide3.xml><?xml version="1.0" encoding="utf-8"?>
+<p:notes xmlns:a="http://schemas.openxmlformats.org/drawingml/2006/main" xmlns:r="http://schemas.openxmlformats.org/officeDocument/2006/relationships" xmlns:p="http://schemas.openxmlformats.org/presentationml/2006/main">
+  <p:cSld>
+    <p:spTree>
+      <p:nvGrpSpPr>
+        <p:cNvPr id="1" name=""/>
+        <p:cNvGrpSpPr/>
+        <p:nvPr/>
+      </p:nvGrpSpPr>
+      <p:grpSpPr>
+        <a:xfrm>
+          <a:off x="0" y="0"/>
+          <a:ext cx="0" cy="0"/>
+          <a:chOff x="0" y="0"/>
+          <a:chExt cx="0" cy="0"/>
+        </a:xfrm>
+      </p:grpSpPr>
+      <p:sp>
+        <p:nvSpPr>
+          <p:cNvPr id="2" name="Slide Image Placeholder 1"/>
+          <p:cNvSpPr>
+            <a:spLocks noGrp="1" noRot="1" noChangeAspect="1"/>
+          </p:cNvSpPr>
+          <p:nvPr>
+            <p:ph type="sldImg"/>
+          </p:nvPr>
+        </p:nvSpPr>
+        <p:spPr/>
+      </p:sp>
+      <p:sp>
+        <p:nvSpPr>
+          <p:cNvPr id="3" name="Notes Placeholder 2"/>
+          <p:cNvSpPr>
+            <a:spLocks noGrp="1"/>
+          </p:cNvSpPr>
+          <p:nvPr>
+            <p:ph type="body" idx="1"/>
+          </p:nvPr>
+        </p:nvSpPr>
+        <p:spPr/>
+        <p:txBody>
+          <a:bodyPr/>
+          <a:lstStyle/>
+          <a:p>
+            <a:pPr fontAlgn="ctr"/>
+            <a:r>
+              <a:rPr lang="en-US" b="1" i="1" dirty="0"/>
+              <a:t>Observables are an array that gets built over time. Then, you can loop on this array by subscribing to it.</a:t>
+            </a:r>
+          </a:p>
+          <a:p>
+            <a:pPr fontAlgn="ctr"/>
+            <a:r>
+              <a:rPr lang="en-US" b="1" i="1" dirty="0"/>
+              <a:t>Observables help JavaScript integrate a proper "observer design pattern“ </a:t>
+            </a:r>
+          </a:p>
+          <a:p>
+            <a:pPr fontAlgn="ctr"/>
+            <a:r>
+              <a:rPr lang="en-US" b="1" i="1" dirty="0"/>
+              <a:t>Observables are functions that tie an </a:t>
+            </a:r>
+            <a:r>
+              <a:rPr lang="en-US" b="1" i="1" u="sng" dirty="0"/>
+              <a:t>observer to a producer</a:t>
+            </a:r>
+            <a:r>
+              <a:rPr lang="en-US" b="1" i="1" dirty="0"/>
+              <a:t>.</a:t>
+            </a:r>
+            <a:r>
+              <a:rPr lang="en-US" b="1" dirty="0"/>
+              <a:t> </a:t>
+            </a:r>
+          </a:p>
+          <a:p>
+            <a:r>
+              <a:rPr lang="en-US" b="1" dirty="0"/>
+              <a:t>What’s a “Producer”?</a:t>
+            </a:r>
+          </a:p>
+          <a:p>
+            <a:pPr lvl="1"/>
+            <a:r>
+              <a:rPr lang="en-US" sz="1000" b="1" i="1" dirty="0"/>
+              <a:t>A producer is the source of values for your observable. It could be a web socket, it could be DOM events, it could be an iterator, or something looping over an array. Basically, it’s anything you’re using to get values and pass them to `</a:t>
+            </a:r>
+            <a:r>
+              <a:rPr lang="en-US" sz="1000" b="1" i="1" dirty="0" err="1"/>
+              <a:t>observer.next</a:t>
+            </a:r>
+            <a:r>
+              <a:rPr lang="en-US" sz="1000" b="1" i="1" dirty="0"/>
+              <a:t>(value)`.</a:t>
+            </a:r>
+          </a:p>
+          <a:p>
+            <a:endParaRPr lang="en-US" sz="1200" b="0" i="0" kern="1200" dirty="0">
+              <a:solidFill>
+                <a:schemeClr val="tx1"/>
+              </a:solidFill>
+              <a:effectLst/>
+              <a:latin typeface="+mn-lt"/>
+              <a:ea typeface="+mn-ea"/>
+              <a:cs typeface="+mn-cs"/>
+            </a:endParaRPr>
+          </a:p>
+          <a:p>
+            <a:pPr marL="0" marR="0" lvl="0" indent="0" algn="l" defTabSz="914400" rtl="0" eaLnBrk="1" fontAlgn="auto" latinLnBrk="0" hangingPunct="1">
+              <a:lnSpc>
+                <a:spcPct val="100000"/>
+              </a:lnSpc>
+              <a:spcBef>
+                <a:spcPts val="0"/>
+              </a:spcBef>
+              <a:spcAft>
+                <a:spcPts val="0"/>
+              </a:spcAft>
+              <a:buClrTx/>
+              <a:buSzTx/>
+              <a:buFontTx/>
+              <a:buNone/>
+              <a:tabLst/>
+              <a:defRPr/>
+            </a:pPr>
+            <a:r>
+              <a:rPr lang="en-US" dirty="0"/>
+              <a:t>The </a:t>
+            </a:r>
+            <a:r>
+              <a:rPr lang="en-US" b="1" dirty="0"/>
+              <a:t>.create()</a:t>
+            </a:r>
+            <a:r>
+              <a:rPr lang="en-US" dirty="0"/>
+              <a:t> method accepts a single argument, which is a </a:t>
+            </a:r>
+            <a:r>
+              <a:rPr lang="en-US" i="1" dirty="0"/>
+              <a:t>subscribe</a:t>
+            </a:r>
+            <a:r>
+              <a:rPr lang="en-US" dirty="0"/>
+              <a:t> function. This subscribe function accepts an </a:t>
+            </a:r>
+            <a:r>
+              <a:rPr lang="en-US" i="1" dirty="0"/>
+              <a:t>observer</a:t>
+            </a:r>
+            <a:r>
+              <a:rPr lang="en-US" dirty="0"/>
+              <a:t> argument.</a:t>
+            </a:r>
+          </a:p>
+          <a:p>
+            <a:endParaRPr lang="en-US" sz="1200" b="0" i="0" kern="1200" dirty="0">
+              <a:solidFill>
+                <a:schemeClr val="tx1"/>
+              </a:solidFill>
+              <a:effectLst/>
+              <a:latin typeface="+mn-lt"/>
+              <a:ea typeface="+mn-ea"/>
+              <a:cs typeface="+mn-cs"/>
+            </a:endParaRPr>
+          </a:p>
+          <a:p>
+            <a:r>
+              <a:rPr lang="en-US" sz="1200" b="0" i="0" kern="1200" dirty="0">
+                <a:solidFill>
+                  <a:schemeClr val="tx1"/>
+                </a:solidFill>
+                <a:effectLst/>
+                <a:latin typeface="+mn-lt"/>
+                <a:ea typeface="+mn-ea"/>
+                <a:cs typeface="+mn-cs"/>
+              </a:rPr>
+              <a:t>Typically, you can emit three different types of data: data payload, error and end of stream signal. </a:t>
+            </a:r>
+          </a:p>
+          <a:p>
+            <a:endParaRPr lang="en-US" sz="1200" b="0" i="0" kern="1200" dirty="0">
+              <a:solidFill>
+                <a:schemeClr val="tx1"/>
+              </a:solidFill>
+              <a:effectLst/>
+              <a:latin typeface="+mn-lt"/>
+              <a:ea typeface="+mn-ea"/>
+              <a:cs typeface="+mn-cs"/>
+            </a:endParaRPr>
+          </a:p>
+          <a:p>
+            <a:r>
+              <a:rPr lang="en-US" sz="1200" b="0" i="0" kern="1200" dirty="0">
+                <a:solidFill>
+                  <a:schemeClr val="tx1"/>
+                </a:solidFill>
+                <a:effectLst/>
+                <a:latin typeface="+mn-lt"/>
+                <a:ea typeface="+mn-ea"/>
+                <a:cs typeface="+mn-cs"/>
+              </a:rPr>
+              <a:t>You can attach own handlers on each type of data, or just focus on data payload only.</a:t>
+            </a:r>
+          </a:p>
+          <a:p>
+            <a:endParaRPr lang="en-US" sz="1200" b="0" i="0" kern="1200" dirty="0">
+              <a:solidFill>
+                <a:schemeClr val="tx1"/>
+              </a:solidFill>
+              <a:effectLst/>
+              <a:latin typeface="+mn-lt"/>
+              <a:ea typeface="+mn-ea"/>
+              <a:cs typeface="+mn-cs"/>
+            </a:endParaRPr>
+          </a:p>
+        </p:txBody>
+      </p:sp>
+      <p:sp>
+        <p:nvSpPr>
+          <p:cNvPr id="4" name="Slide Number Placeholder 3"/>
+          <p:cNvSpPr>
+            <a:spLocks noGrp="1"/>
+          </p:cNvSpPr>
+          <p:nvPr>
+            <p:ph type="sldNum" sz="quarter" idx="10"/>
+          </p:nvPr>
+        </p:nvSpPr>
+        <p:spPr/>
+        <p:txBody>
+          <a:bodyPr/>
+          <a:lstStyle/>
+          <a:p>
+            <a:fld id="{60494BC2-912A-4926-9316-56EB5CA2D0BC}" type="slidenum">
+              <a:rPr lang="en-US" smtClean="0"/>
+              <a:t>3</a:t>
+            </a:fld>
+            <a:endParaRPr lang="en-US"/>
+          </a:p>
+        </p:txBody>
+      </p:sp>
+    </p:spTree>
+    <p:extLst>
+      <p:ext uri="{BB962C8B-B14F-4D97-AF65-F5344CB8AC3E}">
+        <p14:creationId xmlns:p14="http://schemas.microsoft.com/office/powerpoint/2010/main" val="4094532180"/>
+      </p:ext>
+    </p:extLst>
+  </p:cSld>
+  <p:clrMapOvr>
+    <a:masterClrMapping/>
+  </p:clrMapOvr>
+</p:notes>
+</file>
+
+<file path=ppt/notesSlides/notesSlide4.xml><?xml version="1.0" encoding="utf-8"?>
+<p:notes xmlns:a="http://schemas.openxmlformats.org/drawingml/2006/main" xmlns:r="http://schemas.openxmlformats.org/officeDocument/2006/relationships" xmlns:p="http://schemas.openxmlformats.org/presentationml/2006/main">
+  <p:cSld>
+    <p:spTree>
+      <p:nvGrpSpPr>
+        <p:cNvPr id="1" name=""/>
+        <p:cNvGrpSpPr/>
+        <p:nvPr/>
+      </p:nvGrpSpPr>
+      <p:grpSpPr>
+        <a:xfrm>
+          <a:off x="0" y="0"/>
+          <a:ext cx="0" cy="0"/>
+          <a:chOff x="0" y="0"/>
+          <a:chExt cx="0" cy="0"/>
+        </a:xfrm>
+      </p:grpSpPr>
+      <p:sp>
+        <p:nvSpPr>
+          <p:cNvPr id="2" name="Slide Image Placeholder 1"/>
+          <p:cNvSpPr>
+            <a:spLocks noGrp="1" noRot="1" noChangeAspect="1"/>
+          </p:cNvSpPr>
+          <p:nvPr>
+            <p:ph type="sldImg"/>
+          </p:nvPr>
+        </p:nvSpPr>
+        <p:spPr/>
+      </p:sp>
+      <p:sp>
+        <p:nvSpPr>
+          <p:cNvPr id="3" name="Notes Placeholder 2"/>
+          <p:cNvSpPr>
+            <a:spLocks noGrp="1"/>
+          </p:cNvSpPr>
+          <p:nvPr>
+            <p:ph type="body" idx="1"/>
+          </p:nvPr>
+        </p:nvSpPr>
+        <p:spPr/>
+        <p:txBody>
+          <a:bodyPr/>
+          <a:lstStyle/>
+          <a:p>
+            <a:pPr marL="0" marR="0" lvl="0" indent="0" algn="l" defTabSz="914400" rtl="0" eaLnBrk="1" fontAlgn="auto" latinLnBrk="0" hangingPunct="1">
+              <a:lnSpc>
+                <a:spcPct val="100000"/>
+              </a:lnSpc>
+              <a:spcBef>
+                <a:spcPts val="0"/>
+              </a:spcBef>
+              <a:spcAft>
+                <a:spcPts val="0"/>
+              </a:spcAft>
+              <a:buClrTx/>
+              <a:buSzTx/>
+              <a:buFontTx/>
+              <a:buNone/>
+              <a:tabLst/>
+              <a:defRPr/>
+            </a:pPr>
+            <a:r>
+              <a:rPr lang="en-US" dirty="0"/>
+              <a:t>When you subscribe to an observable with an observer, you've created a subscription. </a:t>
+            </a:r>
+          </a:p>
+          <a:p>
+            <a:pPr marL="0" marR="0" lvl="0" indent="0" algn="l" defTabSz="914400" rtl="0" eaLnBrk="1" fontAlgn="auto" latinLnBrk="0" hangingPunct="1">
+              <a:lnSpc>
+                <a:spcPct val="100000"/>
+              </a:lnSpc>
+              <a:spcBef>
+                <a:spcPts val="0"/>
+              </a:spcBef>
+              <a:spcAft>
+                <a:spcPts val="0"/>
+              </a:spcAft>
+              <a:buClrTx/>
+              <a:buSzTx/>
+              <a:buFontTx/>
+              <a:buNone/>
+              <a:tabLst/>
+              <a:defRPr/>
+            </a:pPr>
+            <a:endParaRPr lang="en-US" dirty="0"/>
+          </a:p>
+          <a:p>
+            <a:pPr marL="0" marR="0" lvl="0" indent="0" algn="l" defTabSz="914400" rtl="0" eaLnBrk="1" fontAlgn="auto" latinLnBrk="0" hangingPunct="1">
+              <a:lnSpc>
+                <a:spcPct val="100000"/>
+              </a:lnSpc>
+              <a:spcBef>
+                <a:spcPts val="0"/>
+              </a:spcBef>
+              <a:spcAft>
+                <a:spcPts val="0"/>
+              </a:spcAft>
+              <a:buClrTx/>
+              <a:buSzTx/>
+              <a:buFontTx/>
+              <a:buNone/>
+              <a:tabLst/>
+              <a:defRPr/>
+            </a:pPr>
+            <a:r>
+              <a:rPr lang="en-US" dirty="0"/>
+              <a:t>You're given the ability to cancel that subscription in the event that you no longer need to receive the emitted values from the observer. This is also important for performance issues.</a:t>
+            </a:r>
+          </a:p>
+          <a:p>
+            <a:endParaRPr lang="en-US" dirty="0"/>
+          </a:p>
+        </p:txBody>
+      </p:sp>
+      <p:sp>
+        <p:nvSpPr>
+          <p:cNvPr id="4" name="Slide Number Placeholder 3"/>
+          <p:cNvSpPr>
+            <a:spLocks noGrp="1"/>
+          </p:cNvSpPr>
+          <p:nvPr>
+            <p:ph type="sldNum" sz="quarter" idx="10"/>
+          </p:nvPr>
+        </p:nvSpPr>
+        <p:spPr/>
+        <p:txBody>
+          <a:bodyPr/>
+          <a:lstStyle/>
+          <a:p>
+            <a:fld id="{60494BC2-912A-4926-9316-56EB5CA2D0BC}" type="slidenum">
+              <a:rPr lang="en-US" smtClean="0"/>
+              <a:t>4</a:t>
+            </a:fld>
+            <a:endParaRPr lang="en-US"/>
+          </a:p>
+        </p:txBody>
+      </p:sp>
+    </p:spTree>
+    <p:extLst>
+      <p:ext uri="{BB962C8B-B14F-4D97-AF65-F5344CB8AC3E}">
+        <p14:creationId xmlns:p14="http://schemas.microsoft.com/office/powerpoint/2010/main" val="1377154602"/>
+      </p:ext>
+    </p:extLst>
+  </p:cSld>
+  <p:clrMapOvr>
+    <a:masterClrMapping/>
+  </p:clrMapOvr>
+</p:notes>
+</file>
+
+<file path=ppt/notesSlides/notesSlide5.xml><?xml version="1.0" encoding="utf-8"?>
+<p:notes xmlns:a="http://schemas.openxmlformats.org/drawingml/2006/main" xmlns:r="http://schemas.openxmlformats.org/officeDocument/2006/relationships" xmlns:p="http://schemas.openxmlformats.org/presentationml/2006/main">
+  <p:cSld>
+    <p:spTree>
+      <p:nvGrpSpPr>
+        <p:cNvPr id="1" name=""/>
+        <p:cNvGrpSpPr/>
+        <p:nvPr/>
+      </p:nvGrpSpPr>
+      <p:grpSpPr>
+        <a:xfrm>
+          <a:off x="0" y="0"/>
+          <a:ext cx="0" cy="0"/>
+          <a:chOff x="0" y="0"/>
+          <a:chExt cx="0" cy="0"/>
+        </a:xfrm>
+      </p:grpSpPr>
+      <p:sp>
+        <p:nvSpPr>
+          <p:cNvPr id="2" name="Slide Image Placeholder 1"/>
+          <p:cNvSpPr>
+            <a:spLocks noGrp="1" noRot="1" noChangeAspect="1"/>
+          </p:cNvSpPr>
+          <p:nvPr>
+            <p:ph type="sldImg"/>
+          </p:nvPr>
+        </p:nvSpPr>
+        <p:spPr/>
+      </p:sp>
+      <p:sp>
+        <p:nvSpPr>
+          <p:cNvPr id="3" name="Notes Placeholder 2"/>
+          <p:cNvSpPr>
+            <a:spLocks noGrp="1"/>
+          </p:cNvSpPr>
+          <p:nvPr>
+            <p:ph type="body" idx="1"/>
+          </p:nvPr>
+        </p:nvSpPr>
+        <p:spPr/>
+        <p:txBody>
+          <a:bodyPr/>
+          <a:lstStyle/>
+          <a:p>
+            <a:r>
+              <a:rPr lang="en-US" sz="1200" b="0" i="0" kern="1200" dirty="0">
+                <a:solidFill>
+                  <a:schemeClr val="tx1"/>
+                </a:solidFill>
+                <a:effectLst/>
+                <a:latin typeface="+mn-lt"/>
+                <a:ea typeface="+mn-ea"/>
+                <a:cs typeface="+mn-cs"/>
+              </a:rPr>
+              <a:t> A Promise is simply an Observable with one single emitted value. Rx streams go beyond promises by allowing many returned values.</a:t>
+            </a:r>
+          </a:p>
+          <a:p>
+            <a:r>
+              <a:rPr lang="en-US" sz="1200" b="0" i="0" kern="1200" dirty="0">
+                <a:solidFill>
+                  <a:schemeClr val="tx1"/>
+                </a:solidFill>
+                <a:effectLst/>
+                <a:latin typeface="+mn-lt"/>
+                <a:ea typeface="+mn-ea"/>
+                <a:cs typeface="+mn-cs"/>
+              </a:rPr>
+              <a:t>This is pretty nice, and shows how Observables are at least as powerful as Promises. So if you believe the Promises hype, keep an eye on what Rx Observables are capable of.</a:t>
+            </a:r>
+          </a:p>
+          <a:p>
+            <a:endParaRPr lang="en-US" dirty="0"/>
+          </a:p>
+        </p:txBody>
+      </p:sp>
+      <p:sp>
+        <p:nvSpPr>
+          <p:cNvPr id="4" name="Slide Number Placeholder 3"/>
+          <p:cNvSpPr>
+            <a:spLocks noGrp="1"/>
+          </p:cNvSpPr>
+          <p:nvPr>
+            <p:ph type="sldNum" sz="quarter" idx="10"/>
+          </p:nvPr>
+        </p:nvSpPr>
+        <p:spPr/>
+        <p:txBody>
+          <a:bodyPr/>
+          <a:lstStyle/>
+          <a:p>
+            <a:fld id="{60494BC2-912A-4926-9316-56EB5CA2D0BC}" type="slidenum">
+              <a:rPr lang="en-US" smtClean="0"/>
+              <a:t>5</a:t>
+            </a:fld>
+            <a:endParaRPr lang="en-US"/>
+          </a:p>
+        </p:txBody>
+      </p:sp>
+    </p:spTree>
+    <p:extLst>
+      <p:ext uri="{BB962C8B-B14F-4D97-AF65-F5344CB8AC3E}">
+        <p14:creationId xmlns:p14="http://schemas.microsoft.com/office/powerpoint/2010/main" val="2391575517"/>
+      </p:ext>
+    </p:extLst>
+  </p:cSld>
+  <p:clrMapOvr>
+    <a:masterClrMapping/>
+  </p:clrMapOvr>
+</p:notes>
+</file>
+
+<file path=ppt/notesSlides/notesSlide6.xml><?xml version="1.0" encoding="utf-8"?>
+<p:notes xmlns:a="http://schemas.openxmlformats.org/drawingml/2006/main" xmlns:r="http://schemas.openxmlformats.org/officeDocument/2006/relationships" xmlns:p="http://schemas.openxmlformats.org/presentationml/2006/main">
+  <p:cSld>
+    <p:spTree>
+      <p:nvGrpSpPr>
+        <p:cNvPr id="1" name=""/>
+        <p:cNvGrpSpPr/>
+        <p:nvPr/>
+      </p:nvGrpSpPr>
+      <p:grpSpPr>
+        <a:xfrm>
+          <a:off x="0" y="0"/>
+          <a:ext cx="0" cy="0"/>
+          <a:chOff x="0" y="0"/>
+          <a:chExt cx="0" cy="0"/>
+        </a:xfrm>
+      </p:grpSpPr>
+      <p:sp>
+        <p:nvSpPr>
+          <p:cNvPr id="2" name="Slide Image Placeholder 1"/>
+          <p:cNvSpPr>
+            <a:spLocks noGrp="1" noRot="1" noChangeAspect="1"/>
+          </p:cNvSpPr>
+          <p:nvPr>
+            <p:ph type="sldImg"/>
+          </p:nvPr>
+        </p:nvSpPr>
+        <p:spPr/>
+      </p:sp>
+      <p:sp>
+        <p:nvSpPr>
+          <p:cNvPr id="3" name="Notes Placeholder 2"/>
+          <p:cNvSpPr>
+            <a:spLocks noGrp="1"/>
+          </p:cNvSpPr>
+          <p:nvPr>
+            <p:ph type="body" idx="1"/>
+          </p:nvPr>
+        </p:nvSpPr>
+        <p:spPr/>
+        <p:txBody>
+          <a:bodyPr/>
+          <a:lstStyle/>
+          <a:p>
+            <a:r>
+              <a:rPr lang="en-US" sz="1200" b="0" i="0" kern="1200" dirty="0">
+                <a:solidFill>
+                  <a:schemeClr val="tx1"/>
+                </a:solidFill>
+                <a:effectLst/>
+                <a:latin typeface="+mn-lt"/>
+                <a:ea typeface="+mn-ea"/>
+                <a:cs typeface="+mn-cs"/>
+              </a:rPr>
+              <a:t>We can call an observable </a:t>
+            </a:r>
+            <a:r>
+              <a:rPr lang="en-US" dirty="0"/>
+              <a:t>hot</a:t>
+            </a:r>
+            <a:r>
+              <a:rPr lang="en-US" sz="1200" b="0" i="0" kern="1200" dirty="0">
+                <a:solidFill>
+                  <a:schemeClr val="tx1"/>
+                </a:solidFill>
+                <a:effectLst/>
+                <a:latin typeface="+mn-lt"/>
+                <a:ea typeface="+mn-ea"/>
+                <a:cs typeface="+mn-cs"/>
+              </a:rPr>
+              <a:t> when it emits values before any consumer is subscribed. Each subscription could receive different values based on their registration time.</a:t>
+            </a:r>
+          </a:p>
+          <a:p>
+            <a:endParaRPr lang="en-US" sz="1200" b="0" i="0" kern="1200" dirty="0">
+              <a:solidFill>
+                <a:schemeClr val="tx1"/>
+              </a:solidFill>
+              <a:effectLst/>
+              <a:latin typeface="+mn-lt"/>
+              <a:ea typeface="+mn-ea"/>
+              <a:cs typeface="+mn-cs"/>
+            </a:endParaRPr>
+          </a:p>
+          <a:p>
+            <a:r>
+              <a:rPr lang="en-US" sz="1200" b="1" i="0" kern="1200" dirty="0">
+                <a:solidFill>
+                  <a:schemeClr val="tx1"/>
+                </a:solidFill>
+                <a:effectLst/>
+                <a:latin typeface="+mn-lt"/>
+                <a:ea typeface="+mn-ea"/>
+                <a:cs typeface="+mn-cs"/>
+              </a:rPr>
+              <a:t>Heat up an Observable 🌞</a:t>
+            </a:r>
+          </a:p>
+          <a:p>
+            <a:r>
+              <a:rPr lang="en-US" sz="1200" b="0" i="0" kern="1200" dirty="0" err="1">
+                <a:solidFill>
+                  <a:schemeClr val="tx1"/>
+                </a:solidFill>
+                <a:effectLst/>
+                <a:latin typeface="+mn-lt"/>
+                <a:ea typeface="+mn-ea"/>
+                <a:cs typeface="+mn-cs"/>
+              </a:rPr>
+              <a:t>RxJs</a:t>
+            </a:r>
+            <a:r>
+              <a:rPr lang="en-US" sz="1200" b="0" i="0" kern="1200" dirty="0">
+                <a:solidFill>
+                  <a:schemeClr val="tx1"/>
+                </a:solidFill>
+                <a:effectLst/>
+                <a:latin typeface="+mn-lt"/>
+                <a:ea typeface="+mn-ea"/>
+                <a:cs typeface="+mn-cs"/>
+              </a:rPr>
+              <a:t> provides methods to generate a variety of </a:t>
+            </a:r>
+            <a:r>
+              <a:rPr lang="en-US" sz="1200" b="0" i="0" kern="1200" dirty="0" err="1">
+                <a:solidFill>
+                  <a:schemeClr val="tx1"/>
+                </a:solidFill>
+                <a:effectLst/>
+                <a:latin typeface="+mn-lt"/>
+                <a:ea typeface="+mn-ea"/>
+                <a:cs typeface="+mn-cs"/>
+              </a:rPr>
+              <a:t>multicasted</a:t>
+            </a:r>
+            <a:r>
+              <a:rPr lang="en-US" sz="1200" b="0" i="0" kern="1200" dirty="0">
+                <a:solidFill>
+                  <a:schemeClr val="tx1"/>
+                </a:solidFill>
+                <a:effectLst/>
+                <a:latin typeface="+mn-lt"/>
+                <a:ea typeface="+mn-ea"/>
+                <a:cs typeface="+mn-cs"/>
+              </a:rPr>
+              <a:t> observables to have the best control over the underlying streams,</a:t>
+            </a:r>
+          </a:p>
+          <a:p>
+            <a:endParaRPr lang="en-US" sz="1200" b="0" i="0" kern="1200" dirty="0">
+              <a:solidFill>
+                <a:schemeClr val="tx1"/>
+              </a:solidFill>
+              <a:effectLst/>
+              <a:latin typeface="+mn-lt"/>
+              <a:ea typeface="+mn-ea"/>
+              <a:cs typeface="+mn-cs"/>
+            </a:endParaRPr>
+          </a:p>
+          <a:p>
+            <a:pPr marL="0" marR="0" lvl="0" indent="0" algn="l" defTabSz="914400" rtl="0" eaLnBrk="1" fontAlgn="auto" latinLnBrk="0" hangingPunct="1">
+              <a:lnSpc>
+                <a:spcPct val="100000"/>
+              </a:lnSpc>
+              <a:spcBef>
+                <a:spcPts val="0"/>
+              </a:spcBef>
+              <a:spcAft>
+                <a:spcPts val="0"/>
+              </a:spcAft>
+              <a:buClrTx/>
+              <a:buSzTx/>
+              <a:buFontTx/>
+              <a:buNone/>
+              <a:tabLst/>
+              <a:defRPr/>
+            </a:pPr>
+            <a:r>
+              <a:rPr lang="en-US" sz="1200" b="1" i="0" u="none" strike="noStrike" kern="1200" dirty="0">
+                <a:solidFill>
+                  <a:schemeClr val="tx1"/>
+                </a:solidFill>
+                <a:effectLst/>
+                <a:latin typeface="+mn-lt"/>
+                <a:ea typeface="+mn-ea"/>
+                <a:cs typeface="+mn-cs"/>
+                <a:hlinkClick r:id="rId3"/>
+              </a:rPr>
+              <a:t>publish()</a:t>
+            </a:r>
+            <a:r>
+              <a:rPr lang="en-US" sz="1200" b="1" i="0" kern="1200" dirty="0">
+                <a:solidFill>
+                  <a:schemeClr val="tx1"/>
+                </a:solidFill>
+                <a:effectLst/>
+                <a:latin typeface="+mn-lt"/>
+                <a:ea typeface="+mn-ea"/>
+                <a:cs typeface="+mn-cs"/>
+              </a:rPr>
+              <a:t>: </a:t>
+            </a:r>
+            <a:r>
+              <a:rPr lang="en-US" sz="1200" b="1" i="0" kern="1200" dirty="0" err="1">
+                <a:solidFill>
+                  <a:schemeClr val="tx1"/>
+                </a:solidFill>
+                <a:effectLst/>
+                <a:latin typeface="+mn-lt"/>
+                <a:ea typeface="+mn-ea"/>
+                <a:cs typeface="+mn-cs"/>
+              </a:rPr>
+              <a:t>ConnectableObservable</a:t>
+            </a:r>
+            <a:endParaRPr lang="en-US" sz="1200" b="1" i="0" kern="1200" dirty="0">
+              <a:solidFill>
+                <a:schemeClr val="tx1"/>
+              </a:solidFill>
+              <a:effectLst/>
+              <a:latin typeface="+mn-lt"/>
+              <a:ea typeface="+mn-ea"/>
+              <a:cs typeface="+mn-cs"/>
+            </a:endParaRPr>
+          </a:p>
+          <a:p>
+            <a:r>
+              <a:rPr lang="en-US" sz="1200" b="1" i="0" u="none" strike="noStrike" kern="1200" dirty="0" err="1">
+                <a:solidFill>
+                  <a:schemeClr val="tx1"/>
+                </a:solidFill>
+                <a:effectLst/>
+                <a:latin typeface="+mn-lt"/>
+                <a:ea typeface="+mn-ea"/>
+                <a:cs typeface="+mn-cs"/>
+                <a:hlinkClick r:id="rId4"/>
+              </a:rPr>
+              <a:t>publishReplay</a:t>
+            </a:r>
+            <a:r>
+              <a:rPr lang="en-US" sz="1200" b="1" i="0" kern="1200" dirty="0">
+                <a:solidFill>
+                  <a:schemeClr val="tx1"/>
+                </a:solidFill>
+                <a:effectLst/>
+                <a:latin typeface="+mn-lt"/>
+                <a:ea typeface="+mn-ea"/>
+                <a:cs typeface="+mn-cs"/>
+              </a:rPr>
+              <a:t>(): </a:t>
+            </a:r>
+            <a:r>
+              <a:rPr lang="en-US" sz="1200" b="1" i="0" kern="1200" dirty="0" err="1">
+                <a:solidFill>
+                  <a:schemeClr val="tx1"/>
+                </a:solidFill>
+                <a:effectLst/>
+                <a:latin typeface="+mn-lt"/>
+                <a:ea typeface="+mn-ea"/>
+                <a:cs typeface="+mn-cs"/>
+              </a:rPr>
+              <a:t>ConnectableObservable</a:t>
+            </a:r>
+            <a:endParaRPr lang="en-US" sz="1200" b="1" i="0" kern="1200" dirty="0">
+              <a:solidFill>
+                <a:schemeClr val="tx1"/>
+              </a:solidFill>
+              <a:effectLst/>
+              <a:latin typeface="+mn-lt"/>
+              <a:ea typeface="+mn-ea"/>
+              <a:cs typeface="+mn-cs"/>
+            </a:endParaRPr>
+          </a:p>
+          <a:p>
+            <a:r>
+              <a:rPr lang="en-US" sz="1200" b="0" i="0" kern="1200" dirty="0">
+                <a:solidFill>
+                  <a:schemeClr val="tx1"/>
+                </a:solidFill>
+                <a:effectLst/>
+                <a:latin typeface="+mn-lt"/>
+                <a:ea typeface="+mn-ea"/>
+                <a:cs typeface="+mn-cs"/>
+              </a:rPr>
+              <a:t>This method allows us to specify a buffer that can be consumed by late subscribers.</a:t>
+            </a:r>
+          </a:p>
+          <a:p>
+            <a:endParaRPr lang="en-US" sz="1200" b="0" i="0" kern="1200" dirty="0">
+              <a:solidFill>
+                <a:schemeClr val="tx1"/>
+              </a:solidFill>
+              <a:effectLst/>
+              <a:latin typeface="+mn-lt"/>
+              <a:ea typeface="+mn-ea"/>
+              <a:cs typeface="+mn-cs"/>
+            </a:endParaRPr>
+          </a:p>
+          <a:p>
+            <a:r>
+              <a:rPr lang="en-US" dirty="0"/>
+              <a:t>There are many others but for this intro, we’re not going to dig deeper as this topic could take an hour on its own.</a:t>
+            </a:r>
+          </a:p>
+        </p:txBody>
+      </p:sp>
+      <p:sp>
+        <p:nvSpPr>
+          <p:cNvPr id="4" name="Slide Number Placeholder 3"/>
+          <p:cNvSpPr>
+            <a:spLocks noGrp="1"/>
+          </p:cNvSpPr>
+          <p:nvPr>
+            <p:ph type="sldNum" sz="quarter" idx="10"/>
+          </p:nvPr>
+        </p:nvSpPr>
+        <p:spPr/>
+        <p:txBody>
+          <a:bodyPr/>
+          <a:lstStyle/>
+          <a:p>
+            <a:fld id="{60494BC2-912A-4926-9316-56EB5CA2D0BC}" type="slidenum">
+              <a:rPr lang="en-US" smtClean="0"/>
+              <a:t>6</a:t>
+            </a:fld>
+            <a:endParaRPr lang="en-US"/>
+          </a:p>
+        </p:txBody>
+      </p:sp>
+    </p:spTree>
+    <p:extLst>
+      <p:ext uri="{BB962C8B-B14F-4D97-AF65-F5344CB8AC3E}">
+        <p14:creationId xmlns:p14="http://schemas.microsoft.com/office/powerpoint/2010/main" val="1479671946"/>
+      </p:ext>
+    </p:extLst>
+  </p:cSld>
+  <p:clrMapOvr>
+    <a:masterClrMapping/>
+  </p:clrMapOvr>
+</p:notes>
+</file>
+
+<file path=ppt/notesSlides/notesSlide7.xml><?xml version="1.0" encoding="utf-8"?>
+<p:notes xmlns:a="http://schemas.openxmlformats.org/drawingml/2006/main" xmlns:r="http://schemas.openxmlformats.org/officeDocument/2006/relationships" xmlns:p="http://schemas.openxmlformats.org/presentationml/2006/main">
+  <p:cSld>
+    <p:spTree>
+      <p:nvGrpSpPr>
+        <p:cNvPr id="1" name=""/>
+        <p:cNvGrpSpPr/>
+        <p:nvPr/>
+      </p:nvGrpSpPr>
+      <p:grpSpPr>
+        <a:xfrm>
+          <a:off x="0" y="0"/>
+          <a:ext cx="0" cy="0"/>
+          <a:chOff x="0" y="0"/>
+          <a:chExt cx="0" cy="0"/>
+        </a:xfrm>
+      </p:grpSpPr>
+      <p:sp>
+        <p:nvSpPr>
+          <p:cNvPr id="2" name="Slide Image Placeholder 1"/>
+          <p:cNvSpPr>
+            <a:spLocks noGrp="1" noRot="1" noChangeAspect="1"/>
+          </p:cNvSpPr>
+          <p:nvPr>
+            <p:ph type="sldImg"/>
+          </p:nvPr>
+        </p:nvSpPr>
+        <p:spPr/>
+      </p:sp>
+      <p:sp>
+        <p:nvSpPr>
+          <p:cNvPr id="3" name="Notes Placeholder 2"/>
+          <p:cNvSpPr>
+            <a:spLocks noGrp="1"/>
+          </p:cNvSpPr>
+          <p:nvPr>
+            <p:ph type="body" idx="1"/>
+          </p:nvPr>
+        </p:nvSpPr>
+        <p:spPr/>
+        <p:txBody>
+          <a:bodyPr/>
+          <a:lstStyle/>
+          <a:p>
+            <a:r>
+              <a:rPr lang="en-US" sz="1200" b="1" i="0" kern="1200" dirty="0">
+                <a:solidFill>
+                  <a:schemeClr val="tx1"/>
+                </a:solidFill>
+                <a:effectLst/>
+                <a:latin typeface="+mn-lt"/>
+                <a:ea typeface="+mn-ea"/>
+                <a:cs typeface="+mn-cs"/>
+              </a:rPr>
+              <a:t>Cold Observable ❄️</a:t>
+            </a:r>
+          </a:p>
+          <a:p>
+            <a:r>
+              <a:rPr lang="en-US" sz="1200" b="0" i="0" kern="1200" dirty="0">
+                <a:solidFill>
+                  <a:schemeClr val="tx1"/>
+                </a:solidFill>
+                <a:effectLst/>
+                <a:latin typeface="+mn-lt"/>
+                <a:ea typeface="+mn-ea"/>
+                <a:cs typeface="+mn-cs"/>
+              </a:rPr>
+              <a:t>We can think of an Observable as cold or unicast when it starts emitting values after a subscriber is registered, under the hood it is creating a producer for each subscription</a:t>
+            </a:r>
+            <a:endParaRPr lang="en-US" dirty="0"/>
+          </a:p>
+        </p:txBody>
+      </p:sp>
+      <p:sp>
+        <p:nvSpPr>
+          <p:cNvPr id="4" name="Slide Number Placeholder 3"/>
+          <p:cNvSpPr>
+            <a:spLocks noGrp="1"/>
+          </p:cNvSpPr>
+          <p:nvPr>
+            <p:ph type="sldNum" sz="quarter" idx="10"/>
+          </p:nvPr>
+        </p:nvSpPr>
+        <p:spPr/>
+        <p:txBody>
+          <a:bodyPr/>
+          <a:lstStyle/>
+          <a:p>
+            <a:fld id="{60494BC2-912A-4926-9316-56EB5CA2D0BC}" type="slidenum">
+              <a:rPr lang="en-US" smtClean="0"/>
+              <a:t>7</a:t>
+            </a:fld>
+            <a:endParaRPr lang="en-US"/>
+          </a:p>
+        </p:txBody>
+      </p:sp>
+    </p:spTree>
+    <p:extLst>
+      <p:ext uri="{BB962C8B-B14F-4D97-AF65-F5344CB8AC3E}">
+        <p14:creationId xmlns:p14="http://schemas.microsoft.com/office/powerpoint/2010/main" val="1309486512"/>
+      </p:ext>
+    </p:extLst>
+  </p:cSld>
+  <p:clrMapOvr>
+    <a:masterClrMapping/>
+  </p:clrMapOvr>
+</p:notes>
+</file>
+
+<file path=ppt/notesSlides/notesSlide8.xml><?xml version="1.0" encoding="utf-8"?>
+<p:notes xmlns:a="http://schemas.openxmlformats.org/drawingml/2006/main" xmlns:r="http://schemas.openxmlformats.org/officeDocument/2006/relationships" xmlns:p="http://schemas.openxmlformats.org/presentationml/2006/main">
+  <p:cSld>
+    <p:spTree>
+      <p:nvGrpSpPr>
+        <p:cNvPr id="1" name=""/>
+        <p:cNvGrpSpPr/>
+        <p:nvPr/>
+      </p:nvGrpSpPr>
+      <p:grpSpPr>
+        <a:xfrm>
+          <a:off x="0" y="0"/>
+          <a:ext cx="0" cy="0"/>
+          <a:chOff x="0" y="0"/>
+          <a:chExt cx="0" cy="0"/>
+        </a:xfrm>
+      </p:grpSpPr>
+      <p:sp>
+        <p:nvSpPr>
+          <p:cNvPr id="2" name="Slide Image Placeholder 1"/>
+          <p:cNvSpPr>
+            <a:spLocks noGrp="1" noRot="1" noChangeAspect="1"/>
+          </p:cNvSpPr>
+          <p:nvPr>
+            <p:ph type="sldImg"/>
+          </p:nvPr>
+        </p:nvSpPr>
+        <p:spPr/>
+      </p:sp>
+      <p:sp>
+        <p:nvSpPr>
+          <p:cNvPr id="3" name="Notes Placeholder 2"/>
+          <p:cNvSpPr>
+            <a:spLocks noGrp="1"/>
+          </p:cNvSpPr>
+          <p:nvPr>
+            <p:ph type="body" idx="1"/>
+          </p:nvPr>
+        </p:nvSpPr>
+        <p:spPr/>
+        <p:txBody>
+          <a:bodyPr/>
+          <a:lstStyle/>
+          <a:p>
+            <a:r>
+              <a:rPr lang="en-US" sz="1200" b="0" i="0" kern="1200" dirty="0">
+                <a:solidFill>
+                  <a:schemeClr val="tx1"/>
+                </a:solidFill>
+                <a:effectLst/>
+                <a:latin typeface="+mn-lt"/>
+                <a:ea typeface="+mn-ea"/>
+                <a:cs typeface="+mn-cs"/>
+              </a:rPr>
+              <a:t>Think of the subject as a middleman in a multicast observable. It relays data from the underlying observable and shares it among all the subscribers.</a:t>
+            </a:r>
+          </a:p>
+          <a:p>
+            <a:endParaRPr lang="en-US" sz="1200" b="0" i="0" kern="1200" dirty="0">
+              <a:solidFill>
+                <a:schemeClr val="tx1"/>
+              </a:solidFill>
+              <a:effectLst/>
+              <a:latin typeface="+mn-lt"/>
+              <a:ea typeface="+mn-ea"/>
+              <a:cs typeface="+mn-cs"/>
+            </a:endParaRPr>
+          </a:p>
+          <a:p>
+            <a:r>
+              <a:rPr lang="en-US" sz="1200" b="0" i="0" kern="1200" dirty="0">
+                <a:solidFill>
+                  <a:schemeClr val="tx1"/>
+                </a:solidFill>
+                <a:effectLst/>
+                <a:latin typeface="+mn-lt"/>
+                <a:ea typeface="+mn-ea"/>
+                <a:cs typeface="+mn-cs"/>
+              </a:rPr>
+              <a:t>While Subjects are Observables, Subjects also implement an Observer interface. That is to say, they have </a:t>
+            </a:r>
+            <a:r>
+              <a:rPr lang="en-US" dirty="0"/>
+              <a:t>next</a:t>
+            </a:r>
+            <a:r>
+              <a:rPr lang="en-US" sz="1200" b="0" i="0" kern="1200" dirty="0">
+                <a:solidFill>
+                  <a:schemeClr val="tx1"/>
+                </a:solidFill>
+                <a:effectLst/>
+                <a:latin typeface="+mn-lt"/>
+                <a:ea typeface="+mn-ea"/>
+                <a:cs typeface="+mn-cs"/>
+              </a:rPr>
+              <a:t>, </a:t>
+            </a:r>
+            <a:r>
+              <a:rPr lang="en-US" dirty="0"/>
+              <a:t>error</a:t>
+            </a:r>
+            <a:r>
+              <a:rPr lang="en-US" sz="1200" b="0" i="0" kern="1200" dirty="0">
+                <a:solidFill>
+                  <a:schemeClr val="tx1"/>
+                </a:solidFill>
+                <a:effectLst/>
+                <a:latin typeface="+mn-lt"/>
+                <a:ea typeface="+mn-ea"/>
+                <a:cs typeface="+mn-cs"/>
+              </a:rPr>
+              <a:t>, and </a:t>
+            </a:r>
+            <a:r>
+              <a:rPr lang="en-US" dirty="0"/>
+              <a:t>complete</a:t>
+            </a:r>
+            <a:r>
+              <a:rPr lang="en-US" sz="1200" b="0" i="0" kern="1200" dirty="0">
+                <a:solidFill>
+                  <a:schemeClr val="tx1"/>
+                </a:solidFill>
+                <a:effectLst/>
+                <a:latin typeface="+mn-lt"/>
+                <a:ea typeface="+mn-ea"/>
+                <a:cs typeface="+mn-cs"/>
+              </a:rPr>
+              <a:t> methods. These methods are used to notify their counterparts on observers in the subject’s internal observers list. This means a subject can be used as an observer to subscribe to any observable.</a:t>
+            </a:r>
+          </a:p>
+          <a:p>
+            <a:endParaRPr lang="en-US" sz="1200" b="0" i="0" kern="1200" dirty="0">
+              <a:solidFill>
+                <a:schemeClr val="tx1"/>
+              </a:solidFill>
+              <a:effectLst/>
+              <a:latin typeface="+mn-lt"/>
+              <a:ea typeface="+mn-ea"/>
+              <a:cs typeface="+mn-cs"/>
+            </a:endParaRPr>
+          </a:p>
+          <a:p>
+            <a:r>
+              <a:rPr lang="en-US" sz="1200" b="0" i="0" kern="1200" dirty="0">
+                <a:solidFill>
+                  <a:schemeClr val="tx1"/>
+                </a:solidFill>
+                <a:effectLst/>
+                <a:latin typeface="+mn-lt"/>
+                <a:ea typeface="+mn-ea"/>
+                <a:cs typeface="+mn-cs"/>
+              </a:rPr>
+              <a:t>KEY POINT: Probably a more important distinction between Subject and Observable is that a Subject has state, it keeps a list of observers. On the other hand, </a:t>
+            </a:r>
+            <a:r>
+              <a:rPr lang="en-US" sz="1200" b="0" i="0" kern="1200" dirty="0" err="1">
+                <a:solidFill>
+                  <a:schemeClr val="tx1"/>
+                </a:solidFill>
+                <a:effectLst/>
+                <a:latin typeface="+mn-lt"/>
+                <a:ea typeface="+mn-ea"/>
+                <a:cs typeface="+mn-cs"/>
+              </a:rPr>
+              <a:t>an</a:t>
+            </a:r>
+            <a:r>
+              <a:rPr lang="en-US" sz="1200" b="0" i="0" u="none" strike="noStrike" kern="1200" dirty="0" err="1">
+                <a:solidFill>
+                  <a:schemeClr val="tx1"/>
+                </a:solidFill>
+                <a:effectLst/>
+                <a:latin typeface="+mn-lt"/>
+                <a:ea typeface="+mn-ea"/>
+                <a:cs typeface="+mn-cs"/>
+                <a:hlinkClick r:id="rId3"/>
+              </a:rPr>
+              <a:t>Observable</a:t>
+            </a:r>
+            <a:r>
+              <a:rPr lang="en-US" sz="1200" b="0" i="0" u="none" strike="noStrike" kern="1200" dirty="0">
+                <a:solidFill>
+                  <a:schemeClr val="tx1"/>
+                </a:solidFill>
+                <a:effectLst/>
+                <a:latin typeface="+mn-lt"/>
+                <a:ea typeface="+mn-ea"/>
+                <a:cs typeface="+mn-cs"/>
+                <a:hlinkClick r:id="rId3"/>
+              </a:rPr>
+              <a:t> is really just a function</a:t>
+            </a:r>
+            <a:r>
+              <a:rPr lang="en-US" sz="1200" b="0" i="0" kern="1200" dirty="0">
+                <a:solidFill>
+                  <a:schemeClr val="tx1"/>
+                </a:solidFill>
+                <a:effectLst/>
+                <a:latin typeface="+mn-lt"/>
+                <a:ea typeface="+mn-ea"/>
+                <a:cs typeface="+mn-cs"/>
+              </a:rPr>
+              <a:t> that sets up observation.</a:t>
+            </a:r>
+          </a:p>
+          <a:p>
+            <a:endParaRPr lang="en-US" sz="1200" b="0" i="0" kern="1200" dirty="0">
+              <a:solidFill>
+                <a:schemeClr val="tx1"/>
+              </a:solidFill>
+              <a:effectLst/>
+              <a:latin typeface="+mn-lt"/>
+              <a:ea typeface="+mn-ea"/>
+              <a:cs typeface="+mn-cs"/>
+            </a:endParaRPr>
+          </a:p>
+          <a:p>
+            <a:pPr marL="0" marR="0" lvl="0" indent="0" algn="l" defTabSz="914400" rtl="0" eaLnBrk="1" fontAlgn="auto" latinLnBrk="0" hangingPunct="1">
+              <a:lnSpc>
+                <a:spcPct val="100000"/>
+              </a:lnSpc>
+              <a:spcBef>
+                <a:spcPts val="0"/>
+              </a:spcBef>
+              <a:spcAft>
+                <a:spcPts val="0"/>
+              </a:spcAft>
+              <a:buClrTx/>
+              <a:buSzTx/>
+              <a:buFontTx/>
+              <a:buNone/>
+              <a:tabLst/>
+              <a:defRPr/>
+            </a:pPr>
+            <a:r>
+              <a:rPr lang="en-US" sz="1200" b="0" i="0" kern="1200" dirty="0">
+                <a:solidFill>
+                  <a:schemeClr val="tx1"/>
+                </a:solidFill>
+                <a:effectLst/>
+                <a:latin typeface="+mn-lt"/>
+                <a:ea typeface="+mn-ea"/>
+                <a:cs typeface="+mn-cs"/>
+              </a:rPr>
+              <a:t>In general, once a subject completes, future subscribers to a subject will not receive more data.</a:t>
+            </a:r>
+          </a:p>
+          <a:p>
+            <a:endParaRPr lang="en-US" dirty="0"/>
+          </a:p>
+        </p:txBody>
+      </p:sp>
+      <p:sp>
+        <p:nvSpPr>
+          <p:cNvPr id="4" name="Slide Number Placeholder 3"/>
+          <p:cNvSpPr>
+            <a:spLocks noGrp="1"/>
+          </p:cNvSpPr>
+          <p:nvPr>
+            <p:ph type="sldNum" sz="quarter" idx="10"/>
+          </p:nvPr>
+        </p:nvSpPr>
+        <p:spPr/>
+        <p:txBody>
+          <a:bodyPr/>
+          <a:lstStyle/>
+          <a:p>
+            <a:fld id="{60494BC2-912A-4926-9316-56EB5CA2D0BC}" type="slidenum">
+              <a:rPr lang="en-US" smtClean="0"/>
+              <a:t>8</a:t>
+            </a:fld>
+            <a:endParaRPr lang="en-US"/>
+          </a:p>
+        </p:txBody>
+      </p:sp>
+    </p:spTree>
+    <p:extLst>
+      <p:ext uri="{BB962C8B-B14F-4D97-AF65-F5344CB8AC3E}">
+        <p14:creationId xmlns:p14="http://schemas.microsoft.com/office/powerpoint/2010/main" val="1284336232"/>
+      </p:ext>
+    </p:extLst>
+  </p:cSld>
+  <p:clrMapOvr>
+    <a:masterClrMapping/>
+  </p:clrMapOvr>
+</p:notes>
+</file>
+
+<file path=ppt/notesSlides/notesSlide9.xml><?xml version="1.0" encoding="utf-8"?>
+<p:notes xmlns:a="http://schemas.openxmlformats.org/drawingml/2006/main" xmlns:r="http://schemas.openxmlformats.org/officeDocument/2006/relationships" xmlns:p="http://schemas.openxmlformats.org/presentationml/2006/main">
+  <p:cSld>
+    <p:spTree>
+      <p:nvGrpSpPr>
+        <p:cNvPr id="1" name=""/>
+        <p:cNvGrpSpPr/>
+        <p:nvPr/>
+      </p:nvGrpSpPr>
+      <p:grpSpPr>
+        <a:xfrm>
+          <a:off x="0" y="0"/>
+          <a:ext cx="0" cy="0"/>
+          <a:chOff x="0" y="0"/>
+          <a:chExt cx="0" cy="0"/>
+        </a:xfrm>
+      </p:grpSpPr>
+      <p:sp>
+        <p:nvSpPr>
+          <p:cNvPr id="2" name="Slide Image Placeholder 1"/>
+          <p:cNvSpPr>
+            <a:spLocks noGrp="1" noRot="1" noChangeAspect="1"/>
+          </p:cNvSpPr>
+          <p:nvPr>
+            <p:ph type="sldImg"/>
+          </p:nvPr>
+        </p:nvSpPr>
+        <p:spPr/>
+      </p:sp>
+      <p:sp>
+        <p:nvSpPr>
+          <p:cNvPr id="3" name="Notes Placeholder 2"/>
+          <p:cNvSpPr>
+            <a:spLocks noGrp="1"/>
+          </p:cNvSpPr>
+          <p:nvPr>
+            <p:ph type="body" idx="1"/>
+          </p:nvPr>
+        </p:nvSpPr>
+        <p:spPr/>
+        <p:txBody>
+          <a:bodyPr/>
+          <a:lstStyle/>
+          <a:p>
+            <a:pPr marL="0" marR="0" lvl="0" indent="0" algn="l" defTabSz="914400" rtl="0" eaLnBrk="1" fontAlgn="auto" latinLnBrk="0" hangingPunct="1">
+              <a:lnSpc>
+                <a:spcPct val="100000"/>
+              </a:lnSpc>
+              <a:spcBef>
+                <a:spcPts val="0"/>
+              </a:spcBef>
+              <a:spcAft>
+                <a:spcPts val="0"/>
+              </a:spcAft>
+              <a:buClrTx/>
+              <a:buSzTx/>
+              <a:buFontTx/>
+              <a:buNone/>
+              <a:tabLst/>
+              <a:defRPr/>
+            </a:pPr>
+            <a:r>
+              <a:rPr lang="en-US" sz="1200" b="0" i="0" kern="1200" dirty="0">
+                <a:solidFill>
+                  <a:schemeClr val="tx1"/>
+                </a:solidFill>
+                <a:effectLst/>
+                <a:latin typeface="+mn-lt"/>
+                <a:ea typeface="+mn-ea"/>
+                <a:cs typeface="+mn-cs"/>
+              </a:rPr>
+              <a:t>By default, observables are unicast. i.e. each subscriber causes the observable to be invoked independently. In contrast, a </a:t>
+            </a:r>
+            <a:r>
+              <a:rPr lang="en-US" sz="1200" b="0" i="0" kern="1200" dirty="0" err="1">
+                <a:solidFill>
+                  <a:schemeClr val="tx1"/>
+                </a:solidFill>
+                <a:effectLst/>
+                <a:latin typeface="+mn-lt"/>
+                <a:ea typeface="+mn-ea"/>
+                <a:cs typeface="+mn-cs"/>
+              </a:rPr>
+              <a:t>multicasted</a:t>
+            </a:r>
+            <a:r>
+              <a:rPr lang="en-US" sz="1200" b="0" i="0" kern="1200" dirty="0">
+                <a:solidFill>
+                  <a:schemeClr val="tx1"/>
+                </a:solidFill>
+                <a:effectLst/>
+                <a:latin typeface="+mn-lt"/>
+                <a:ea typeface="+mn-ea"/>
+                <a:cs typeface="+mn-cs"/>
+              </a:rPr>
+              <a:t> observable is one that emits the same data to all the subscribers.</a:t>
+            </a:r>
+            <a:endParaRPr lang="en-US" dirty="0"/>
+          </a:p>
+          <a:p>
+            <a:endParaRPr lang="en-US" dirty="0"/>
+          </a:p>
+        </p:txBody>
+      </p:sp>
+      <p:sp>
+        <p:nvSpPr>
+          <p:cNvPr id="4" name="Slide Number Placeholder 3"/>
+          <p:cNvSpPr>
+            <a:spLocks noGrp="1"/>
+          </p:cNvSpPr>
+          <p:nvPr>
+            <p:ph type="sldNum" sz="quarter" idx="10"/>
+          </p:nvPr>
+        </p:nvSpPr>
+        <p:spPr/>
+        <p:txBody>
+          <a:bodyPr/>
+          <a:lstStyle/>
+          <a:p>
+            <a:fld id="{60494BC2-912A-4926-9316-56EB5CA2D0BC}" type="slidenum">
+              <a:rPr lang="en-US" smtClean="0"/>
+              <a:t>9</a:t>
+            </a:fld>
+            <a:endParaRPr lang="en-US"/>
+          </a:p>
+        </p:txBody>
+      </p:sp>
+    </p:spTree>
+    <p:extLst>
+      <p:ext uri="{BB962C8B-B14F-4D97-AF65-F5344CB8AC3E}">
+        <p14:creationId xmlns:p14="http://schemas.microsoft.com/office/powerpoint/2010/main" val="3467433034"/>
+      </p:ext>
+    </p:extLst>
+  </p:cSld>
+  <p:clrMapOvr>
+    <a:masterClrMapping/>
+  </p:clrMapOvr>
+</p:notes>
 </file>
 
 <file path=ppt/slideLayouts/slideLayout1.xml><?xml version="1.0" encoding="utf-8"?>
@@ -351,7 +2998,7 @@
             <a:fld id="{B61BEF0D-F0BB-DE4B-95CE-6DB70DBA9567}" type="datetimeFigureOut">
               <a:rPr lang="en-US" dirty="0"/>
               <a:pPr/>
-              <a:t>3/20/2018</a:t>
+              <a:t>1/22/2019</a:t>
             </a:fld>
             <a:endParaRPr lang="en-US" dirty="0"/>
           </a:p>
@@ -682,7 +3329,7 @@
             <a:fld id="{B61BEF0D-F0BB-DE4B-95CE-6DB70DBA9567}" type="datetimeFigureOut">
               <a:rPr lang="en-US" dirty="0"/>
               <a:pPr/>
-              <a:t>3/20/2018</a:t>
+              <a:t>1/22/2019</a:t>
             </a:fld>
             <a:endParaRPr lang="en-US" dirty="0"/>
           </a:p>
@@ -957,7 +3604,7 @@
             <a:fld id="{B61BEF0D-F0BB-DE4B-95CE-6DB70DBA9567}" type="datetimeFigureOut">
               <a:rPr lang="en-US" dirty="0"/>
               <a:pPr/>
-              <a:t>3/20/2018</a:t>
+              <a:t>1/22/2019</a:t>
             </a:fld>
             <a:endParaRPr lang="en-US" dirty="0"/>
           </a:p>
@@ -1522,7 +4169,7 @@
             <a:fld id="{B61BEF0D-F0BB-DE4B-95CE-6DB70DBA9567}" type="datetimeFigureOut">
               <a:rPr lang="en-US" dirty="0"/>
               <a:pPr/>
-              <a:t>3/20/2018</a:t>
+              <a:t>1/22/2019</a:t>
             </a:fld>
             <a:endParaRPr lang="en-US" dirty="0"/>
           </a:p>
@@ -1797,7 +4444,7 @@
             <a:fld id="{B61BEF0D-F0BB-DE4B-95CE-6DB70DBA9567}" type="datetimeFigureOut">
               <a:rPr lang="en-US" dirty="0"/>
               <a:pPr/>
-              <a:t>3/20/2018</a:t>
+              <a:t>1/22/2019</a:t>
             </a:fld>
             <a:endParaRPr lang="en-US" dirty="0"/>
           </a:p>
@@ -2356,7 +5003,7 @@
             <a:fld id="{B61BEF0D-F0BB-DE4B-95CE-6DB70DBA9567}" type="datetimeFigureOut">
               <a:rPr lang="en-US" dirty="0"/>
               <a:pPr/>
-              <a:t>3/20/2018</a:t>
+              <a:t>1/22/2019</a:t>
             </a:fld>
             <a:endParaRPr lang="en-US" dirty="0"/>
           </a:p>
@@ -2680,7 +5327,7 @@
             <a:fld id="{B61BEF0D-F0BB-DE4B-95CE-6DB70DBA9567}" type="datetimeFigureOut">
               <a:rPr lang="en-US" dirty="0"/>
               <a:pPr/>
-              <a:t>3/20/2018</a:t>
+              <a:t>1/22/2019</a:t>
             </a:fld>
             <a:endParaRPr lang="en-US" dirty="0"/>
           </a:p>
@@ -2854,7 +5501,7 @@
             <a:fld id="{B61BEF0D-F0BB-DE4B-95CE-6DB70DBA9567}" type="datetimeFigureOut">
               <a:rPr lang="en-US" dirty="0"/>
               <a:pPr/>
-              <a:t>3/20/2018</a:t>
+              <a:t>1/22/2019</a:t>
             </a:fld>
             <a:endParaRPr lang="en-US" dirty="0"/>
           </a:p>
@@ -3089,7 +5736,7 @@
             <a:fld id="{B61BEF0D-F0BB-DE4B-95CE-6DB70DBA9567}" type="datetimeFigureOut">
               <a:rPr lang="en-US" dirty="0"/>
               <a:pPr/>
-              <a:t>3/20/2018</a:t>
+              <a:t>1/22/2019</a:t>
             </a:fld>
             <a:endParaRPr lang="en-US" dirty="0"/>
           </a:p>
@@ -3286,7 +5933,7 @@
             <a:fld id="{B61BEF0D-F0BB-DE4B-95CE-6DB70DBA9567}" type="datetimeFigureOut">
               <a:rPr lang="en-US" dirty="0"/>
               <a:pPr/>
-              <a:t>3/20/2018</a:t>
+              <a:t>1/22/2019</a:t>
             </a:fld>
             <a:endParaRPr lang="en-US" dirty="0"/>
           </a:p>
@@ -3559,7 +6206,7 @@
             <a:fld id="{B61BEF0D-F0BB-DE4B-95CE-6DB70DBA9567}" type="datetimeFigureOut">
               <a:rPr lang="en-US" dirty="0"/>
               <a:pPr/>
-              <a:t>3/20/2018</a:t>
+              <a:t>1/22/2019</a:t>
             </a:fld>
             <a:endParaRPr lang="en-US" dirty="0"/>
           </a:p>
@@ -3822,7 +6469,7 @@
             <a:fld id="{B61BEF0D-F0BB-DE4B-95CE-6DB70DBA9567}" type="datetimeFigureOut">
               <a:rPr lang="en-US" dirty="0"/>
               <a:pPr/>
-              <a:t>3/20/2018</a:t>
+              <a:t>1/22/2019</a:t>
             </a:fld>
             <a:endParaRPr lang="en-US" dirty="0"/>
           </a:p>
@@ -4193,7 +6840,7 @@
             <a:fld id="{B61BEF0D-F0BB-DE4B-95CE-6DB70DBA9567}" type="datetimeFigureOut">
               <a:rPr lang="en-US" dirty="0"/>
               <a:pPr/>
-              <a:t>3/20/2018</a:t>
+              <a:t>1/22/2019</a:t>
             </a:fld>
             <a:endParaRPr lang="en-US" dirty="0"/>
           </a:p>
@@ -4338,7 +6985,7 @@
             <a:fld id="{B61BEF0D-F0BB-DE4B-95CE-6DB70DBA9567}" type="datetimeFigureOut">
               <a:rPr lang="en-US" dirty="0"/>
               <a:pPr/>
-              <a:t>3/20/2018</a:t>
+              <a:t>1/22/2019</a:t>
             </a:fld>
             <a:endParaRPr lang="en-US" dirty="0"/>
           </a:p>
@@ -4460,7 +7107,7 @@
             <a:fld id="{B61BEF0D-F0BB-DE4B-95CE-6DB70DBA9567}" type="datetimeFigureOut">
               <a:rPr lang="en-US" dirty="0"/>
               <a:pPr/>
-              <a:t>3/20/2018</a:t>
+              <a:t>1/22/2019</a:t>
             </a:fld>
             <a:endParaRPr lang="en-US" dirty="0"/>
           </a:p>
@@ -4742,7 +7389,7 @@
             <a:fld id="{B61BEF0D-F0BB-DE4B-95CE-6DB70DBA9567}" type="datetimeFigureOut">
               <a:rPr lang="en-US" dirty="0"/>
               <a:pPr/>
-              <a:t>3/20/2018</a:t>
+              <a:t>1/22/2019</a:t>
             </a:fld>
             <a:endParaRPr lang="en-US" dirty="0"/>
           </a:p>
@@ -5063,7 +7710,7 @@
             <a:fld id="{B61BEF0D-F0BB-DE4B-95CE-6DB70DBA9567}" type="datetimeFigureOut">
               <a:rPr lang="en-US" dirty="0"/>
               <a:pPr/>
-              <a:t>3/20/2018</a:t>
+              <a:t>1/22/2019</a:t>
             </a:fld>
             <a:endParaRPr lang="en-US" dirty="0"/>
           </a:p>
@@ -5274,7 +7921,7 @@
             <a:fld id="{B61BEF0D-F0BB-DE4B-95CE-6DB70DBA9567}" type="datetimeFigureOut">
               <a:rPr lang="en-US" dirty="0"/>
               <a:pPr/>
-              <a:t>3/20/2018</a:t>
+              <a:t>1/22/2019</a:t>
             </a:fld>
             <a:endParaRPr lang="en-US" dirty="0"/>
           </a:p>
@@ -5356,6 +8003,54 @@
               <a:t>‹#›</a:t>
             </a:fld>
             <a:endParaRPr lang="en-US" dirty="0"/>
+          </a:p>
+        </p:txBody>
+      </p:sp>
+      <p:sp>
+        <p:nvSpPr>
+          <p:cNvPr id="7" name="MSIPCMContentMarking" descr="{&quot;HashCode&quot;:-1638895224,&quot;Placement&quot;:&quot;Footer&quot;}">
+            <a:extLst>
+              <a:ext uri="{FF2B5EF4-FFF2-40B4-BE49-F238E27FC236}">
+                <a16:creationId xmlns:a16="http://schemas.microsoft.com/office/drawing/2014/main" id="{C30A3ADB-3834-45A6-90D5-EB70BECB8AE0}"/>
+              </a:ext>
+            </a:extLst>
+          </p:cNvPr>
+          <p:cNvSpPr txBox="1"/>
+          <p:nvPr userDrawn="1"/>
+        </p:nvSpPr>
+        <p:spPr>
+          <a:xfrm>
+            <a:off x="0" y="6629836"/>
+            <a:ext cx="1228569" cy="228163"/>
+          </a:xfrm>
+          <a:prstGeom prst="rect">
+            <a:avLst/>
+          </a:prstGeom>
+          <a:noFill/>
+        </p:spPr>
+        <p:txBody>
+          <a:bodyPr vert="horz" wrap="square" lIns="0" tIns="0" rIns="0" bIns="0" rtlCol="0" anchor="ctr" anchorCtr="1">
+            <a:spAutoFit/>
+          </a:bodyPr>
+          <a:lstStyle/>
+          <a:p>
+            <a:pPr algn="l">
+              <a:spcBef>
+                <a:spcPts val="0"/>
+              </a:spcBef>
+              <a:spcAft>
+                <a:spcPts val="0"/>
+              </a:spcAft>
+            </a:pPr>
+            <a:r>
+              <a:rPr lang="en-US" sz="800">
+                <a:solidFill>
+                  <a:srgbClr val="000000"/>
+                </a:solidFill>
+                <a:latin typeface="Calibri" panose="020F0502020204030204" pitchFamily="34" charset="0"/>
+              </a:rPr>
+              <a:t>Sensitivity: Confidential</a:t>
+            </a:r>
           </a:p>
         </p:txBody>
       </p:sp>
@@ -5838,8 +8533,13 @@
           <a:p>
             <a:r>
               <a:rPr lang="en-US" dirty="0"/>
-              <a:t>An introduction TO REACTIVE EXTENSIONS FOR JAVASCRIPT</a:t>
-            </a:r>
+              <a:t>An introduction TO </a:t>
+            </a:r>
+            <a:r>
+              <a:rPr lang="en-US"/>
+              <a:t>REACTIVE EXTENSIONS</a:t>
+            </a:r>
+            <a:endParaRPr lang="en-US" dirty="0"/>
           </a:p>
         </p:txBody>
       </p:sp>
@@ -5847,6 +8547,1256 @@
     <p:extLst>
       <p:ext uri="{BB962C8B-B14F-4D97-AF65-F5344CB8AC3E}">
         <p14:creationId xmlns:p14="http://schemas.microsoft.com/office/powerpoint/2010/main" val="2076084277"/>
+      </p:ext>
+    </p:extLst>
+  </p:cSld>
+  <p:clrMapOvr>
+    <a:masterClrMapping/>
+  </p:clrMapOvr>
+</p:sld>
+</file>
+
+<file path=ppt/slides/slide10.xml><?xml version="1.0" encoding="utf-8"?>
+<p:sld xmlns:a="http://schemas.openxmlformats.org/drawingml/2006/main" xmlns:r="http://schemas.openxmlformats.org/officeDocument/2006/relationships" xmlns:p="http://schemas.openxmlformats.org/presentationml/2006/main">
+  <p:cSld>
+    <p:spTree>
+      <p:nvGrpSpPr>
+        <p:cNvPr id="1" name=""/>
+        <p:cNvGrpSpPr/>
+        <p:nvPr/>
+      </p:nvGrpSpPr>
+      <p:grpSpPr>
+        <a:xfrm>
+          <a:off x="0" y="0"/>
+          <a:ext cx="0" cy="0"/>
+          <a:chOff x="0" y="0"/>
+          <a:chExt cx="0" cy="0"/>
+        </a:xfrm>
+      </p:grpSpPr>
+      <p:sp>
+        <p:nvSpPr>
+          <p:cNvPr id="2" name="Title 1">
+            <a:extLst>
+              <a:ext uri="{FF2B5EF4-FFF2-40B4-BE49-F238E27FC236}">
+                <a16:creationId xmlns:a16="http://schemas.microsoft.com/office/drawing/2014/main" id="{B2B44B3B-93EF-47DC-8C61-DD7D806327C4}"/>
+              </a:ext>
+            </a:extLst>
+          </p:cNvPr>
+          <p:cNvSpPr>
+            <a:spLocks noGrp="1"/>
+          </p:cNvSpPr>
+          <p:nvPr>
+            <p:ph type="title"/>
+          </p:nvPr>
+        </p:nvSpPr>
+        <p:spPr>
+          <a:xfrm>
+            <a:off x="677563" y="486033"/>
+            <a:ext cx="10131425" cy="609600"/>
+          </a:xfrm>
+        </p:spPr>
+        <p:txBody>
+          <a:bodyPr>
+            <a:normAutofit fontScale="90000"/>
+          </a:bodyPr>
+          <a:lstStyle/>
+          <a:p>
+            <a:r>
+              <a:rPr lang="en-US" b="1" dirty="0"/>
+              <a:t>Making A Cold Observable Hot</a:t>
+            </a:r>
+          </a:p>
+        </p:txBody>
+      </p:sp>
+      <p:sp>
+        <p:nvSpPr>
+          <p:cNvPr id="3" name="Content Placeholder 2">
+            <a:extLst>
+              <a:ext uri="{FF2B5EF4-FFF2-40B4-BE49-F238E27FC236}">
+                <a16:creationId xmlns:a16="http://schemas.microsoft.com/office/drawing/2014/main" id="{EEB51A73-B908-407B-8214-7470C4F21691}"/>
+              </a:ext>
+            </a:extLst>
+          </p:cNvPr>
+          <p:cNvSpPr>
+            <a:spLocks noGrp="1"/>
+          </p:cNvSpPr>
+          <p:nvPr>
+            <p:ph idx="1"/>
+          </p:nvPr>
+        </p:nvSpPr>
+        <p:spPr>
+          <a:xfrm>
+            <a:off x="751702" y="930875"/>
+            <a:ext cx="10131425" cy="5519352"/>
+          </a:xfrm>
+        </p:spPr>
+        <p:txBody>
+          <a:bodyPr>
+            <a:normAutofit fontScale="85000" lnSpcReduction="10000"/>
+          </a:bodyPr>
+          <a:lstStyle/>
+          <a:p>
+            <a:pPr marL="0" indent="0">
+              <a:buNone/>
+            </a:pPr>
+            <a:endParaRPr lang="en-US" dirty="0"/>
+          </a:p>
+          <a:p>
+            <a:pPr marL="0" indent="0">
+              <a:buNone/>
+            </a:pPr>
+            <a:endParaRPr lang="en-US" dirty="0"/>
+          </a:p>
+          <a:p>
+            <a:pPr marL="0" indent="0">
+              <a:buNone/>
+            </a:pPr>
+            <a:r>
+              <a:rPr lang="en-US" b="1" dirty="0"/>
+              <a:t>Note:</a:t>
+            </a:r>
+            <a:r>
+              <a:rPr lang="en-US" dirty="0"/>
+              <a:t> not tracking our subscription to source, so how can we tear it down when we want to? We can add some reference counting to it to solve that:</a:t>
+            </a:r>
+          </a:p>
+          <a:p>
+            <a:endParaRPr lang="en-US" dirty="0"/>
+          </a:p>
+          <a:p>
+            <a:endParaRPr lang="en-US" dirty="0"/>
+          </a:p>
+          <a:p>
+            <a:endParaRPr lang="en-US" dirty="0"/>
+          </a:p>
+          <a:p>
+            <a:endParaRPr lang="en-US" dirty="0"/>
+          </a:p>
+          <a:p>
+            <a:endParaRPr lang="en-US" dirty="0"/>
+          </a:p>
+          <a:p>
+            <a:endParaRPr lang="en-US" dirty="0"/>
+          </a:p>
+          <a:p>
+            <a:endParaRPr lang="en-US" dirty="0"/>
+          </a:p>
+          <a:p>
+            <a:endParaRPr lang="en-US" dirty="0"/>
+          </a:p>
+          <a:p>
+            <a:endParaRPr lang="en-US" dirty="0"/>
+          </a:p>
+          <a:p>
+            <a:endParaRPr lang="en-US" dirty="0"/>
+          </a:p>
+          <a:p>
+            <a:endParaRPr lang="en-US" dirty="0"/>
+          </a:p>
+          <a:p>
+            <a:pPr marL="0" indent="0">
+              <a:buNone/>
+            </a:pPr>
+            <a:r>
+              <a:rPr lang="en-US" dirty="0"/>
+              <a:t>Now we have an observable that is hot, and when all subscriptions to it are ended, the `refs` we’re using to do reference counting will hit zero, and we’ll unsubscribe from our cold source observable.</a:t>
+            </a:r>
+          </a:p>
+          <a:p>
+            <a:endParaRPr lang="en-US" dirty="0"/>
+          </a:p>
+          <a:p>
+            <a:endParaRPr lang="en-US" dirty="0"/>
+          </a:p>
+          <a:p>
+            <a:endParaRPr lang="en-US" dirty="0"/>
+          </a:p>
+        </p:txBody>
+      </p:sp>
+      <p:pic>
+        <p:nvPicPr>
+          <p:cNvPr id="1026" name="Picture 2" descr="Screen Shot at January 21st 2019 - 2.27.11 pm.png">
+            <a:extLst>
+              <a:ext uri="{FF2B5EF4-FFF2-40B4-BE49-F238E27FC236}">
+                <a16:creationId xmlns:a16="http://schemas.microsoft.com/office/drawing/2014/main" id="{E189EA0A-3244-42A4-9F8D-83EE6185CD45}"/>
+              </a:ext>
+            </a:extLst>
+          </p:cNvPr>
+          <p:cNvPicPr>
+            <a:picLocks noChangeAspect="1" noChangeArrowheads="1"/>
+          </p:cNvPicPr>
+          <p:nvPr/>
+        </p:nvPicPr>
+        <p:blipFill>
+          <a:blip r:embed="rId3">
+            <a:extLst>
+              <a:ext uri="{28A0092B-C50C-407E-A947-70E740481C1C}">
+                <a14:useLocalDpi xmlns:a14="http://schemas.microsoft.com/office/drawing/2010/main" val="0"/>
+              </a:ext>
+            </a:extLst>
+          </a:blip>
+          <a:srcRect/>
+          <a:stretch>
+            <a:fillRect/>
+          </a:stretch>
+        </p:blipFill>
+        <p:spPr bwMode="auto">
+          <a:xfrm>
+            <a:off x="1132444" y="1790700"/>
+            <a:ext cx="6648450" cy="3276600"/>
+          </a:xfrm>
+          <a:prstGeom prst="rect">
+            <a:avLst/>
+          </a:prstGeom>
+          <a:noFill/>
+          <a:extLst>
+            <a:ext uri="{909E8E84-426E-40DD-AFC4-6F175D3DCCD1}">
+              <a14:hiddenFill xmlns:a14="http://schemas.microsoft.com/office/drawing/2010/main">
+                <a:solidFill>
+                  <a:srgbClr val="FFFFFF"/>
+                </a:solidFill>
+              </a14:hiddenFill>
+            </a:ext>
+          </a:extLst>
+        </p:spPr>
+      </p:pic>
+    </p:spTree>
+    <p:extLst>
+      <p:ext uri="{BB962C8B-B14F-4D97-AF65-F5344CB8AC3E}">
+        <p14:creationId xmlns:p14="http://schemas.microsoft.com/office/powerpoint/2010/main" val="1099279905"/>
+      </p:ext>
+    </p:extLst>
+  </p:cSld>
+  <p:clrMapOvr>
+    <a:masterClrMapping/>
+  </p:clrMapOvr>
+</p:sld>
+</file>
+
+<file path=ppt/slides/slide11.xml><?xml version="1.0" encoding="utf-8"?>
+<p:sld xmlns:a="http://schemas.openxmlformats.org/drawingml/2006/main" xmlns:r="http://schemas.openxmlformats.org/officeDocument/2006/relationships" xmlns:p="http://schemas.openxmlformats.org/presentationml/2006/main">
+  <p:cSld>
+    <p:spTree>
+      <p:nvGrpSpPr>
+        <p:cNvPr id="1" name=""/>
+        <p:cNvGrpSpPr/>
+        <p:nvPr/>
+      </p:nvGrpSpPr>
+      <p:grpSpPr>
+        <a:xfrm>
+          <a:off x="0" y="0"/>
+          <a:ext cx="0" cy="0"/>
+          <a:chOff x="0" y="0"/>
+          <a:chExt cx="0" cy="0"/>
+        </a:xfrm>
+      </p:grpSpPr>
+      <p:sp>
+        <p:nvSpPr>
+          <p:cNvPr id="2" name="Title 1">
+            <a:extLst>
+              <a:ext uri="{FF2B5EF4-FFF2-40B4-BE49-F238E27FC236}">
+                <a16:creationId xmlns:a16="http://schemas.microsoft.com/office/drawing/2014/main" id="{B2B44B3B-93EF-47DC-8C61-DD7D806327C4}"/>
+              </a:ext>
+            </a:extLst>
+          </p:cNvPr>
+          <p:cNvSpPr>
+            <a:spLocks noGrp="1"/>
+          </p:cNvSpPr>
+          <p:nvPr>
+            <p:ph type="title"/>
+          </p:nvPr>
+        </p:nvSpPr>
+        <p:spPr>
+          <a:xfrm>
+            <a:off x="677563" y="486033"/>
+            <a:ext cx="10131425" cy="609600"/>
+          </a:xfrm>
+        </p:spPr>
+        <p:txBody>
+          <a:bodyPr>
+            <a:normAutofit fontScale="90000"/>
+          </a:bodyPr>
+          <a:lstStyle/>
+          <a:p>
+            <a:r>
+              <a:rPr lang="en-US" b="1" dirty="0"/>
+              <a:t>There are 4 “Flattening (MAPPING) Strategies”</a:t>
+            </a:r>
+          </a:p>
+        </p:txBody>
+      </p:sp>
+      <p:sp>
+        <p:nvSpPr>
+          <p:cNvPr id="3" name="Content Placeholder 2">
+            <a:extLst>
+              <a:ext uri="{FF2B5EF4-FFF2-40B4-BE49-F238E27FC236}">
+                <a16:creationId xmlns:a16="http://schemas.microsoft.com/office/drawing/2014/main" id="{EEB51A73-B908-407B-8214-7470C4F21691}"/>
+              </a:ext>
+            </a:extLst>
+          </p:cNvPr>
+          <p:cNvSpPr>
+            <a:spLocks noGrp="1"/>
+          </p:cNvSpPr>
+          <p:nvPr>
+            <p:ph idx="1"/>
+          </p:nvPr>
+        </p:nvSpPr>
+        <p:spPr>
+          <a:xfrm>
+            <a:off x="677563" y="1095633"/>
+            <a:ext cx="10649464" cy="5140410"/>
+          </a:xfrm>
+        </p:spPr>
+        <p:txBody>
+          <a:bodyPr>
+            <a:normAutofit fontScale="85000" lnSpcReduction="20000"/>
+          </a:bodyPr>
+          <a:lstStyle/>
+          <a:p>
+            <a:r>
+              <a:rPr lang="en-US" b="1" dirty="0"/>
+              <a:t>“</a:t>
+            </a:r>
+            <a:r>
+              <a:rPr lang="en-US" b="1" i="1" dirty="0"/>
+              <a:t>Merge</a:t>
+            </a:r>
+            <a:r>
+              <a:rPr lang="en-US" b="1" dirty="0"/>
+              <a:t>” Strategy</a:t>
+            </a:r>
+            <a:r>
+              <a:rPr lang="en-US" dirty="0"/>
+              <a:t> — deciding not to do anything, basically, we just keep subscribing to every new observable that we return from the map.</a:t>
+            </a:r>
+          </a:p>
+          <a:p>
+            <a:pPr lvl="1"/>
+            <a:r>
+              <a:rPr lang="en-US" sz="1500" b="1" dirty="0"/>
+              <a:t>Enhancing search results </a:t>
+            </a:r>
+            <a:r>
+              <a:rPr lang="en-US" sz="1500" dirty="0"/>
+              <a:t>- Let’s say you show a live list of movies (via push notifications, like </a:t>
+            </a:r>
+            <a:r>
+              <a:rPr lang="en-US" sz="1500" dirty="0" err="1"/>
+              <a:t>netflix</a:t>
+            </a:r>
+            <a:r>
+              <a:rPr lang="en-US" sz="1500" dirty="0"/>
+              <a:t>). For each movie, you might want to also call a 3rd party service, like IMDB to show it’s “up to date” movie rank - enhance your movie cards with this additional data.</a:t>
+            </a:r>
+          </a:p>
+          <a:p>
+            <a:r>
+              <a:rPr lang="en-US" b="1" dirty="0"/>
+              <a:t>“</a:t>
+            </a:r>
+            <a:r>
+              <a:rPr lang="en-US" b="1" i="1" dirty="0"/>
+              <a:t>Switch</a:t>
+            </a:r>
+            <a:r>
+              <a:rPr lang="en-US" b="1" dirty="0"/>
+              <a:t>” Strategy </a:t>
+            </a:r>
+            <a:r>
+              <a:rPr lang="en-US" dirty="0"/>
+              <a:t>— unsubscribing from the last mapped observable, when the new one arrives.</a:t>
+            </a:r>
+          </a:p>
+          <a:p>
+            <a:pPr lvl="1"/>
+            <a:r>
+              <a:rPr lang="en-US" sz="1500" b="1" dirty="0"/>
+              <a:t>AutoComplete -</a:t>
+            </a:r>
+            <a:r>
+              <a:rPr lang="en-US" sz="1500" dirty="0"/>
+              <a:t> If you google something, you press a key on the big input box, and then you get suggestions for things you might mean to write. So every new input triggers a new ajax request for that search term. If you just used </a:t>
+            </a:r>
+            <a:r>
+              <a:rPr lang="en-US" sz="1500" dirty="0" err="1"/>
+              <a:t>mergeMap</a:t>
+            </a:r>
+            <a:r>
+              <a:rPr lang="en-US" sz="1500" dirty="0"/>
+              <a:t> you’ll get suggestions for every key stroke (“m”, “my “, “my p” -  </a:t>
+            </a:r>
+            <a:r>
+              <a:rPr lang="en-US" sz="1500" dirty="0" err="1"/>
+              <a:t>switchMap</a:t>
+            </a:r>
+            <a:r>
+              <a:rPr lang="en-US" sz="1500" dirty="0"/>
+              <a:t> will make sure that the ongoing http request is being canceled on every new search input, and only the newest http request is live.</a:t>
+            </a:r>
+          </a:p>
+          <a:p>
+            <a:r>
+              <a:rPr lang="en-US" b="1" dirty="0"/>
+              <a:t>“</a:t>
+            </a:r>
+            <a:r>
+              <a:rPr lang="en-US" b="1" i="1" dirty="0" err="1"/>
+              <a:t>Concat</a:t>
+            </a:r>
+            <a:r>
+              <a:rPr lang="en-US" b="1" dirty="0"/>
+              <a:t>” Strategy</a:t>
+            </a:r>
+            <a:r>
+              <a:rPr lang="en-US" dirty="0"/>
+              <a:t> —</a:t>
+            </a:r>
+            <a:r>
+              <a:rPr lang="en-US" b="1" i="1" dirty="0"/>
+              <a:t>Queuing</a:t>
+            </a:r>
+            <a:r>
+              <a:rPr lang="en-US" dirty="0"/>
+              <a:t> up every new Observable, and subscribing to a new observable only when the last observable completed.</a:t>
+            </a:r>
+          </a:p>
+          <a:p>
+            <a:pPr lvl="1"/>
+            <a:r>
+              <a:rPr lang="en-US" b="1" dirty="0"/>
+              <a:t>Top Ten List </a:t>
+            </a:r>
+            <a:r>
+              <a:rPr lang="en-US" dirty="0"/>
+              <a:t>- Let’s say you have a live observable that emits a list of the top ten movies of all times. For each movie, we do the same thing as the </a:t>
+            </a:r>
+            <a:r>
+              <a:rPr lang="en-US" dirty="0" err="1"/>
+              <a:t>mergeMap</a:t>
+            </a:r>
+            <a:r>
+              <a:rPr lang="en-US" dirty="0"/>
+              <a:t> and issue another ajax request to IMDB to get his rank, but this time, the order of display matters. So by using </a:t>
+            </a:r>
+            <a:r>
+              <a:rPr lang="en-US" dirty="0" err="1"/>
+              <a:t>concatMap</a:t>
+            </a:r>
+            <a:r>
+              <a:rPr lang="en-US" dirty="0"/>
+              <a:t> we can block the next movie from finding out its IMDB rank until our current movie found out its rank, that way, we keep the original order of movies.</a:t>
+            </a:r>
+          </a:p>
+          <a:p>
+            <a:r>
+              <a:rPr lang="en-US" b="1" dirty="0"/>
+              <a:t>“</a:t>
+            </a:r>
+            <a:r>
+              <a:rPr lang="en-US" b="1" i="1" dirty="0"/>
+              <a:t>Exhaust</a:t>
+            </a:r>
+            <a:r>
+              <a:rPr lang="en-US" b="1" dirty="0"/>
+              <a:t>” strategy</a:t>
+            </a:r>
+            <a:r>
+              <a:rPr lang="en-US" dirty="0"/>
+              <a:t> — the “don’t interrupt me” strategy, ignores (and never subscribe to) any new mapped Observable while the current Observable is still emitting values.</a:t>
+            </a:r>
+          </a:p>
+          <a:p>
+            <a:pPr lvl="1"/>
+            <a:r>
+              <a:rPr lang="en-US" b="1" dirty="0"/>
+              <a:t>Login screen - </a:t>
+            </a:r>
+            <a:r>
+              <a:rPr lang="en-US" dirty="0"/>
+              <a:t>Let’s say you have a login screen with a login button, where you map each click to an login ajax request. If the user clicks more than once on the login button, it will cause multiple calls to the server, and you probably don’t want that… So you can use </a:t>
+            </a:r>
+            <a:r>
+              <a:rPr lang="en-US" dirty="0" err="1"/>
+              <a:t>exhaustMap</a:t>
+            </a:r>
+            <a:r>
+              <a:rPr lang="en-US" dirty="0"/>
+              <a:t> to temporarily “disable” the mapping while the first http request is still on the go — this makes sure you never call the server while the current request is running.</a:t>
+            </a:r>
+          </a:p>
+          <a:p>
+            <a:endParaRPr lang="en-US" dirty="0"/>
+          </a:p>
+        </p:txBody>
+      </p:sp>
+    </p:spTree>
+    <p:extLst>
+      <p:ext uri="{BB962C8B-B14F-4D97-AF65-F5344CB8AC3E}">
+        <p14:creationId xmlns:p14="http://schemas.microsoft.com/office/powerpoint/2010/main" val="1620799132"/>
+      </p:ext>
+    </p:extLst>
+  </p:cSld>
+  <p:clrMapOvr>
+    <a:masterClrMapping/>
+  </p:clrMapOvr>
+</p:sld>
+</file>
+
+<file path=ppt/slides/slide12.xml><?xml version="1.0" encoding="utf-8"?>
+<p:sld xmlns:a="http://schemas.openxmlformats.org/drawingml/2006/main" xmlns:r="http://schemas.openxmlformats.org/officeDocument/2006/relationships" xmlns:p="http://schemas.openxmlformats.org/presentationml/2006/main">
+  <p:cSld>
+    <p:spTree>
+      <p:nvGrpSpPr>
+        <p:cNvPr id="1" name=""/>
+        <p:cNvGrpSpPr/>
+        <p:nvPr/>
+      </p:nvGrpSpPr>
+      <p:grpSpPr>
+        <a:xfrm>
+          <a:off x="0" y="0"/>
+          <a:ext cx="0" cy="0"/>
+          <a:chOff x="0" y="0"/>
+          <a:chExt cx="0" cy="0"/>
+        </a:xfrm>
+      </p:grpSpPr>
+      <p:sp>
+        <p:nvSpPr>
+          <p:cNvPr id="2" name="Title 1">
+            <a:extLst>
+              <a:ext uri="{FF2B5EF4-FFF2-40B4-BE49-F238E27FC236}">
+                <a16:creationId xmlns:a16="http://schemas.microsoft.com/office/drawing/2014/main" id="{B2B44B3B-93EF-47DC-8C61-DD7D806327C4}"/>
+              </a:ext>
+            </a:extLst>
+          </p:cNvPr>
+          <p:cNvSpPr>
+            <a:spLocks noGrp="1"/>
+          </p:cNvSpPr>
+          <p:nvPr>
+            <p:ph type="title"/>
+          </p:nvPr>
+        </p:nvSpPr>
+        <p:spPr>
+          <a:xfrm>
+            <a:off x="677563" y="486033"/>
+            <a:ext cx="10131425" cy="609600"/>
+          </a:xfrm>
+        </p:spPr>
+        <p:txBody>
+          <a:bodyPr>
+            <a:normAutofit fontScale="90000"/>
+          </a:bodyPr>
+          <a:lstStyle/>
+          <a:p>
+            <a:r>
+              <a:rPr lang="en-US" b="1" dirty="0" err="1"/>
+              <a:t>rxjs</a:t>
+            </a:r>
+            <a:r>
+              <a:rPr lang="en-US" b="1" dirty="0"/>
+              <a:t>-marbles</a:t>
+            </a:r>
+          </a:p>
+        </p:txBody>
+      </p:sp>
+      <p:sp>
+        <p:nvSpPr>
+          <p:cNvPr id="8" name="Content Placeholder 2">
+            <a:extLst>
+              <a:ext uri="{FF2B5EF4-FFF2-40B4-BE49-F238E27FC236}">
+                <a16:creationId xmlns:a16="http://schemas.microsoft.com/office/drawing/2014/main" id="{ACB28463-4BA5-42CA-A41B-94727F6164A1}"/>
+              </a:ext>
+            </a:extLst>
+          </p:cNvPr>
+          <p:cNvSpPr>
+            <a:spLocks noGrp="1"/>
+          </p:cNvSpPr>
+          <p:nvPr>
+            <p:ph idx="1"/>
+          </p:nvPr>
+        </p:nvSpPr>
+        <p:spPr>
+          <a:xfrm>
+            <a:off x="677563" y="576648"/>
+            <a:ext cx="10131425" cy="5733535"/>
+          </a:xfrm>
+        </p:spPr>
+        <p:txBody>
+          <a:bodyPr>
+            <a:normAutofit/>
+          </a:bodyPr>
+          <a:lstStyle/>
+          <a:p>
+            <a:pPr marL="0" indent="0">
+              <a:buNone/>
+            </a:pPr>
+            <a:r>
+              <a:rPr lang="en-US" dirty="0"/>
+              <a:t>To write a test with marble diagrams you will need to stick to a convention of characters that will help visualize the observable stream: </a:t>
+            </a:r>
+          </a:p>
+          <a:p>
+            <a:pPr marL="0" indent="0">
+              <a:buNone/>
+            </a:pPr>
+            <a:r>
+              <a:rPr lang="en-US" dirty="0"/>
+              <a:t>During the tests, the schedule of time (when values are emitted) is handle by the </a:t>
+            </a:r>
+            <a:r>
+              <a:rPr lang="en-US" dirty="0" err="1"/>
+              <a:t>RxJS</a:t>
+            </a:r>
+            <a:r>
+              <a:rPr lang="en-US" dirty="0"/>
+              <a:t> </a:t>
+            </a:r>
+            <a:r>
+              <a:rPr lang="en-US" dirty="0" err="1"/>
+              <a:t>TestScheduler</a:t>
+            </a:r>
+            <a:r>
+              <a:rPr lang="en-US" dirty="0"/>
+              <a:t> </a:t>
+            </a:r>
+          </a:p>
+          <a:p>
+            <a:r>
+              <a:rPr lang="en-US" sz="1400" dirty="0"/>
+              <a:t>- (dash): simulate the passage of time, one dash correspond to a frame which can be perceived as 10ms in our tests, —--- is 40 </a:t>
+            </a:r>
+            <a:r>
+              <a:rPr lang="en-US" sz="1400" dirty="0" err="1"/>
+              <a:t>ms</a:t>
+            </a:r>
+            <a:r>
+              <a:rPr lang="en-US" sz="1400" dirty="0"/>
+              <a:t> a-z </a:t>
+            </a:r>
+          </a:p>
+          <a:p>
+            <a:r>
+              <a:rPr lang="en-US" sz="1400" dirty="0"/>
+              <a:t>(a to z): represent an emission, -a--b---c stands for “emit a at 20ms, b at 50ms, c at 90ms” </a:t>
+            </a:r>
+          </a:p>
+          <a:p>
+            <a:r>
+              <a:rPr lang="en-US" sz="1400" dirty="0"/>
+              <a:t>| (pipe): emit a completed (end of the stream), ---a-| stands for emit ‘a’ at 40ms then complete (60ms) </a:t>
+            </a:r>
+          </a:p>
+          <a:p>
+            <a:r>
+              <a:rPr lang="en-US" sz="1400" dirty="0"/>
+              <a:t># (pound sign): indicate an error (end of the stream), —--a— # emit a at 40ms then an error at 70ms </a:t>
+            </a:r>
+          </a:p>
+          <a:p>
+            <a:r>
+              <a:rPr lang="en-US" sz="1400" dirty="0"/>
+              <a:t>( ) (parenthesis): multiple values together in the same unit of time, —--(ab|) stands for emit a b at 40ms then complete (40ms) </a:t>
+            </a:r>
+          </a:p>
+          <a:p>
+            <a:r>
+              <a:rPr lang="en-US" sz="1400" dirty="0"/>
+              <a:t>^ (caret): indicate a subscription point, —^-- subscription starting at ^ </a:t>
+            </a:r>
+          </a:p>
+          <a:p>
+            <a:r>
+              <a:rPr lang="en-US" sz="1400" dirty="0"/>
+              <a:t>! (exclamation point): indicate the end of a subscription point, —^--! subscription starting at ^ and ending at ! </a:t>
+            </a:r>
+          </a:p>
+          <a:p>
+            <a:pPr marL="0" indent="0">
+              <a:buNone/>
+            </a:pPr>
+            <a:endParaRPr lang="en-US" dirty="0"/>
+          </a:p>
+          <a:p>
+            <a:pPr marL="0" indent="0">
+              <a:buNone/>
+            </a:pPr>
+            <a:r>
+              <a:rPr lang="en-US" dirty="0"/>
+              <a:t>These strings are a powerful syntax that will permit you to simulate the passage of time, emit a value, a completion, an error etc.. all that, without creating the observable yourself.</a:t>
+            </a:r>
+          </a:p>
+        </p:txBody>
+      </p:sp>
+    </p:spTree>
+    <p:extLst>
+      <p:ext uri="{BB962C8B-B14F-4D97-AF65-F5344CB8AC3E}">
+        <p14:creationId xmlns:p14="http://schemas.microsoft.com/office/powerpoint/2010/main" val="2020924981"/>
+      </p:ext>
+    </p:extLst>
+  </p:cSld>
+  <p:clrMapOvr>
+    <a:masterClrMapping/>
+  </p:clrMapOvr>
+</p:sld>
+</file>
+
+<file path=ppt/slides/slide13.xml><?xml version="1.0" encoding="utf-8"?>
+<p:sld xmlns:a="http://schemas.openxmlformats.org/drawingml/2006/main" xmlns:r="http://schemas.openxmlformats.org/officeDocument/2006/relationships" xmlns:p="http://schemas.openxmlformats.org/presentationml/2006/main">
+  <p:cSld>
+    <p:spTree>
+      <p:nvGrpSpPr>
+        <p:cNvPr id="1" name=""/>
+        <p:cNvGrpSpPr/>
+        <p:nvPr/>
+      </p:nvGrpSpPr>
+      <p:grpSpPr>
+        <a:xfrm>
+          <a:off x="0" y="0"/>
+          <a:ext cx="0" cy="0"/>
+          <a:chOff x="0" y="0"/>
+          <a:chExt cx="0" cy="0"/>
+        </a:xfrm>
+      </p:grpSpPr>
+      <p:sp>
+        <p:nvSpPr>
+          <p:cNvPr id="2" name="Title 1">
+            <a:extLst>
+              <a:ext uri="{FF2B5EF4-FFF2-40B4-BE49-F238E27FC236}">
+                <a16:creationId xmlns:a16="http://schemas.microsoft.com/office/drawing/2014/main" id="{B2B44B3B-93EF-47DC-8C61-DD7D806327C4}"/>
+              </a:ext>
+            </a:extLst>
+          </p:cNvPr>
+          <p:cNvSpPr>
+            <a:spLocks noGrp="1"/>
+          </p:cNvSpPr>
+          <p:nvPr>
+            <p:ph type="title"/>
+          </p:nvPr>
+        </p:nvSpPr>
+        <p:spPr>
+          <a:xfrm>
+            <a:off x="677563" y="486033"/>
+            <a:ext cx="10131425" cy="609600"/>
+          </a:xfrm>
+        </p:spPr>
+        <p:txBody>
+          <a:bodyPr>
+            <a:normAutofit fontScale="90000"/>
+          </a:bodyPr>
+          <a:lstStyle/>
+          <a:p>
+            <a:r>
+              <a:rPr lang="en-US" b="1" dirty="0" err="1"/>
+              <a:t>rxjs</a:t>
+            </a:r>
+            <a:r>
+              <a:rPr lang="en-US" b="1" dirty="0"/>
+              <a:t>-marbles</a:t>
+            </a:r>
+          </a:p>
+        </p:txBody>
+      </p:sp>
+      <p:sp>
+        <p:nvSpPr>
+          <p:cNvPr id="8" name="Content Placeholder 2">
+            <a:extLst>
+              <a:ext uri="{FF2B5EF4-FFF2-40B4-BE49-F238E27FC236}">
+                <a16:creationId xmlns:a16="http://schemas.microsoft.com/office/drawing/2014/main" id="{ACB28463-4BA5-42CA-A41B-94727F6164A1}"/>
+              </a:ext>
+            </a:extLst>
+          </p:cNvPr>
+          <p:cNvSpPr>
+            <a:spLocks noGrp="1"/>
+          </p:cNvSpPr>
+          <p:nvPr>
+            <p:ph idx="1"/>
+          </p:nvPr>
+        </p:nvSpPr>
+        <p:spPr>
+          <a:xfrm>
+            <a:off x="677563" y="1219429"/>
+            <a:ext cx="10131425" cy="1029501"/>
+          </a:xfrm>
+        </p:spPr>
+        <p:txBody>
+          <a:bodyPr>
+            <a:normAutofit/>
+          </a:bodyPr>
+          <a:lstStyle/>
+          <a:p>
+            <a:pPr marL="0" indent="0">
+              <a:buNone/>
+            </a:pPr>
+            <a:r>
+              <a:rPr lang="en-US" dirty="0" err="1"/>
+              <a:t>rxjs</a:t>
+            </a:r>
+            <a:r>
+              <a:rPr lang="en-US" dirty="0"/>
+              <a:t>-marbles is an </a:t>
+            </a:r>
+            <a:r>
+              <a:rPr lang="en-US" dirty="0" err="1"/>
+              <a:t>RxJS</a:t>
+            </a:r>
+            <a:r>
+              <a:rPr lang="en-US" dirty="0"/>
+              <a:t> marble testing library that should be compatible with any test framework. It wraps the </a:t>
+            </a:r>
+            <a:r>
+              <a:rPr lang="en-US" dirty="0" err="1"/>
+              <a:t>RxJS</a:t>
+            </a:r>
+            <a:r>
+              <a:rPr lang="en-US" dirty="0"/>
+              <a:t> </a:t>
+            </a:r>
+            <a:r>
+              <a:rPr lang="en-US" dirty="0" err="1"/>
+              <a:t>TestScheduler</a:t>
+            </a:r>
+            <a:r>
+              <a:rPr lang="en-US" dirty="0"/>
+              <a:t> and provides methods similar to the helper methods used the </a:t>
+            </a:r>
+            <a:r>
+              <a:rPr lang="en-US" dirty="0" err="1"/>
+              <a:t>TestScheduler</a:t>
+            </a:r>
+            <a:r>
+              <a:rPr lang="en-US" dirty="0"/>
+              <a:t> API.</a:t>
+            </a:r>
+          </a:p>
+          <a:p>
+            <a:pPr marL="0" indent="0">
+              <a:buNone/>
+            </a:pPr>
+            <a:endParaRPr lang="en-US" dirty="0"/>
+          </a:p>
+        </p:txBody>
+      </p:sp>
+      <p:pic>
+        <p:nvPicPr>
+          <p:cNvPr id="9" name="Picture 8">
+            <a:extLst>
+              <a:ext uri="{FF2B5EF4-FFF2-40B4-BE49-F238E27FC236}">
+                <a16:creationId xmlns:a16="http://schemas.microsoft.com/office/drawing/2014/main" id="{7A93342C-38C8-4E89-A8E2-A99AC586D1D0}"/>
+              </a:ext>
+            </a:extLst>
+          </p:cNvPr>
+          <p:cNvPicPr>
+            <a:picLocks noChangeAspect="1"/>
+          </p:cNvPicPr>
+          <p:nvPr/>
+        </p:nvPicPr>
+        <p:blipFill>
+          <a:blip r:embed="rId2"/>
+          <a:stretch>
+            <a:fillRect/>
+          </a:stretch>
+        </p:blipFill>
+        <p:spPr>
+          <a:xfrm>
+            <a:off x="1942586" y="2248930"/>
+            <a:ext cx="6972300" cy="3314700"/>
+          </a:xfrm>
+          <a:prstGeom prst="rect">
+            <a:avLst/>
+          </a:prstGeom>
+        </p:spPr>
+      </p:pic>
+    </p:spTree>
+    <p:extLst>
+      <p:ext uri="{BB962C8B-B14F-4D97-AF65-F5344CB8AC3E}">
+        <p14:creationId xmlns:p14="http://schemas.microsoft.com/office/powerpoint/2010/main" val="2861994548"/>
+      </p:ext>
+    </p:extLst>
+  </p:cSld>
+  <p:clrMapOvr>
+    <a:masterClrMapping/>
+  </p:clrMapOvr>
+</p:sld>
+</file>
+
+<file path=ppt/slides/slide14.xml><?xml version="1.0" encoding="utf-8"?>
+<p:sld xmlns:a="http://schemas.openxmlformats.org/drawingml/2006/main" xmlns:r="http://schemas.openxmlformats.org/officeDocument/2006/relationships" xmlns:p="http://schemas.openxmlformats.org/presentationml/2006/main">
+  <p:cSld>
+    <p:spTree>
+      <p:nvGrpSpPr>
+        <p:cNvPr id="1" name=""/>
+        <p:cNvGrpSpPr/>
+        <p:nvPr/>
+      </p:nvGrpSpPr>
+      <p:grpSpPr>
+        <a:xfrm>
+          <a:off x="0" y="0"/>
+          <a:ext cx="0" cy="0"/>
+          <a:chOff x="0" y="0"/>
+          <a:chExt cx="0" cy="0"/>
+        </a:xfrm>
+      </p:grpSpPr>
+      <p:sp>
+        <p:nvSpPr>
+          <p:cNvPr id="2" name="Title 1">
+            <a:extLst>
+              <a:ext uri="{FF2B5EF4-FFF2-40B4-BE49-F238E27FC236}">
+                <a16:creationId xmlns:a16="http://schemas.microsoft.com/office/drawing/2014/main" id="{B2B44B3B-93EF-47DC-8C61-DD7D806327C4}"/>
+              </a:ext>
+            </a:extLst>
+          </p:cNvPr>
+          <p:cNvSpPr>
+            <a:spLocks noGrp="1"/>
+          </p:cNvSpPr>
+          <p:nvPr>
+            <p:ph type="title"/>
+          </p:nvPr>
+        </p:nvSpPr>
+        <p:spPr>
+          <a:xfrm>
+            <a:off x="677563" y="486033"/>
+            <a:ext cx="10131425" cy="609600"/>
+          </a:xfrm>
+        </p:spPr>
+        <p:txBody>
+          <a:bodyPr>
+            <a:normAutofit fontScale="90000"/>
+          </a:bodyPr>
+          <a:lstStyle/>
+          <a:p>
+            <a:r>
+              <a:rPr lang="en-US" b="1" dirty="0"/>
+              <a:t>OBSERVABLE STREAM</a:t>
+            </a:r>
+          </a:p>
+        </p:txBody>
+      </p:sp>
+      <p:pic>
+        <p:nvPicPr>
+          <p:cNvPr id="4098" name="Picture 2" descr="Screen Shot at January 22nd 2019 - 8.16.34 am.png">
+            <a:extLst>
+              <a:ext uri="{FF2B5EF4-FFF2-40B4-BE49-F238E27FC236}">
+                <a16:creationId xmlns:a16="http://schemas.microsoft.com/office/drawing/2014/main" id="{A55A42E6-9673-429D-AC4B-EB73C75B8E22}"/>
+              </a:ext>
+            </a:extLst>
+          </p:cNvPr>
+          <p:cNvPicPr>
+            <a:picLocks noGrp="1" noChangeAspect="1" noChangeArrowheads="1"/>
+          </p:cNvPicPr>
+          <p:nvPr>
+            <p:ph idx="1"/>
+          </p:nvPr>
+        </p:nvPicPr>
+        <p:blipFill>
+          <a:blip r:embed="rId2">
+            <a:extLst>
+              <a:ext uri="{28A0092B-C50C-407E-A947-70E740481C1C}">
+                <a14:useLocalDpi xmlns:a14="http://schemas.microsoft.com/office/drawing/2010/main" val="0"/>
+              </a:ext>
+            </a:extLst>
+          </a:blip>
+          <a:srcRect/>
+          <a:stretch>
+            <a:fillRect/>
+          </a:stretch>
+        </p:blipFill>
+        <p:spPr bwMode="auto">
+          <a:xfrm>
+            <a:off x="802832" y="1084004"/>
+            <a:ext cx="8991800" cy="5287963"/>
+          </a:xfrm>
+          <a:prstGeom prst="rect">
+            <a:avLst/>
+          </a:prstGeom>
+          <a:noFill/>
+          <a:extLst>
+            <a:ext uri="{909E8E84-426E-40DD-AFC4-6F175D3DCCD1}">
+              <a14:hiddenFill xmlns:a14="http://schemas.microsoft.com/office/drawing/2010/main">
+                <a:solidFill>
+                  <a:srgbClr val="FFFFFF"/>
+                </a:solidFill>
+              </a14:hiddenFill>
+            </a:ext>
+          </a:extLst>
+        </p:spPr>
+      </p:pic>
+    </p:spTree>
+    <p:extLst>
+      <p:ext uri="{BB962C8B-B14F-4D97-AF65-F5344CB8AC3E}">
+        <p14:creationId xmlns:p14="http://schemas.microsoft.com/office/powerpoint/2010/main" val="733851194"/>
+      </p:ext>
+    </p:extLst>
+  </p:cSld>
+  <p:clrMapOvr>
+    <a:masterClrMapping/>
+  </p:clrMapOvr>
+</p:sld>
+</file>
+
+<file path=ppt/slides/slide15.xml><?xml version="1.0" encoding="utf-8"?>
+<p:sld xmlns:a="http://schemas.openxmlformats.org/drawingml/2006/main" xmlns:r="http://schemas.openxmlformats.org/officeDocument/2006/relationships" xmlns:p="http://schemas.openxmlformats.org/presentationml/2006/main">
+  <p:cSld>
+    <p:spTree>
+      <p:nvGrpSpPr>
+        <p:cNvPr id="1" name=""/>
+        <p:cNvGrpSpPr/>
+        <p:nvPr/>
+      </p:nvGrpSpPr>
+      <p:grpSpPr>
+        <a:xfrm>
+          <a:off x="0" y="0"/>
+          <a:ext cx="0" cy="0"/>
+          <a:chOff x="0" y="0"/>
+          <a:chExt cx="0" cy="0"/>
+        </a:xfrm>
+      </p:grpSpPr>
+      <p:sp>
+        <p:nvSpPr>
+          <p:cNvPr id="2" name="Title 1">
+            <a:extLst>
+              <a:ext uri="{FF2B5EF4-FFF2-40B4-BE49-F238E27FC236}">
+                <a16:creationId xmlns:a16="http://schemas.microsoft.com/office/drawing/2014/main" id="{1BCBE4DA-6C67-45CE-BE50-C66BCF1D4A17}"/>
+              </a:ext>
+            </a:extLst>
+          </p:cNvPr>
+          <p:cNvSpPr>
+            <a:spLocks noGrp="1"/>
+          </p:cNvSpPr>
+          <p:nvPr>
+            <p:ph type="title"/>
+          </p:nvPr>
+        </p:nvSpPr>
+        <p:spPr>
+          <a:xfrm>
+            <a:off x="521045" y="444844"/>
+            <a:ext cx="10131425" cy="650789"/>
+          </a:xfrm>
+        </p:spPr>
+        <p:txBody>
+          <a:bodyPr/>
+          <a:lstStyle/>
+          <a:p>
+            <a:r>
+              <a:rPr lang="en-US" dirty="0"/>
+              <a:t>BROWSER EVENT loop</a:t>
+            </a:r>
+          </a:p>
+        </p:txBody>
+      </p:sp>
+      <p:sp>
+        <p:nvSpPr>
+          <p:cNvPr id="3" name="Content Placeholder 2">
+            <a:extLst>
+              <a:ext uri="{FF2B5EF4-FFF2-40B4-BE49-F238E27FC236}">
+                <a16:creationId xmlns:a16="http://schemas.microsoft.com/office/drawing/2014/main" id="{19BDF16C-4113-495F-9F08-812A3F3D64BF}"/>
+              </a:ext>
+            </a:extLst>
+          </p:cNvPr>
+          <p:cNvSpPr>
+            <a:spLocks noGrp="1"/>
+          </p:cNvSpPr>
+          <p:nvPr>
+            <p:ph idx="1"/>
+          </p:nvPr>
+        </p:nvSpPr>
+        <p:spPr>
+          <a:xfrm>
+            <a:off x="521044" y="1208450"/>
+            <a:ext cx="10131425" cy="2968487"/>
+          </a:xfrm>
+        </p:spPr>
+        <p:txBody>
+          <a:bodyPr>
+            <a:normAutofit fontScale="85000" lnSpcReduction="10000"/>
+          </a:bodyPr>
+          <a:lstStyle/>
+          <a:p>
+            <a:r>
+              <a:rPr lang="en-US" dirty="0"/>
+              <a:t>Non-blocking I/O In JavaScript, almost all I/O is non-blocking. This includes HTTP requests, database operations and disk reads and writes; the single thread of execution asks the runtime to perform an operation, providing a callback function and then moves on to do something else. When the operation has been completed, a message is enqueued along with the provided callback function. At some point in the future, the message is dequeued and the callback fired.</a:t>
+            </a:r>
+          </a:p>
+          <a:p>
+            <a:endParaRPr lang="en-US" dirty="0"/>
+          </a:p>
+          <a:p>
+            <a:r>
+              <a:rPr lang="en-US" dirty="0"/>
+              <a:t>JS runtime is multi threaded – e.g. Memory management, event loop, garbage collection, etc. </a:t>
+            </a:r>
+          </a:p>
+          <a:p>
+            <a:pPr lvl="1"/>
+            <a:r>
+              <a:rPr lang="en-US" i="1" dirty="0"/>
+              <a:t>Only the written code is single threaded</a:t>
+            </a:r>
+          </a:p>
+          <a:p>
+            <a:pPr lvl="1"/>
+            <a:r>
+              <a:rPr lang="en-US" dirty="0"/>
+              <a:t>V8 is just a </a:t>
+            </a:r>
+            <a:r>
+              <a:rPr lang="en-US" dirty="0" err="1"/>
+              <a:t>Javascript</a:t>
+            </a:r>
+            <a:r>
+              <a:rPr lang="en-US" dirty="0"/>
+              <a:t> engine, it doesn't have browser host methods like alert or host objects like </a:t>
+            </a:r>
+            <a:r>
+              <a:rPr lang="en-US" dirty="0" err="1"/>
+              <a:t>setTimeout</a:t>
+            </a:r>
+            <a:r>
+              <a:rPr lang="en-US" dirty="0"/>
+              <a:t>, </a:t>
+            </a:r>
+            <a:r>
+              <a:rPr lang="en-US" dirty="0" err="1"/>
+              <a:t>XMLHttpRequest</a:t>
+            </a:r>
+            <a:r>
+              <a:rPr lang="en-US" dirty="0"/>
+              <a:t>.</a:t>
+            </a:r>
+          </a:p>
+          <a:p>
+            <a:pPr lvl="1"/>
+            <a:r>
+              <a:rPr lang="en-US" b="1" i="1" dirty="0"/>
+              <a:t>Visual Resource for Event Loop</a:t>
+            </a:r>
+            <a:r>
+              <a:rPr lang="en-US" i="1" dirty="0"/>
+              <a:t> </a:t>
+            </a:r>
+            <a:r>
+              <a:rPr lang="en-US" i="1" dirty="0">
+                <a:hlinkClick r:id="rId2"/>
+              </a:rPr>
+              <a:t>http://latentflip.com/loupe/</a:t>
+            </a:r>
+            <a:endParaRPr lang="en-US" i="1" dirty="0"/>
+          </a:p>
+          <a:p>
+            <a:pPr marL="0" indent="0">
+              <a:buNone/>
+            </a:pPr>
+            <a:endParaRPr lang="en-US" dirty="0"/>
+          </a:p>
+        </p:txBody>
+      </p:sp>
+    </p:spTree>
+    <p:extLst>
+      <p:ext uri="{BB962C8B-B14F-4D97-AF65-F5344CB8AC3E}">
+        <p14:creationId xmlns:p14="http://schemas.microsoft.com/office/powerpoint/2010/main" val="895433338"/>
+      </p:ext>
+    </p:extLst>
+  </p:cSld>
+  <p:clrMapOvr>
+    <a:masterClrMapping/>
+  </p:clrMapOvr>
+</p:sld>
+</file>
+
+<file path=ppt/slides/slide16.xml><?xml version="1.0" encoding="utf-8"?>
+<p:sld xmlns:a="http://schemas.openxmlformats.org/drawingml/2006/main" xmlns:r="http://schemas.openxmlformats.org/officeDocument/2006/relationships" xmlns:p="http://schemas.openxmlformats.org/presentationml/2006/main">
+  <p:cSld>
+    <p:spTree>
+      <p:nvGrpSpPr>
+        <p:cNvPr id="1" name=""/>
+        <p:cNvGrpSpPr/>
+        <p:nvPr/>
+      </p:nvGrpSpPr>
+      <p:grpSpPr>
+        <a:xfrm>
+          <a:off x="0" y="0"/>
+          <a:ext cx="0" cy="0"/>
+          <a:chOff x="0" y="0"/>
+          <a:chExt cx="0" cy="0"/>
+        </a:xfrm>
+      </p:grpSpPr>
+      <p:sp>
+        <p:nvSpPr>
+          <p:cNvPr id="2" name="Title 1">
+            <a:extLst>
+              <a:ext uri="{FF2B5EF4-FFF2-40B4-BE49-F238E27FC236}">
+                <a16:creationId xmlns:a16="http://schemas.microsoft.com/office/drawing/2014/main" id="{E46058DB-E18C-40E0-BB92-5A7287CB28A2}"/>
+              </a:ext>
+            </a:extLst>
+          </p:cNvPr>
+          <p:cNvSpPr>
+            <a:spLocks noGrp="1"/>
+          </p:cNvSpPr>
+          <p:nvPr>
+            <p:ph type="title"/>
+          </p:nvPr>
+        </p:nvSpPr>
+        <p:spPr/>
+        <p:txBody>
+          <a:bodyPr/>
+          <a:lstStyle/>
+          <a:p>
+            <a:r>
+              <a:rPr lang="en-US" dirty="0"/>
+              <a:t>Browser Event loop cont.</a:t>
+            </a:r>
+          </a:p>
+        </p:txBody>
+      </p:sp>
+      <p:pic>
+        <p:nvPicPr>
+          <p:cNvPr id="1028" name="Picture 4" descr="Image result for philip roberts event loop">
+            <a:extLst>
+              <a:ext uri="{FF2B5EF4-FFF2-40B4-BE49-F238E27FC236}">
+                <a16:creationId xmlns:a16="http://schemas.microsoft.com/office/drawing/2014/main" id="{CA6C7CD0-D77F-4074-AE1E-EDB975525876}"/>
+              </a:ext>
+            </a:extLst>
+          </p:cNvPr>
+          <p:cNvPicPr>
+            <a:picLocks noChangeAspect="1" noChangeArrowheads="1"/>
+          </p:cNvPicPr>
+          <p:nvPr/>
+        </p:nvPicPr>
+        <p:blipFill>
+          <a:blip r:embed="rId2">
+            <a:extLst>
+              <a:ext uri="{28A0092B-C50C-407E-A947-70E740481C1C}">
+                <a14:useLocalDpi xmlns:a14="http://schemas.microsoft.com/office/drawing/2010/main" val="0"/>
+              </a:ext>
+            </a:extLst>
+          </a:blip>
+          <a:srcRect/>
+          <a:stretch>
+            <a:fillRect/>
+          </a:stretch>
+        </p:blipFill>
+        <p:spPr bwMode="auto">
+          <a:xfrm>
+            <a:off x="0" y="0"/>
+            <a:ext cx="12192000" cy="6858000"/>
+          </a:xfrm>
+          <a:prstGeom prst="rect">
+            <a:avLst/>
+          </a:prstGeom>
+          <a:noFill/>
+          <a:extLst>
+            <a:ext uri="{909E8E84-426E-40DD-AFC4-6F175D3DCCD1}">
+              <a14:hiddenFill xmlns:a14="http://schemas.microsoft.com/office/drawing/2010/main">
+                <a:solidFill>
+                  <a:srgbClr val="FFFFFF"/>
+                </a:solidFill>
+              </a14:hiddenFill>
+            </a:ext>
+          </a:extLst>
+        </p:spPr>
+      </p:pic>
+    </p:spTree>
+    <p:extLst>
+      <p:ext uri="{BB962C8B-B14F-4D97-AF65-F5344CB8AC3E}">
+        <p14:creationId xmlns:p14="http://schemas.microsoft.com/office/powerpoint/2010/main" val="593502408"/>
       </p:ext>
     </p:extLst>
   </p:cSld>
@@ -5891,7 +9841,7 @@
         </p:nvSpPr>
         <p:spPr>
           <a:xfrm>
-            <a:off x="685800" y="1240919"/>
+            <a:off x="685801" y="381466"/>
             <a:ext cx="10131425" cy="901148"/>
           </a:xfrm>
         </p:spPr>
@@ -5923,7 +9873,12 @@
             <p:ph idx="1"/>
           </p:nvPr>
         </p:nvSpPr>
-        <p:spPr/>
+        <p:spPr>
+          <a:xfrm>
+            <a:off x="685801" y="2142068"/>
+            <a:ext cx="10131425" cy="2792398"/>
+          </a:xfrm>
+        </p:spPr>
         <p:txBody>
           <a:bodyPr/>
           <a:lstStyle/>
@@ -5958,10 +9913,9 @@
           <a:p>
             <a:pPr lvl="1"/>
             <a:r>
-              <a:rPr lang="en-US" i="1"/>
+              <a:rPr lang="en-US" i="1" dirty="0"/>
               <a:t>Array-like Objects</a:t>
             </a:r>
-            <a:endParaRPr lang="en-US" i="1" dirty="0"/>
           </a:p>
         </p:txBody>
       </p:sp>
@@ -5979,7 +9933,7 @@
         </p:nvSpPr>
         <p:spPr>
           <a:xfrm>
-            <a:off x="832305" y="2247638"/>
+            <a:off x="1120629" y="1503514"/>
             <a:ext cx="6092565" cy="923330"/>
           </a:xfrm>
           <a:prstGeom prst="rect">
@@ -6039,7 +9993,7 @@
           <p:nvPr/>
         </p:nvPicPr>
         <p:blipFill>
-          <a:blip r:embed="rId2">
+          <a:blip r:embed="rId3">
             <a:extLst>
               <a:ext uri="{28A0092B-C50C-407E-A947-70E740481C1C}">
                 <a14:useLocalDpi xmlns:a14="http://schemas.microsoft.com/office/drawing/2010/main" val="0"/>
@@ -6053,7 +10007,7 @@
         </p:blipFill>
         <p:spPr bwMode="auto">
           <a:xfrm>
-            <a:off x="3184625" y="3170968"/>
+            <a:off x="3763949" y="2732595"/>
             <a:ext cx="3975127" cy="1611344"/>
           </a:xfrm>
           <a:prstGeom prst="rect">
@@ -6106,7 +10060,7 @@
           <p:cNvPr id="2" name="Title 1">
             <a:extLst>
               <a:ext uri="{FF2B5EF4-FFF2-40B4-BE49-F238E27FC236}">
-                <a16:creationId xmlns:a16="http://schemas.microsoft.com/office/drawing/2014/main" id="{4209C9A7-9576-4503-ACB3-F318FB8376EA}"/>
+                <a16:creationId xmlns:a16="http://schemas.microsoft.com/office/drawing/2014/main" id="{B756E3AC-95FE-47C9-89BA-893B1A45E38E}"/>
               </a:ext>
             </a:extLst>
           </p:cNvPr>
@@ -6119,8 +10073,8 @@
         </p:nvSpPr>
         <p:spPr>
           <a:xfrm>
-            <a:off x="685800" y="0"/>
-            <a:ext cx="10131425" cy="1456267"/>
+            <a:off x="685801" y="609600"/>
+            <a:ext cx="10131425" cy="848497"/>
           </a:xfrm>
         </p:spPr>
         <p:txBody>
@@ -6128,14 +10082,9 @@
           <a:lstStyle/>
           <a:p>
             <a:r>
-              <a:rPr lang="en-US" b="1" dirty="0">
-                <a:latin typeface="+mn-lt"/>
-              </a:rPr>
-              <a:t>What is an observable?</a:t>
-            </a:r>
-            <a:endParaRPr lang="en-US" dirty="0">
-              <a:latin typeface="+mn-lt"/>
-            </a:endParaRPr>
+              <a:rPr lang="en-US" dirty="0"/>
+              <a:t>Observable example</a:t>
+            </a:r>
           </a:p>
         </p:txBody>
       </p:sp>
@@ -6144,7 +10093,7 @@
           <p:cNvPr id="3" name="Content Placeholder 2">
             <a:extLst>
               <a:ext uri="{FF2B5EF4-FFF2-40B4-BE49-F238E27FC236}">
-                <a16:creationId xmlns:a16="http://schemas.microsoft.com/office/drawing/2014/main" id="{88A38995-57E4-4F32-84B1-8F9A2B7A943A}"/>
+                <a16:creationId xmlns:a16="http://schemas.microsoft.com/office/drawing/2014/main" id="{4C6C2982-A6B9-4120-9743-B06C298B3C3E}"/>
               </a:ext>
             </a:extLst>
           </p:cNvPr>
@@ -6157,151 +10106,200 @@
         </p:nvSpPr>
         <p:spPr>
           <a:xfrm>
-            <a:off x="463164" y="1025399"/>
-            <a:ext cx="8879619" cy="2910242"/>
+            <a:off x="768180" y="1548715"/>
+            <a:ext cx="10131425" cy="4242486"/>
           </a:xfrm>
         </p:spPr>
         <p:txBody>
           <a:bodyPr>
-            <a:normAutofit/>
+            <a:normAutofit fontScale="92500" lnSpcReduction="10000"/>
           </a:bodyPr>
           <a:lstStyle/>
           <a:p>
-            <a:pPr fontAlgn="ctr"/>
-            <a:r>
-              <a:rPr lang="en-US" b="1" i="1" dirty="0"/>
-              <a:t>An array that gets built over time. Then, you can loop on this array by subscribing to it.</a:t>
-            </a:r>
-            <a:endParaRPr lang="en-US" i="1" dirty="0"/>
-          </a:p>
-          <a:p>
-            <a:pPr fontAlgn="ctr"/>
-            <a:r>
-              <a:rPr lang="en-US" b="1" i="1" dirty="0"/>
-              <a:t>Observables help JavaScript integrate a proper "observer design pattern“ </a:t>
-            </a:r>
-          </a:p>
-          <a:p>
-            <a:pPr lvl="1" fontAlgn="ctr"/>
-            <a:r>
-              <a:rPr lang="en-US" sz="1000" b="1" i="1" dirty="0"/>
-              <a:t>Note: in pub/sub, messages are sent to subscribers w/o the publisher knowing directly who the subscribers are but with the observer pattern, the subject sends messages directly to the observers</a:t>
-            </a:r>
-          </a:p>
-          <a:p>
-            <a:pPr fontAlgn="ctr"/>
-            <a:r>
-              <a:rPr lang="en-US" b="1" i="1" dirty="0"/>
-              <a:t>Observables are functions that tie an </a:t>
-            </a:r>
-            <a:r>
-              <a:rPr lang="en-US" b="1" i="1" u="sng" dirty="0"/>
-              <a:t>observer to a producer</a:t>
-            </a:r>
-            <a:r>
-              <a:rPr lang="en-US" b="1" i="1" dirty="0"/>
+            <a:pPr marL="0" indent="0">
+              <a:buNone/>
+            </a:pPr>
+            <a:endParaRPr lang="en-US" dirty="0"/>
+          </a:p>
+          <a:p>
+            <a:pPr marL="0" indent="0">
+              <a:buNone/>
+            </a:pPr>
+            <a:r>
+              <a:rPr lang="en-US" dirty="0"/>
+              <a:t>import { Observable } from "</a:t>
+            </a:r>
+            <a:r>
+              <a:rPr lang="en-US" dirty="0" err="1"/>
+              <a:t>rxjs</a:t>
+            </a:r>
+            <a:r>
+              <a:rPr lang="en-US" dirty="0"/>
+              <a:t>/Observable";</a:t>
+            </a:r>
+          </a:p>
+          <a:p>
+            <a:pPr marL="0" indent="0">
+              <a:buNone/>
+            </a:pPr>
+            <a:r>
+              <a:rPr lang="en-US" dirty="0" err="1"/>
+              <a:t>const</a:t>
+            </a:r>
+            <a:r>
+              <a:rPr lang="en-US" dirty="0"/>
+              <a:t> observable = </a:t>
+            </a:r>
+            <a:r>
+              <a:rPr lang="en-US" dirty="0" err="1"/>
+              <a:t>Observable.create</a:t>
+            </a:r>
+            <a:r>
+              <a:rPr lang="en-US" dirty="0"/>
+              <a:t>(function subscribe(observer) {</a:t>
+            </a:r>
+          </a:p>
+          <a:p>
+            <a:pPr marL="0" indent="0">
+              <a:buNone/>
+            </a:pPr>
+            <a:r>
+              <a:rPr lang="en-US" dirty="0"/>
+              <a:t>    </a:t>
+            </a:r>
+            <a:r>
+              <a:rPr lang="en-US" dirty="0" err="1"/>
+              <a:t>observer.next</a:t>
+            </a:r>
+            <a:r>
+              <a:rPr lang="en-US" dirty="0"/>
+              <a:t>('Hey guys!')</a:t>
+            </a:r>
+          </a:p>
+          <a:p>
+            <a:pPr marL="0" indent="0">
+              <a:buNone/>
+            </a:pPr>
+            <a:r>
+              <a:rPr lang="en-US" dirty="0"/>
+              <a:t>})</a:t>
+            </a:r>
+          </a:p>
+          <a:p>
+            <a:pPr marL="0" indent="0">
+              <a:buNone/>
+            </a:pPr>
+            <a:r>
+              <a:rPr lang="en-US" dirty="0"/>
+              <a:t>// OR </a:t>
+            </a:r>
+          </a:p>
+          <a:p>
+            <a:pPr marL="0" indent="0">
+              <a:buNone/>
+            </a:pPr>
+            <a:r>
+              <a:rPr lang="en-US" dirty="0" err="1"/>
+              <a:t>const</a:t>
+            </a:r>
+            <a:r>
+              <a:rPr lang="en-US" dirty="0"/>
+              <a:t> observable = </a:t>
+            </a:r>
+            <a:r>
+              <a:rPr lang="en-US" dirty="0" err="1"/>
+              <a:t>Observable.create</a:t>
+            </a:r>
+            <a:r>
+              <a:rPr lang="en-US" dirty="0"/>
+              <a:t>((</a:t>
+            </a:r>
+            <a:r>
+              <a:rPr lang="en-US" dirty="0" err="1"/>
+              <a:t>observer:any</a:t>
+            </a:r>
+            <a:r>
+              <a:rPr lang="en-US" dirty="0"/>
+              <a:t>) =&gt; {</a:t>
+            </a:r>
+          </a:p>
+          <a:p>
+            <a:pPr marL="0" indent="0">
+              <a:buNone/>
+            </a:pPr>
+            <a:r>
+              <a:rPr lang="en-US" dirty="0"/>
+              <a:t>    </a:t>
+            </a:r>
+            <a:r>
+              <a:rPr lang="en-US" dirty="0" err="1"/>
+              <a:t>observer.next</a:t>
+            </a:r>
+            <a:r>
+              <a:rPr lang="en-US" dirty="0"/>
+              <a:t>('Hey guys!')</a:t>
+            </a:r>
+          </a:p>
+          <a:p>
+            <a:pPr marL="0" indent="0">
+              <a:buNone/>
+            </a:pPr>
+            <a:r>
+              <a:rPr lang="en-US" dirty="0"/>
+              <a:t>})</a:t>
+            </a:r>
+          </a:p>
+          <a:p>
+            <a:pPr marL="0" indent="0">
+              <a:buNone/>
+            </a:pPr>
+            <a:endParaRPr lang="en-US" dirty="0"/>
+          </a:p>
+          <a:p>
+            <a:pPr marL="0" indent="0">
+              <a:buNone/>
+            </a:pPr>
+            <a:r>
+              <a:rPr lang="en-US" dirty="0"/>
+              <a:t>We're defining the subscribe function, and we're emitting a single value of </a:t>
+            </a:r>
+            <a:r>
+              <a:rPr lang="en-US" i="1" dirty="0"/>
+              <a:t>'Hey guys!'</a:t>
+            </a:r>
+            <a:r>
+              <a:rPr lang="en-US" dirty="0"/>
+              <a:t> by calling </a:t>
+            </a:r>
+            <a:r>
+              <a:rPr lang="en-US" dirty="0" err="1"/>
+              <a:t>observer</a:t>
+            </a:r>
+            <a:r>
+              <a:rPr lang="en-US" i="1" dirty="0" err="1"/>
+              <a:t>.next</a:t>
+            </a:r>
+            <a:r>
+              <a:rPr lang="en-US" i="1" dirty="0"/>
+              <a:t>()</a:t>
+            </a:r>
+            <a:r>
+              <a:rPr lang="en-US" dirty="0"/>
               <a:t>.</a:t>
             </a:r>
-            <a:r>
-              <a:rPr lang="en-US" b="1" dirty="0"/>
-              <a:t> </a:t>
-            </a:r>
-          </a:p>
-          <a:p>
-            <a:r>
-              <a:rPr lang="en-US" b="1" dirty="0"/>
-              <a:t>What’s a “Producer”?</a:t>
-            </a:r>
-          </a:p>
-          <a:p>
-            <a:pPr lvl="1"/>
-            <a:r>
-              <a:rPr lang="en-US" sz="1000" b="1" i="1" dirty="0"/>
-              <a:t>A producer is the source of values for your observable. It could be a web socket, it could be DOM events, it could be an iterator, or something looping over an array. Basically, it’s anything you’re using to get values and pass them to `</a:t>
-            </a:r>
-            <a:r>
-              <a:rPr lang="en-US" sz="1000" b="1" i="1" dirty="0" err="1"/>
-              <a:t>observer.next</a:t>
-            </a:r>
-            <a:r>
-              <a:rPr lang="en-US" sz="1000" b="1" i="1" dirty="0"/>
-              <a:t>(value)`.</a:t>
-            </a:r>
-          </a:p>
-        </p:txBody>
-      </p:sp>
-      <p:sp>
-        <p:nvSpPr>
-          <p:cNvPr id="5" name="Rectangle 4">
-            <a:extLst>
-              <a:ext uri="{FF2B5EF4-FFF2-40B4-BE49-F238E27FC236}">
-                <a16:creationId xmlns:a16="http://schemas.microsoft.com/office/drawing/2014/main" id="{F31549CA-17D1-4AA9-BBC3-BCE01F944671}"/>
-              </a:ext>
-            </a:extLst>
-          </p:cNvPr>
-          <p:cNvSpPr/>
-          <p:nvPr/>
-        </p:nvSpPr>
-        <p:spPr>
-          <a:xfrm>
-            <a:off x="463164" y="3734473"/>
-            <a:ext cx="10228690" cy="2031325"/>
-          </a:xfrm>
-          <a:prstGeom prst="rect">
-            <a:avLst/>
-          </a:prstGeom>
-        </p:spPr>
-        <p:txBody>
-          <a:bodyPr wrap="square">
-            <a:spAutoFit/>
-          </a:bodyPr>
-          <a:lstStyle/>
-          <a:p>
-            <a:endParaRPr lang="en-US" b="1" i="1" dirty="0"/>
-          </a:p>
-          <a:p>
-            <a:r>
-              <a:rPr lang="en-US" b="1" i="1" dirty="0"/>
-              <a:t>Angular Documentation</a:t>
-            </a:r>
-          </a:p>
-          <a:p>
-            <a:pPr lvl="1"/>
-            <a:r>
-              <a:rPr lang="en-US" i="1" dirty="0"/>
-              <a:t>“You can think of an observable as an array whose items arrive asynchronously over time. </a:t>
-            </a:r>
-            <a:r>
-              <a:rPr lang="en-US" b="1" i="1" dirty="0"/>
-              <a:t>Observables help you manage asynchronous data</a:t>
-            </a:r>
-            <a:r>
-              <a:rPr lang="en-US" i="1" dirty="0"/>
-              <a:t>, such as data coming from a backend service. Observables are used within Angular itself, including </a:t>
-            </a:r>
-            <a:r>
-              <a:rPr lang="en-US" i="1" dirty="0" err="1"/>
-              <a:t>Angular’s</a:t>
-            </a:r>
-            <a:r>
-              <a:rPr lang="en-US" i="1" dirty="0"/>
-              <a:t> event system and its http client service. To use observables, Angular uses a third-party library called Reactive Extensions (</a:t>
-            </a:r>
-            <a:r>
-              <a:rPr lang="en-US" b="1" i="1" dirty="0" err="1"/>
-              <a:t>RxJS</a:t>
-            </a:r>
-            <a:r>
-              <a:rPr lang="en-US" i="1" dirty="0"/>
-              <a:t>). Observables are a proposed feature for ES 2016, the next version of JavaScript.”</a:t>
-            </a:r>
+          </a:p>
+          <a:p>
+            <a:pPr marL="0" indent="0">
+              <a:buNone/>
+            </a:pPr>
+            <a:endParaRPr lang="en-US" dirty="0"/>
           </a:p>
         </p:txBody>
       </p:sp>
     </p:spTree>
     <p:extLst>
       <p:ext uri="{BB962C8B-B14F-4D97-AF65-F5344CB8AC3E}">
-        <p14:creationId xmlns:p14="http://schemas.microsoft.com/office/powerpoint/2010/main" val="979295037"/>
+        <p14:creationId xmlns:p14="http://schemas.microsoft.com/office/powerpoint/2010/main" val="4034485919"/>
       </p:ext>
     </p:extLst>
   </p:cSld>
@@ -6312,6 +10310,257 @@
 </file>
 
 <file path=ppt/slides/slide4.xml><?xml version="1.0" encoding="utf-8"?>
+<p:sld xmlns:a="http://schemas.openxmlformats.org/drawingml/2006/main" xmlns:r="http://schemas.openxmlformats.org/officeDocument/2006/relationships" xmlns:p="http://schemas.openxmlformats.org/presentationml/2006/main">
+  <p:cSld>
+    <p:spTree>
+      <p:nvGrpSpPr>
+        <p:cNvPr id="1" name=""/>
+        <p:cNvGrpSpPr/>
+        <p:nvPr/>
+      </p:nvGrpSpPr>
+      <p:grpSpPr>
+        <a:xfrm>
+          <a:off x="0" y="0"/>
+          <a:ext cx="0" cy="0"/>
+          <a:chOff x="0" y="0"/>
+          <a:chExt cx="0" cy="0"/>
+        </a:xfrm>
+      </p:grpSpPr>
+      <p:sp>
+        <p:nvSpPr>
+          <p:cNvPr id="2" name="Title 1">
+            <a:extLst>
+              <a:ext uri="{FF2B5EF4-FFF2-40B4-BE49-F238E27FC236}">
+                <a16:creationId xmlns:a16="http://schemas.microsoft.com/office/drawing/2014/main" id="{B756E3AC-95FE-47C9-89BA-893B1A45E38E}"/>
+              </a:ext>
+            </a:extLst>
+          </p:cNvPr>
+          <p:cNvSpPr>
+            <a:spLocks noGrp="1"/>
+          </p:cNvSpPr>
+          <p:nvPr>
+            <p:ph type="title"/>
+          </p:nvPr>
+        </p:nvSpPr>
+        <p:spPr>
+          <a:xfrm>
+            <a:off x="685801" y="609600"/>
+            <a:ext cx="10131425" cy="848497"/>
+          </a:xfrm>
+        </p:spPr>
+        <p:txBody>
+          <a:bodyPr/>
+          <a:lstStyle/>
+          <a:p>
+            <a:r>
+              <a:rPr lang="en-US" b="1" dirty="0"/>
+              <a:t>Subscription</a:t>
+            </a:r>
+          </a:p>
+        </p:txBody>
+      </p:sp>
+      <p:sp>
+        <p:nvSpPr>
+          <p:cNvPr id="3" name="Content Placeholder 2">
+            <a:extLst>
+              <a:ext uri="{FF2B5EF4-FFF2-40B4-BE49-F238E27FC236}">
+                <a16:creationId xmlns:a16="http://schemas.microsoft.com/office/drawing/2014/main" id="{4C6C2982-A6B9-4120-9743-B06C298B3C3E}"/>
+              </a:ext>
+            </a:extLst>
+          </p:cNvPr>
+          <p:cNvSpPr>
+            <a:spLocks noGrp="1"/>
+          </p:cNvSpPr>
+          <p:nvPr>
+            <p:ph idx="1"/>
+          </p:nvPr>
+        </p:nvSpPr>
+        <p:spPr>
+          <a:xfrm>
+            <a:off x="768180" y="1548714"/>
+            <a:ext cx="10131425" cy="5058031"/>
+          </a:xfrm>
+        </p:spPr>
+        <p:txBody>
+          <a:bodyPr>
+            <a:normAutofit/>
+          </a:bodyPr>
+          <a:lstStyle/>
+          <a:p>
+            <a:pPr marL="0" indent="0">
+              <a:buNone/>
+            </a:pPr>
+            <a:r>
+              <a:rPr lang="en-US" dirty="0" err="1"/>
+              <a:t>const</a:t>
+            </a:r>
+            <a:r>
+              <a:rPr lang="en-US" dirty="0"/>
+              <a:t> observable = </a:t>
+            </a:r>
+            <a:r>
+              <a:rPr lang="en-US" dirty="0" err="1"/>
+              <a:t>Observable.create</a:t>
+            </a:r>
+            <a:r>
+              <a:rPr lang="en-US" dirty="0"/>
+              <a:t>((</a:t>
+            </a:r>
+            <a:r>
+              <a:rPr lang="en-US" dirty="0" err="1"/>
+              <a:t>observer:any</a:t>
+            </a:r>
+            <a:r>
+              <a:rPr lang="en-US" dirty="0"/>
+              <a:t>) =&gt; {</a:t>
+            </a:r>
+            <a:br>
+              <a:rPr lang="en-US" dirty="0"/>
+            </a:br>
+            <a:r>
+              <a:rPr lang="en-US" dirty="0"/>
+              <a:t>	</a:t>
+            </a:r>
+            <a:r>
+              <a:rPr lang="en-US" dirty="0" err="1"/>
+              <a:t>observer.next</a:t>
+            </a:r>
+            <a:r>
+              <a:rPr lang="en-US" dirty="0"/>
+              <a:t>('Hey guys!’)</a:t>
+            </a:r>
+          </a:p>
+          <a:p>
+            <a:pPr marL="0" indent="0">
+              <a:buNone/>
+            </a:pPr>
+            <a:r>
+              <a:rPr lang="en-US" dirty="0"/>
+              <a:t>        	</a:t>
+            </a:r>
+            <a:r>
+              <a:rPr lang="en-US" dirty="0" err="1"/>
+              <a:t>setInterval</a:t>
+            </a:r>
+            <a:r>
+              <a:rPr lang="en-US" dirty="0"/>
+              <a:t>(() =&gt; {</a:t>
+            </a:r>
+          </a:p>
+          <a:p>
+            <a:pPr marL="0" indent="0">
+              <a:buNone/>
+            </a:pPr>
+            <a:r>
+              <a:rPr lang="en-US" dirty="0"/>
+              <a:t>            </a:t>
+            </a:r>
+            <a:r>
+              <a:rPr lang="en-US" dirty="0" err="1"/>
+              <a:t>observer.next</a:t>
+            </a:r>
+            <a:r>
+              <a:rPr lang="en-US" dirty="0"/>
+              <a:t>('I am good’)</a:t>
+            </a:r>
+          </a:p>
+          <a:p>
+            <a:pPr marL="0" indent="0">
+              <a:buNone/>
+            </a:pPr>
+            <a:r>
+              <a:rPr lang="en-US" dirty="0"/>
+              <a:t>	}, 2000)</a:t>
+            </a:r>
+          </a:p>
+          <a:p>
+            <a:pPr marL="0" indent="0">
+              <a:buNone/>
+            </a:pPr>
+            <a:r>
+              <a:rPr lang="en-US" dirty="0"/>
+              <a:t>})</a:t>
+            </a:r>
+          </a:p>
+          <a:p>
+            <a:pPr marL="0" indent="0">
+              <a:buNone/>
+            </a:pPr>
+            <a:endParaRPr lang="en-US" dirty="0"/>
+          </a:p>
+          <a:p>
+            <a:pPr marL="0" indent="0">
+              <a:buNone/>
+            </a:pPr>
+            <a:r>
+              <a:rPr lang="en-US" dirty="0"/>
+              <a:t>// To cancel a subscription</a:t>
+            </a:r>
+          </a:p>
+          <a:p>
+            <a:pPr marL="0" indent="0">
+              <a:buNone/>
+            </a:pPr>
+            <a:br>
+              <a:rPr lang="en-US" dirty="0"/>
+            </a:br>
+            <a:r>
+              <a:rPr lang="en-US" dirty="0" err="1"/>
+              <a:t>setTimeout</a:t>
+            </a:r>
+            <a:r>
+              <a:rPr lang="en-US" dirty="0"/>
+              <a:t>(() =&gt; {</a:t>
+            </a:r>
+          </a:p>
+          <a:p>
+            <a:pPr marL="0" indent="0">
+              <a:buNone/>
+            </a:pPr>
+            <a:r>
+              <a:rPr lang="en-US" dirty="0"/>
+              <a:t>    </a:t>
+            </a:r>
+            <a:r>
+              <a:rPr lang="en-US" dirty="0" err="1"/>
+              <a:t>subscription.unsubscribe</a:t>
+            </a:r>
+            <a:r>
+              <a:rPr lang="en-US" dirty="0"/>
+              <a:t>();</a:t>
+            </a:r>
+          </a:p>
+          <a:p>
+            <a:pPr marL="0" indent="0">
+              <a:buNone/>
+            </a:pPr>
+            <a:r>
+              <a:rPr lang="en-US" dirty="0"/>
+              <a:t>}, 6000);</a:t>
+            </a:r>
+          </a:p>
+          <a:p>
+            <a:pPr marL="0" indent="0">
+              <a:buNone/>
+            </a:pPr>
+            <a:endParaRPr lang="en-US" dirty="0"/>
+          </a:p>
+        </p:txBody>
+      </p:sp>
+    </p:spTree>
+    <p:extLst>
+      <p:ext uri="{BB962C8B-B14F-4D97-AF65-F5344CB8AC3E}">
+        <p14:creationId xmlns:p14="http://schemas.microsoft.com/office/powerpoint/2010/main" val="1607499970"/>
+      </p:ext>
+    </p:extLst>
+  </p:cSld>
+  <p:clrMapOvr>
+    <a:masterClrMapping/>
+  </p:clrMapOvr>
+</p:sld>
+</file>
+
+<file path=ppt/slides/slide5.xml><?xml version="1.0" encoding="utf-8"?>
 <p:sld xmlns:a="http://schemas.openxmlformats.org/drawingml/2006/main" xmlns:r="http://schemas.openxmlformats.org/officeDocument/2006/relationships" xmlns:p="http://schemas.openxmlformats.org/presentationml/2006/main">
   <p:cSld>
     <p:spTree>
@@ -6763,170 +11012,6 @@
 </p:sld>
 </file>
 
-<file path=ppt/slides/slide5.xml><?xml version="1.0" encoding="utf-8"?>
-<p:sld xmlns:a="http://schemas.openxmlformats.org/drawingml/2006/main" xmlns:r="http://schemas.openxmlformats.org/officeDocument/2006/relationships" xmlns:p="http://schemas.openxmlformats.org/presentationml/2006/main">
-  <p:cSld>
-    <p:spTree>
-      <p:nvGrpSpPr>
-        <p:cNvPr id="1" name=""/>
-        <p:cNvGrpSpPr/>
-        <p:nvPr/>
-      </p:nvGrpSpPr>
-      <p:grpSpPr>
-        <a:xfrm>
-          <a:off x="0" y="0"/>
-          <a:ext cx="0" cy="0"/>
-          <a:chOff x="0" y="0"/>
-          <a:chExt cx="0" cy="0"/>
-        </a:xfrm>
-      </p:grpSpPr>
-      <p:sp>
-        <p:nvSpPr>
-          <p:cNvPr id="2" name="Title 1">
-            <a:extLst>
-              <a:ext uri="{FF2B5EF4-FFF2-40B4-BE49-F238E27FC236}">
-                <a16:creationId xmlns:a16="http://schemas.microsoft.com/office/drawing/2014/main" id="{1BCBE4DA-6C67-45CE-BE50-C66BCF1D4A17}"/>
-              </a:ext>
-            </a:extLst>
-          </p:cNvPr>
-          <p:cNvSpPr>
-            <a:spLocks noGrp="1"/>
-          </p:cNvSpPr>
-          <p:nvPr>
-            <p:ph type="title"/>
-          </p:nvPr>
-        </p:nvSpPr>
-        <p:spPr/>
-        <p:txBody>
-          <a:bodyPr/>
-          <a:lstStyle/>
-          <a:p>
-            <a:r>
-              <a:rPr lang="en-US" dirty="0"/>
-              <a:t>BROWSER EVENT loop</a:t>
-            </a:r>
-          </a:p>
-        </p:txBody>
-      </p:sp>
-      <p:sp>
-        <p:nvSpPr>
-          <p:cNvPr id="3" name="Content Placeholder 2">
-            <a:extLst>
-              <a:ext uri="{FF2B5EF4-FFF2-40B4-BE49-F238E27FC236}">
-                <a16:creationId xmlns:a16="http://schemas.microsoft.com/office/drawing/2014/main" id="{19BDF16C-4113-495F-9F08-812A3F3D64BF}"/>
-              </a:ext>
-            </a:extLst>
-          </p:cNvPr>
-          <p:cNvSpPr>
-            <a:spLocks noGrp="1"/>
-          </p:cNvSpPr>
-          <p:nvPr>
-            <p:ph idx="1"/>
-          </p:nvPr>
-        </p:nvSpPr>
-        <p:spPr>
-          <a:xfrm>
-            <a:off x="398644" y="1678007"/>
-            <a:ext cx="10131425" cy="2968487"/>
-          </a:xfrm>
-        </p:spPr>
-        <p:txBody>
-          <a:bodyPr>
-            <a:normAutofit fontScale="85000" lnSpcReduction="10000"/>
-          </a:bodyPr>
-          <a:lstStyle/>
-          <a:p>
-            <a:r>
-              <a:rPr lang="en-US" dirty="0"/>
-              <a:t>Non-blocking I/O In JavaScript, almost all I/O is non-blocking. This includes HTTP requests, database operations and disk reads and writes; the single thread of execution asks the runtime to perform an operation, providing a callback function and then moves on to do something else. When the operation has been completed, a message is enqueued along with the provided callback function. At some point in the future, the message is dequeued and the callback fired.</a:t>
-            </a:r>
-          </a:p>
-          <a:p>
-            <a:endParaRPr lang="en-US" dirty="0"/>
-          </a:p>
-          <a:p>
-            <a:r>
-              <a:rPr lang="en-US" dirty="0"/>
-              <a:t>JS runtime is multi threaded – e.g. Memory management, event loop, garbage collection, etc. </a:t>
-            </a:r>
-          </a:p>
-          <a:p>
-            <a:pPr lvl="1"/>
-            <a:r>
-              <a:rPr lang="en-US" i="1" dirty="0"/>
-              <a:t>Only the written code is single threaded</a:t>
-            </a:r>
-          </a:p>
-          <a:p>
-            <a:pPr lvl="1"/>
-            <a:r>
-              <a:rPr lang="en-US" dirty="0"/>
-              <a:t>V8 is just a </a:t>
-            </a:r>
-            <a:r>
-              <a:rPr lang="en-US" dirty="0" err="1"/>
-              <a:t>Javascript</a:t>
-            </a:r>
-            <a:r>
-              <a:rPr lang="en-US" dirty="0"/>
-              <a:t> engine, it doesn't have browser host methods like alert or host objects like </a:t>
-            </a:r>
-            <a:r>
-              <a:rPr lang="en-US" dirty="0" err="1"/>
-              <a:t>setTimeout</a:t>
-            </a:r>
-            <a:r>
-              <a:rPr lang="en-US"/>
-              <a:t>, </a:t>
-            </a:r>
-            <a:r>
-              <a:rPr lang="en-US" dirty="0" err="1"/>
-              <a:t>XMLHttpRequest</a:t>
-            </a:r>
-            <a:r>
-              <a:rPr lang="en-US" dirty="0"/>
-              <a:t>.</a:t>
-            </a:r>
-          </a:p>
-          <a:p>
-            <a:pPr lvl="1"/>
-            <a:r>
-              <a:rPr lang="en-US" b="1" i="1" dirty="0"/>
-              <a:t>Visual Resource for Event Loop</a:t>
-            </a:r>
-            <a:r>
-              <a:rPr lang="en-US" i="1" dirty="0"/>
-              <a:t> </a:t>
-            </a:r>
-            <a:r>
-              <a:rPr lang="en-US" i="1" dirty="0">
-                <a:hlinkClick r:id="rId2"/>
-              </a:rPr>
-              <a:t>http://latentflip.com/loupe/</a:t>
-            </a:r>
-            <a:endParaRPr lang="en-US" i="1" dirty="0"/>
-          </a:p>
-          <a:p>
-            <a:pPr marL="0" indent="0">
-              <a:buNone/>
-            </a:pPr>
-            <a:endParaRPr lang="en-US" dirty="0"/>
-          </a:p>
-        </p:txBody>
-      </p:sp>
-    </p:spTree>
-    <p:extLst>
-      <p:ext uri="{BB962C8B-B14F-4D97-AF65-F5344CB8AC3E}">
-        <p14:creationId xmlns:p14="http://schemas.microsoft.com/office/powerpoint/2010/main" val="895433338"/>
-      </p:ext>
-    </p:extLst>
-  </p:cSld>
-  <p:clrMapOvr>
-    <a:masterClrMapping/>
-  </p:clrMapOvr>
-</p:sld>
-</file>
-
 <file path=ppt/slides/slide6.xml><?xml version="1.0" encoding="utf-8"?>
 <p:sld xmlns:a="http://schemas.openxmlformats.org/drawingml/2006/main" xmlns:r="http://schemas.openxmlformats.org/officeDocument/2006/relationships" xmlns:p="http://schemas.openxmlformats.org/presentationml/2006/main">
   <p:cSld>
@@ -6949,7 +11034,7 @@
           <p:cNvPr id="2" name="Title 1">
             <a:extLst>
               <a:ext uri="{FF2B5EF4-FFF2-40B4-BE49-F238E27FC236}">
-                <a16:creationId xmlns:a16="http://schemas.microsoft.com/office/drawing/2014/main" id="{E46058DB-E18C-40E0-BB92-5A7287CB28A2}"/>
+                <a16:creationId xmlns:a16="http://schemas.microsoft.com/office/drawing/2014/main" id="{B2B44B3B-93EF-47DC-8C61-DD7D806327C4}"/>
               </a:ext>
             </a:extLst>
           </p:cNvPr>
@@ -6960,24 +11045,114 @@
             <p:ph type="title"/>
           </p:nvPr>
         </p:nvSpPr>
-        <p:spPr/>
-        <p:txBody>
-          <a:bodyPr/>
+        <p:spPr>
+          <a:xfrm>
+            <a:off x="685801" y="609600"/>
+            <a:ext cx="10131425" cy="873211"/>
+          </a:xfrm>
+        </p:spPr>
+        <p:txBody>
+          <a:bodyPr>
+            <a:normAutofit fontScale="90000"/>
+          </a:bodyPr>
           <a:lstStyle/>
           <a:p>
             <a:r>
-              <a:rPr lang="en-US" dirty="0"/>
-              <a:t>Browser Event loop cont.</a:t>
-            </a:r>
+              <a:rPr lang="en-US" b="1" dirty="0"/>
+              <a:t>Hot Observables: Producers created *outside*</a:t>
+            </a:r>
+            <a:br>
+              <a:rPr lang="en-US" b="1" dirty="0"/>
+            </a:br>
+            <a:endParaRPr lang="en-US" dirty="0"/>
+          </a:p>
+        </p:txBody>
+      </p:sp>
+      <p:sp>
+        <p:nvSpPr>
+          <p:cNvPr id="3" name="Content Placeholder 2">
+            <a:extLst>
+              <a:ext uri="{FF2B5EF4-FFF2-40B4-BE49-F238E27FC236}">
+                <a16:creationId xmlns:a16="http://schemas.microsoft.com/office/drawing/2014/main" id="{EEB51A73-B908-407B-8214-7470C4F21691}"/>
+              </a:ext>
+            </a:extLst>
+          </p:cNvPr>
+          <p:cNvSpPr>
+            <a:spLocks noGrp="1"/>
+          </p:cNvSpPr>
+          <p:nvPr>
+            <p:ph idx="1"/>
+          </p:nvPr>
+        </p:nvSpPr>
+        <p:spPr>
+          <a:xfrm>
+            <a:off x="685801" y="851455"/>
+            <a:ext cx="10131425" cy="3650142"/>
+          </a:xfrm>
+        </p:spPr>
+        <p:txBody>
+          <a:bodyPr>
+            <a:normAutofit/>
+          </a:bodyPr>
+          <a:lstStyle/>
+          <a:p>
+            <a:pPr marL="0" indent="0">
+              <a:buNone/>
+            </a:pPr>
+            <a:r>
+              <a:rPr lang="en-US" dirty="0"/>
+              <a:t>An observable is “hot” if its underlying producer is either created or activated outside of subscription.</a:t>
+            </a:r>
+          </a:p>
+          <a:p>
+            <a:pPr marL="0" indent="0">
+              <a:buNone/>
+            </a:pPr>
+            <a:endParaRPr lang="en-US" dirty="0"/>
+          </a:p>
+          <a:p>
+            <a:r>
+              <a:rPr lang="en-US" dirty="0"/>
+              <a:t>shares a reference to a producer</a:t>
+            </a:r>
+          </a:p>
+          <a:p>
+            <a:r>
+              <a:rPr lang="en-US" dirty="0"/>
+              <a:t>starts listening to the producer</a:t>
+            </a:r>
+          </a:p>
+          <a:p>
+            <a:r>
+              <a:rPr lang="en-US" dirty="0"/>
+              <a:t>multicast (usually)</a:t>
+            </a:r>
+          </a:p>
+          <a:p>
+            <a:r>
+              <a:rPr lang="en-US" dirty="0"/>
+              <a:t>If we were to take our example above and move the creation of the WebSocket </a:t>
+            </a:r>
+            <a:r>
+              <a:rPr lang="en-US" i="1" dirty="0"/>
+              <a:t>outside</a:t>
+            </a:r>
+            <a:r>
+              <a:rPr lang="en-US" dirty="0"/>
+              <a:t> of our observable it would become “hot”:</a:t>
+            </a:r>
+          </a:p>
+          <a:p>
+            <a:endParaRPr lang="en-US" dirty="0"/>
           </a:p>
         </p:txBody>
       </p:sp>
       <p:pic>
         <p:nvPicPr>
-          <p:cNvPr id="1028" name="Picture 4" descr="Image result for philip roberts event loop">
+          <p:cNvPr id="2050" name="Picture 2" descr="Screen Shot at January 18th 2019 - 2.28.42 pm.png">
             <a:extLst>
               <a:ext uri="{FF2B5EF4-FFF2-40B4-BE49-F238E27FC236}">
-                <a16:creationId xmlns:a16="http://schemas.microsoft.com/office/drawing/2014/main" id="{CA6C7CD0-D77F-4074-AE1E-EDB975525876}"/>
+                <a16:creationId xmlns:a16="http://schemas.microsoft.com/office/drawing/2014/main" id="{AA701C3B-D738-4907-BAA6-00C5A0176982}"/>
               </a:ext>
             </a:extLst>
           </p:cNvPr>
@@ -6987,7 +11162,7 @@
           <p:nvPr/>
         </p:nvPicPr>
         <p:blipFill>
-          <a:blip r:embed="rId2">
+          <a:blip r:embed="rId3">
             <a:extLst>
               <a:ext uri="{28A0092B-C50C-407E-A947-70E740481C1C}">
                 <a14:useLocalDpi xmlns:a14="http://schemas.microsoft.com/office/drawing/2010/main" val="0"/>
@@ -7001,8 +11176,8 @@
         </p:blipFill>
         <p:spPr bwMode="auto">
           <a:xfrm>
-            <a:off x="0" y="0"/>
-            <a:ext cx="12192000" cy="6858000"/>
+            <a:off x="2325001" y="4501596"/>
+            <a:ext cx="6981825" cy="1504950"/>
           </a:xfrm>
           <a:prstGeom prst="rect">
             <a:avLst/>
@@ -7022,7 +11197,514 @@
     </p:spTree>
     <p:extLst>
       <p:ext uri="{BB962C8B-B14F-4D97-AF65-F5344CB8AC3E}">
-        <p14:creationId xmlns:p14="http://schemas.microsoft.com/office/powerpoint/2010/main" val="593502408"/>
+        <p14:creationId xmlns:p14="http://schemas.microsoft.com/office/powerpoint/2010/main" val="1048166288"/>
+      </p:ext>
+    </p:extLst>
+  </p:cSld>
+  <p:clrMapOvr>
+    <a:masterClrMapping/>
+  </p:clrMapOvr>
+</p:sld>
+</file>
+
+<file path=ppt/slides/slide7.xml><?xml version="1.0" encoding="utf-8"?>
+<p:sld xmlns:a="http://schemas.openxmlformats.org/drawingml/2006/main" xmlns:r="http://schemas.openxmlformats.org/officeDocument/2006/relationships" xmlns:p="http://schemas.openxmlformats.org/presentationml/2006/main">
+  <p:cSld>
+    <p:spTree>
+      <p:nvGrpSpPr>
+        <p:cNvPr id="1" name=""/>
+        <p:cNvGrpSpPr/>
+        <p:nvPr/>
+      </p:nvGrpSpPr>
+      <p:grpSpPr>
+        <a:xfrm>
+          <a:off x="0" y="0"/>
+          <a:ext cx="0" cy="0"/>
+          <a:chOff x="0" y="0"/>
+          <a:chExt cx="0" cy="0"/>
+        </a:xfrm>
+      </p:grpSpPr>
+      <p:sp>
+        <p:nvSpPr>
+          <p:cNvPr id="2" name="Title 1">
+            <a:extLst>
+              <a:ext uri="{FF2B5EF4-FFF2-40B4-BE49-F238E27FC236}">
+                <a16:creationId xmlns:a16="http://schemas.microsoft.com/office/drawing/2014/main" id="{B2B44B3B-93EF-47DC-8C61-DD7D806327C4}"/>
+              </a:ext>
+            </a:extLst>
+          </p:cNvPr>
+          <p:cNvSpPr>
+            <a:spLocks noGrp="1"/>
+          </p:cNvSpPr>
+          <p:nvPr>
+            <p:ph type="title"/>
+          </p:nvPr>
+        </p:nvSpPr>
+        <p:spPr>
+          <a:xfrm>
+            <a:off x="685801" y="609600"/>
+            <a:ext cx="10131425" cy="873211"/>
+          </a:xfrm>
+        </p:spPr>
+        <p:txBody>
+          <a:bodyPr>
+            <a:normAutofit fontScale="90000"/>
+          </a:bodyPr>
+          <a:lstStyle/>
+          <a:p>
+            <a:r>
+              <a:rPr lang="en-US" dirty="0"/>
+              <a:t>Cold Observables: Producers created *inside*</a:t>
+            </a:r>
+            <a:br>
+              <a:rPr lang="en-US" dirty="0"/>
+            </a:br>
+            <a:endParaRPr lang="en-US" dirty="0"/>
+          </a:p>
+        </p:txBody>
+      </p:sp>
+      <p:sp>
+        <p:nvSpPr>
+          <p:cNvPr id="3" name="Content Placeholder 2">
+            <a:extLst>
+              <a:ext uri="{FF2B5EF4-FFF2-40B4-BE49-F238E27FC236}">
+                <a16:creationId xmlns:a16="http://schemas.microsoft.com/office/drawing/2014/main" id="{EEB51A73-B908-407B-8214-7470C4F21691}"/>
+              </a:ext>
+            </a:extLst>
+          </p:cNvPr>
+          <p:cNvSpPr>
+            <a:spLocks noGrp="1"/>
+          </p:cNvSpPr>
+          <p:nvPr>
+            <p:ph idx="1"/>
+          </p:nvPr>
+        </p:nvSpPr>
+        <p:spPr>
+          <a:xfrm>
+            <a:off x="685801" y="1482811"/>
+            <a:ext cx="10131425" cy="3249445"/>
+          </a:xfrm>
+        </p:spPr>
+        <p:txBody>
+          <a:bodyPr>
+            <a:normAutofit fontScale="92500" lnSpcReduction="20000"/>
+          </a:bodyPr>
+          <a:lstStyle/>
+          <a:p>
+            <a:pPr marL="0" indent="0">
+              <a:buNone/>
+            </a:pPr>
+            <a:r>
+              <a:rPr lang="en-US" dirty="0"/>
+              <a:t>An observable is “cold” if its underlying producer is </a:t>
+            </a:r>
+            <a:r>
+              <a:rPr lang="en-US" b="1" dirty="0"/>
+              <a:t>created and activated </a:t>
+            </a:r>
+            <a:r>
+              <a:rPr lang="en-US" dirty="0"/>
+              <a:t>during subscription. This means, that if observables are functions, then the producer is created and activated by calling that function.</a:t>
+            </a:r>
+          </a:p>
+          <a:p>
+            <a:pPr marL="0" indent="0">
+              <a:buNone/>
+            </a:pPr>
+            <a:endParaRPr lang="en-US" dirty="0"/>
+          </a:p>
+          <a:p>
+            <a:r>
+              <a:rPr lang="en-US" dirty="0"/>
+              <a:t>creates the producer</a:t>
+            </a:r>
+          </a:p>
+          <a:p>
+            <a:r>
+              <a:rPr lang="en-US" dirty="0"/>
+              <a:t>activates the producer</a:t>
+            </a:r>
+          </a:p>
+          <a:p>
+            <a:r>
+              <a:rPr lang="en-US" dirty="0"/>
+              <a:t>starts listening to the producer</a:t>
+            </a:r>
+          </a:p>
+          <a:p>
+            <a:r>
+              <a:rPr lang="en-US" dirty="0"/>
+              <a:t>unicast</a:t>
+            </a:r>
+          </a:p>
+          <a:p>
+            <a:pPr marL="0" indent="0">
+              <a:buNone/>
+            </a:pPr>
+            <a:endParaRPr lang="en-US" dirty="0"/>
+          </a:p>
+          <a:p>
+            <a:pPr marL="0" indent="0">
+              <a:buNone/>
+            </a:pPr>
+            <a:r>
+              <a:rPr lang="en-US" dirty="0"/>
+              <a:t>The example below is “cold” because it creates and listens to the WebSocket inside of the subscriber function that is called when you subscribe to the Observable:</a:t>
+            </a:r>
+          </a:p>
+          <a:p>
+            <a:endParaRPr lang="en-US" dirty="0"/>
+          </a:p>
+          <a:p>
+            <a:endParaRPr lang="en-US" dirty="0"/>
+          </a:p>
+        </p:txBody>
+      </p:sp>
+      <p:pic>
+        <p:nvPicPr>
+          <p:cNvPr id="5" name="Picture 4">
+            <a:extLst>
+              <a:ext uri="{FF2B5EF4-FFF2-40B4-BE49-F238E27FC236}">
+                <a16:creationId xmlns:a16="http://schemas.microsoft.com/office/drawing/2014/main" id="{74F300EB-D4F9-4050-B8D3-9339FF775E75}"/>
+              </a:ext>
+            </a:extLst>
+          </p:cNvPr>
+          <p:cNvPicPr>
+            <a:picLocks noChangeAspect="1"/>
+          </p:cNvPicPr>
+          <p:nvPr/>
+        </p:nvPicPr>
+        <p:blipFill>
+          <a:blip r:embed="rId3"/>
+          <a:stretch>
+            <a:fillRect/>
+          </a:stretch>
+        </p:blipFill>
+        <p:spPr>
+          <a:xfrm>
+            <a:off x="2510245" y="4732256"/>
+            <a:ext cx="6953250" cy="1600200"/>
+          </a:xfrm>
+          <a:prstGeom prst="rect">
+            <a:avLst/>
+          </a:prstGeom>
+        </p:spPr>
+      </p:pic>
+    </p:spTree>
+    <p:extLst>
+      <p:ext uri="{BB962C8B-B14F-4D97-AF65-F5344CB8AC3E}">
+        <p14:creationId xmlns:p14="http://schemas.microsoft.com/office/powerpoint/2010/main" val="2263353873"/>
+      </p:ext>
+    </p:extLst>
+  </p:cSld>
+  <p:clrMapOvr>
+    <a:masterClrMapping/>
+  </p:clrMapOvr>
+</p:sld>
+</file>
+
+<file path=ppt/slides/slide8.xml><?xml version="1.0" encoding="utf-8"?>
+<p:sld xmlns:a="http://schemas.openxmlformats.org/drawingml/2006/main" xmlns:r="http://schemas.openxmlformats.org/officeDocument/2006/relationships" xmlns:p="http://schemas.openxmlformats.org/presentationml/2006/main">
+  <p:cSld>
+    <p:spTree>
+      <p:nvGrpSpPr>
+        <p:cNvPr id="1" name=""/>
+        <p:cNvGrpSpPr/>
+        <p:nvPr/>
+      </p:nvGrpSpPr>
+      <p:grpSpPr>
+        <a:xfrm>
+          <a:off x="0" y="0"/>
+          <a:ext cx="0" cy="0"/>
+          <a:chOff x="0" y="0"/>
+          <a:chExt cx="0" cy="0"/>
+        </a:xfrm>
+      </p:grpSpPr>
+      <p:sp>
+        <p:nvSpPr>
+          <p:cNvPr id="2" name="Title 1">
+            <a:extLst>
+              <a:ext uri="{FF2B5EF4-FFF2-40B4-BE49-F238E27FC236}">
+                <a16:creationId xmlns:a16="http://schemas.microsoft.com/office/drawing/2014/main" id="{B2B44B3B-93EF-47DC-8C61-DD7D806327C4}"/>
+              </a:ext>
+            </a:extLst>
+          </p:cNvPr>
+          <p:cNvSpPr>
+            <a:spLocks noGrp="1"/>
+          </p:cNvSpPr>
+          <p:nvPr>
+            <p:ph type="title"/>
+          </p:nvPr>
+        </p:nvSpPr>
+        <p:spPr>
+          <a:xfrm>
+            <a:off x="677563" y="486033"/>
+            <a:ext cx="10131425" cy="609600"/>
+          </a:xfrm>
+        </p:spPr>
+        <p:txBody>
+          <a:bodyPr>
+            <a:normAutofit fontScale="90000"/>
+          </a:bodyPr>
+          <a:lstStyle/>
+          <a:p>
+            <a:r>
+              <a:rPr lang="en-US" b="1" dirty="0"/>
+              <a:t>Rx Subjects</a:t>
+            </a:r>
+          </a:p>
+        </p:txBody>
+      </p:sp>
+      <p:sp>
+        <p:nvSpPr>
+          <p:cNvPr id="3" name="Content Placeholder 2">
+            <a:extLst>
+              <a:ext uri="{FF2B5EF4-FFF2-40B4-BE49-F238E27FC236}">
+                <a16:creationId xmlns:a16="http://schemas.microsoft.com/office/drawing/2014/main" id="{EEB51A73-B908-407B-8214-7470C4F21691}"/>
+              </a:ext>
+            </a:extLst>
+          </p:cNvPr>
+          <p:cNvSpPr>
+            <a:spLocks noGrp="1"/>
+          </p:cNvSpPr>
+          <p:nvPr>
+            <p:ph idx="1"/>
+          </p:nvPr>
+        </p:nvSpPr>
+        <p:spPr>
+          <a:xfrm>
+            <a:off x="677562" y="1216750"/>
+            <a:ext cx="10131425" cy="3650142"/>
+          </a:xfrm>
+        </p:spPr>
+        <p:txBody>
+          <a:bodyPr>
+            <a:normAutofit lnSpcReduction="10000"/>
+          </a:bodyPr>
+          <a:lstStyle/>
+          <a:p>
+            <a:pPr marL="0" indent="0">
+              <a:buNone/>
+            </a:pPr>
+            <a:r>
+              <a:rPr lang="en-US" dirty="0"/>
+              <a:t>Before we can make our “cold” observable “hot”, we need to introduce a new type: The Rx Subject. It has a few properties:</a:t>
+            </a:r>
+          </a:p>
+          <a:p>
+            <a:endParaRPr lang="en-US" dirty="0"/>
+          </a:p>
+          <a:p>
+            <a:r>
+              <a:rPr lang="en-US" dirty="0"/>
+              <a:t>It’s an observable. It’s shaped like an observable, and has all the same operators.</a:t>
+            </a:r>
+          </a:p>
+          <a:p>
+            <a:r>
+              <a:rPr lang="en-US" dirty="0"/>
+              <a:t>It’s an observer. It duck-types as an observer. When subscribed to as an observable, will emit any value you “next” into it as an observer.</a:t>
+            </a:r>
+          </a:p>
+          <a:p>
+            <a:r>
+              <a:rPr lang="en-US" dirty="0"/>
+              <a:t>It multicasts. All observers passed to it via `subscribe()` are added to an internal observers list.</a:t>
+            </a:r>
+          </a:p>
+          <a:p>
+            <a:r>
+              <a:rPr lang="en-US" dirty="0"/>
+              <a:t>When it’s done, it’s done. Subjects cannot be reused after they’re unsubscribed, completed or errored.</a:t>
+            </a:r>
+          </a:p>
+          <a:p>
+            <a:r>
+              <a:rPr lang="en-US" dirty="0"/>
+              <a:t>It passes values through itself. To restate #2, really. If you `next` a value into it, it will come out of the observable side of itself.</a:t>
+            </a:r>
+          </a:p>
+          <a:p>
+            <a:endParaRPr lang="en-US" dirty="0"/>
+          </a:p>
+        </p:txBody>
+      </p:sp>
+    </p:spTree>
+    <p:extLst>
+      <p:ext uri="{BB962C8B-B14F-4D97-AF65-F5344CB8AC3E}">
+        <p14:creationId xmlns:p14="http://schemas.microsoft.com/office/powerpoint/2010/main" val="882403788"/>
+      </p:ext>
+    </p:extLst>
+  </p:cSld>
+  <p:clrMapOvr>
+    <a:masterClrMapping/>
+  </p:clrMapOvr>
+</p:sld>
+</file>
+
+<file path=ppt/slides/slide9.xml><?xml version="1.0" encoding="utf-8"?>
+<p:sld xmlns:a="http://schemas.openxmlformats.org/drawingml/2006/main" xmlns:r="http://schemas.openxmlformats.org/officeDocument/2006/relationships" xmlns:p="http://schemas.openxmlformats.org/presentationml/2006/main">
+  <p:cSld>
+    <p:spTree>
+      <p:nvGrpSpPr>
+        <p:cNvPr id="1" name=""/>
+        <p:cNvGrpSpPr/>
+        <p:nvPr/>
+      </p:nvGrpSpPr>
+      <p:grpSpPr>
+        <a:xfrm>
+          <a:off x="0" y="0"/>
+          <a:ext cx="0" cy="0"/>
+          <a:chOff x="0" y="0"/>
+          <a:chExt cx="0" cy="0"/>
+        </a:xfrm>
+      </p:grpSpPr>
+      <p:sp>
+        <p:nvSpPr>
+          <p:cNvPr id="2" name="Title 1">
+            <a:extLst>
+              <a:ext uri="{FF2B5EF4-FFF2-40B4-BE49-F238E27FC236}">
+                <a16:creationId xmlns:a16="http://schemas.microsoft.com/office/drawing/2014/main" id="{B2B44B3B-93EF-47DC-8C61-DD7D806327C4}"/>
+              </a:ext>
+            </a:extLst>
+          </p:cNvPr>
+          <p:cNvSpPr>
+            <a:spLocks noGrp="1"/>
+          </p:cNvSpPr>
+          <p:nvPr>
+            <p:ph type="title"/>
+          </p:nvPr>
+        </p:nvSpPr>
+        <p:spPr>
+          <a:xfrm>
+            <a:off x="677563" y="486033"/>
+            <a:ext cx="10131425" cy="609600"/>
+          </a:xfrm>
+        </p:spPr>
+        <p:txBody>
+          <a:bodyPr>
+            <a:normAutofit fontScale="90000"/>
+          </a:bodyPr>
+          <a:lstStyle/>
+          <a:p>
+            <a:r>
+              <a:rPr lang="en-US" b="1" dirty="0"/>
+              <a:t>Making A Cold Observable Hot</a:t>
+            </a:r>
+          </a:p>
+        </p:txBody>
+      </p:sp>
+      <p:sp>
+        <p:nvSpPr>
+          <p:cNvPr id="3" name="Content Placeholder 2">
+            <a:extLst>
+              <a:ext uri="{FF2B5EF4-FFF2-40B4-BE49-F238E27FC236}">
+                <a16:creationId xmlns:a16="http://schemas.microsoft.com/office/drawing/2014/main" id="{EEB51A73-B908-407B-8214-7470C4F21691}"/>
+              </a:ext>
+            </a:extLst>
+          </p:cNvPr>
+          <p:cNvSpPr>
+            <a:spLocks noGrp="1"/>
+          </p:cNvSpPr>
+          <p:nvPr>
+            <p:ph idx="1"/>
+          </p:nvPr>
+        </p:nvSpPr>
+        <p:spPr>
+          <a:xfrm>
+            <a:off x="751702" y="930876"/>
+            <a:ext cx="10131425" cy="4053016"/>
+          </a:xfrm>
+        </p:spPr>
+        <p:txBody>
+          <a:bodyPr>
+            <a:normAutofit/>
+          </a:bodyPr>
+          <a:lstStyle/>
+          <a:p>
+            <a:pPr marL="0" indent="0">
+              <a:buNone/>
+            </a:pPr>
+            <a:r>
+              <a:rPr lang="en-US" dirty="0"/>
+              <a:t>Armed with our Rx Subject, we can use a bit of functional programming to make any “cold” observable “hot”:</a:t>
+            </a:r>
+          </a:p>
+          <a:p>
+            <a:r>
+              <a:rPr lang="en-US" dirty="0"/>
+              <a:t>Our new `</a:t>
+            </a:r>
+            <a:r>
+              <a:rPr lang="en-US" dirty="0" err="1"/>
+              <a:t>makeHot</a:t>
+            </a:r>
+            <a:r>
+              <a:rPr lang="en-US" dirty="0"/>
+              <a:t>` method will take any cold observable and make it hot by creating a subject that is shared by the resulting observable.</a:t>
+            </a:r>
+          </a:p>
+          <a:p>
+            <a:endParaRPr lang="en-US" dirty="0"/>
+          </a:p>
+          <a:p>
+            <a:endParaRPr lang="en-US" dirty="0"/>
+          </a:p>
+          <a:p>
+            <a:endParaRPr lang="en-US" dirty="0"/>
+          </a:p>
+          <a:p>
+            <a:pPr marL="0" indent="0">
+              <a:buNone/>
+            </a:pPr>
+            <a:endParaRPr lang="en-US" dirty="0"/>
+          </a:p>
+          <a:p>
+            <a:r>
+              <a:rPr lang="en-US" b="1" dirty="0"/>
+              <a:t>Note:</a:t>
+            </a:r>
+            <a:r>
+              <a:rPr lang="en-US" dirty="0"/>
+              <a:t> not tracking our subscription to source, so how can we tear it down when we want to? We can add some reference counting to it to solve that:</a:t>
+            </a:r>
+          </a:p>
+        </p:txBody>
+      </p:sp>
+      <p:pic>
+        <p:nvPicPr>
+          <p:cNvPr id="5" name="Picture 4">
+            <a:extLst>
+              <a:ext uri="{FF2B5EF4-FFF2-40B4-BE49-F238E27FC236}">
+                <a16:creationId xmlns:a16="http://schemas.microsoft.com/office/drawing/2014/main" id="{3B33BD21-D27B-4021-A184-DDB36F3EB477}"/>
+              </a:ext>
+            </a:extLst>
+          </p:cNvPr>
+          <p:cNvPicPr>
+            <a:picLocks noChangeAspect="1"/>
+          </p:cNvPicPr>
+          <p:nvPr/>
+        </p:nvPicPr>
+        <p:blipFill>
+          <a:blip r:embed="rId3"/>
+          <a:stretch>
+            <a:fillRect/>
+          </a:stretch>
+        </p:blipFill>
+        <p:spPr>
+          <a:xfrm>
+            <a:off x="1144157" y="2564026"/>
+            <a:ext cx="6657975" cy="1409700"/>
+          </a:xfrm>
+          <a:prstGeom prst="rect">
+            <a:avLst/>
+          </a:prstGeom>
+        </p:spPr>
+      </p:pic>
+    </p:spTree>
+    <p:extLst>
+      <p:ext uri="{BB962C8B-B14F-4D97-AF65-F5344CB8AC3E}">
+        <p14:creationId xmlns:p14="http://schemas.microsoft.com/office/powerpoint/2010/main" val="962517406"/>
       </p:ext>
     </p:extLst>
   </p:cSld>
@@ -7279,4 +11961,299 @@
     </a:ext>
   </a:extLst>
 </a:theme>
+</file>
+
+<file path=ppt/theme/theme2.xml><?xml version="1.0" encoding="utf-8"?>
+<a:theme xmlns:a="http://schemas.openxmlformats.org/drawingml/2006/main" name="Office Theme">
+  <a:themeElements>
+    <a:clrScheme name="Office">
+      <a:dk1>
+        <a:sysClr val="windowText" lastClr="000000"/>
+      </a:dk1>
+      <a:lt1>
+        <a:sysClr val="window" lastClr="FFFFFF"/>
+      </a:lt1>
+      <a:dk2>
+        <a:srgbClr val="44546A"/>
+      </a:dk2>
+      <a:lt2>
+        <a:srgbClr val="E7E6E6"/>
+      </a:lt2>
+      <a:accent1>
+        <a:srgbClr val="4472C4"/>
+      </a:accent1>
+      <a:accent2>
+        <a:srgbClr val="ED7D31"/>
+      </a:accent2>
+      <a:accent3>
+        <a:srgbClr val="A5A5A5"/>
+      </a:accent3>
+      <a:accent4>
+        <a:srgbClr val="FFC000"/>
+      </a:accent4>
+      <a:accent5>
+        <a:srgbClr val="5B9BD5"/>
+      </a:accent5>
+      <a:accent6>
+        <a:srgbClr val="70AD47"/>
+      </a:accent6>
+      <a:hlink>
+        <a:srgbClr val="0563C1"/>
+      </a:hlink>
+      <a:folHlink>
+        <a:srgbClr val="954F72"/>
+      </a:folHlink>
+    </a:clrScheme>
+    <a:fontScheme name="Office">
+      <a:majorFont>
+        <a:latin typeface="Calibri Light" panose="020F0302020204030204"/>
+        <a:ea typeface=""/>
+        <a:cs typeface=""/>
+        <a:font script="Jpan" typeface="游ゴシック Light"/>
+        <a:font script="Hang" typeface="맑은 고딕"/>
+        <a:font script="Hans" typeface="等线 Light"/>
+        <a:font script="Hant" typeface="新細明體"/>
+        <a:font script="Arab" typeface="Times New Roman"/>
+        <a:font script="Hebr" typeface="Times New Roman"/>
+        <a:font script="Thai" typeface="Angsana New"/>
+        <a:font script="Ethi" typeface="Nyala"/>
+        <a:font script="Beng" typeface="Vrinda"/>
+        <a:font script="Gujr" typeface="Shruti"/>
+        <a:font script="Khmr" typeface="MoolBoran"/>
+        <a:font script="Knda" typeface="Tunga"/>
+        <a:font script="Guru" typeface="Raavi"/>
+        <a:font script="Cans" typeface="Euphemia"/>
+        <a:font script="Cher" typeface="Plantagenet Cherokee"/>
+        <a:font script="Yiii" typeface="Microsoft Yi Baiti"/>
+        <a:font script="Tibt" typeface="Microsoft Himalaya"/>
+        <a:font script="Thaa" typeface="MV Boli"/>
+        <a:font script="Deva" typeface="Mangal"/>
+        <a:font script="Telu" typeface="Gautami"/>
+        <a:font script="Taml" typeface="Latha"/>
+        <a:font script="Syrc" typeface="Estrangelo Edessa"/>
+        <a:font script="Orya" typeface="Kalinga"/>
+        <a:font script="Mlym" typeface="Kartika"/>
+        <a:font script="Laoo" typeface="DokChampa"/>
+        <a:font script="Sinh" typeface="Iskoola Pota"/>
+        <a:font script="Mong" typeface="Mongolian Baiti"/>
+        <a:font script="Viet" typeface="Times New Roman"/>
+        <a:font script="Uigh" typeface="Microsoft Uighur"/>
+        <a:font script="Geor" typeface="Sylfaen"/>
+        <a:font script="Armn" typeface="Arial"/>
+        <a:font script="Bugi" typeface="Leelawadee UI"/>
+        <a:font script="Bopo" typeface="Microsoft JhengHei"/>
+        <a:font script="Java" typeface="Javanese Text"/>
+        <a:font script="Lisu" typeface="Segoe UI"/>
+        <a:font script="Mymr" typeface="Myanmar Text"/>
+        <a:font script="Nkoo" typeface="Ebrima"/>
+        <a:font script="Olck" typeface="Nirmala UI"/>
+        <a:font script="Osma" typeface="Ebrima"/>
+        <a:font script="Phag" typeface="Phagspa"/>
+        <a:font script="Syrn" typeface="Estrangelo Edessa"/>
+        <a:font script="Syrj" typeface="Estrangelo Edessa"/>
+        <a:font script="Syre" typeface="Estrangelo Edessa"/>
+        <a:font script="Sora" typeface="Nirmala UI"/>
+        <a:font script="Tale" typeface="Microsoft Tai Le"/>
+        <a:font script="Talu" typeface="Microsoft New Tai Lue"/>
+        <a:font script="Tfng" typeface="Ebrima"/>
+      </a:majorFont>
+      <a:minorFont>
+        <a:latin typeface="Calibri" panose="020F0502020204030204"/>
+        <a:ea typeface=""/>
+        <a:cs typeface=""/>
+        <a:font script="Jpan" typeface="游ゴシック"/>
+        <a:font script="Hang" typeface="맑은 고딕"/>
+        <a:font script="Hans" typeface="等线"/>
+        <a:font script="Hant" typeface="新細明體"/>
+        <a:font script="Arab" typeface="Arial"/>
+        <a:font script="Hebr" typeface="Arial"/>
+        <a:font script="Thai" typeface="Cordia New"/>
+        <a:font script="Ethi" typeface="Nyala"/>
+        <a:font script="Beng" typeface="Vrinda"/>
+        <a:font script="Gujr" typeface="Shruti"/>
+        <a:font script="Khmr" typeface="DaunPenh"/>
+        <a:font script="Knda" typeface="Tunga"/>
+        <a:font script="Guru" typeface="Raavi"/>
+        <a:font script="Cans" typeface="Euphemia"/>
+        <a:font script="Cher" typeface="Plantagenet Cherokee"/>
+        <a:font script="Yiii" typeface="Microsoft Yi Baiti"/>
+        <a:font script="Tibt" typeface="Microsoft Himalaya"/>
+        <a:font script="Thaa" typeface="MV Boli"/>
+        <a:font script="Deva" typeface="Mangal"/>
+        <a:font script="Telu" typeface="Gautami"/>
+        <a:font script="Taml" typeface="Latha"/>
+        <a:font script="Syrc" typeface="Estrangelo Edessa"/>
+        <a:font script="Orya" typeface="Kalinga"/>
+        <a:font script="Mlym" typeface="Kartika"/>
+        <a:font script="Laoo" typeface="DokChampa"/>
+        <a:font script="Sinh" typeface="Iskoola Pota"/>
+        <a:font script="Mong" typeface="Mongolian Baiti"/>
+        <a:font script="Viet" typeface="Arial"/>
+        <a:font script="Uigh" typeface="Microsoft Uighur"/>
+        <a:font script="Geor" typeface="Sylfaen"/>
+        <a:font script="Armn" typeface="Arial"/>
+        <a:font script="Bugi" typeface="Leelawadee UI"/>
+        <a:font script="Bopo" typeface="Microsoft JhengHei"/>
+        <a:font script="Java" typeface="Javanese Text"/>
+        <a:font script="Lisu" typeface="Segoe UI"/>
+        <a:font script="Mymr" typeface="Myanmar Text"/>
+        <a:font script="Nkoo" typeface="Ebrima"/>
+        <a:font script="Olck" typeface="Nirmala UI"/>
+        <a:font script="Osma" typeface="Ebrima"/>
+        <a:font script="Phag" typeface="Phagspa"/>
+        <a:font script="Syrn" typeface="Estrangelo Edessa"/>
+        <a:font script="Syrj" typeface="Estrangelo Edessa"/>
+        <a:font script="Syre" typeface="Estrangelo Edessa"/>
+        <a:font script="Sora" typeface="Nirmala UI"/>
+        <a:font script="Tale" typeface="Microsoft Tai Le"/>
+        <a:font script="Talu" typeface="Microsoft New Tai Lue"/>
+        <a:font script="Tfng" typeface="Ebrima"/>
+      </a:minorFont>
+    </a:fontScheme>
+    <a:fmtScheme name="Office">
+      <a:fillStyleLst>
+        <a:solidFill>
+          <a:schemeClr val="phClr"/>
+        </a:solidFill>
+        <a:gradFill rotWithShape="1">
+          <a:gsLst>
+            <a:gs pos="0">
+              <a:schemeClr val="phClr">
+                <a:lumMod val="110000"/>
+                <a:satMod val="105000"/>
+                <a:tint val="67000"/>
+              </a:schemeClr>
+            </a:gs>
+            <a:gs pos="50000">
+              <a:schemeClr val="phClr">
+                <a:lumMod val="105000"/>
+                <a:satMod val="103000"/>
+                <a:tint val="73000"/>
+              </a:schemeClr>
+            </a:gs>
+            <a:gs pos="100000">
+              <a:schemeClr val="phClr">
+                <a:lumMod val="105000"/>
+                <a:satMod val="109000"/>
+                <a:tint val="81000"/>
+              </a:schemeClr>
+            </a:gs>
+          </a:gsLst>
+          <a:lin ang="5400000" scaled="0"/>
+        </a:gradFill>
+        <a:gradFill rotWithShape="1">
+          <a:gsLst>
+            <a:gs pos="0">
+              <a:schemeClr val="phClr">
+                <a:satMod val="103000"/>
+                <a:lumMod val="102000"/>
+                <a:tint val="94000"/>
+              </a:schemeClr>
+            </a:gs>
+            <a:gs pos="50000">
+              <a:schemeClr val="phClr">
+                <a:satMod val="110000"/>
+                <a:lumMod val="100000"/>
+                <a:shade val="100000"/>
+              </a:schemeClr>
+            </a:gs>
+            <a:gs pos="100000">
+              <a:schemeClr val="phClr">
+                <a:lumMod val="99000"/>
+                <a:satMod val="120000"/>
+                <a:shade val="78000"/>
+              </a:schemeClr>
+            </a:gs>
+          </a:gsLst>
+          <a:lin ang="5400000" scaled="0"/>
+        </a:gradFill>
+      </a:fillStyleLst>
+      <a:lnStyleLst>
+        <a:ln w="6350" cap="flat" cmpd="sng" algn="ctr">
+          <a:solidFill>
+            <a:schemeClr val="phClr"/>
+          </a:solidFill>
+          <a:prstDash val="solid"/>
+          <a:miter lim="800000"/>
+        </a:ln>
+        <a:ln w="12700" cap="flat" cmpd="sng" algn="ctr">
+          <a:solidFill>
+            <a:schemeClr val="phClr"/>
+          </a:solidFill>
+          <a:prstDash val="solid"/>
+          <a:miter lim="800000"/>
+        </a:ln>
+        <a:ln w="19050" cap="flat" cmpd="sng" algn="ctr">
+          <a:solidFill>
+            <a:schemeClr val="phClr"/>
+          </a:solidFill>
+          <a:prstDash val="solid"/>
+          <a:miter lim="800000"/>
+        </a:ln>
+      </a:lnStyleLst>
+      <a:effectStyleLst>
+        <a:effectStyle>
+          <a:effectLst/>
+        </a:effectStyle>
+        <a:effectStyle>
+          <a:effectLst/>
+        </a:effectStyle>
+        <a:effectStyle>
+          <a:effectLst>
+            <a:outerShdw blurRad="57150" dist="19050" dir="5400000" algn="ctr" rotWithShape="0">
+              <a:srgbClr val="000000">
+                <a:alpha val="63000"/>
+              </a:srgbClr>
+            </a:outerShdw>
+          </a:effectLst>
+        </a:effectStyle>
+      </a:effectStyleLst>
+      <a:bgFillStyleLst>
+        <a:solidFill>
+          <a:schemeClr val="phClr"/>
+        </a:solidFill>
+        <a:solidFill>
+          <a:schemeClr val="phClr">
+            <a:tint val="95000"/>
+            <a:satMod val="170000"/>
+          </a:schemeClr>
+        </a:solidFill>
+        <a:gradFill rotWithShape="1">
+          <a:gsLst>
+            <a:gs pos="0">
+              <a:schemeClr val="phClr">
+                <a:tint val="93000"/>
+                <a:satMod val="150000"/>
+                <a:shade val="98000"/>
+                <a:lumMod val="102000"/>
+              </a:schemeClr>
+            </a:gs>
+            <a:gs pos="50000">
+              <a:schemeClr val="phClr">
+                <a:tint val="98000"/>
+                <a:satMod val="130000"/>
+                <a:shade val="90000"/>
+                <a:lumMod val="103000"/>
+              </a:schemeClr>
+            </a:gs>
+            <a:gs pos="100000">
+              <a:schemeClr val="phClr">
+                <a:shade val="63000"/>
+                <a:satMod val="120000"/>
+              </a:schemeClr>
+            </a:gs>
+          </a:gsLst>
+          <a:lin ang="5400000" scaled="0"/>
+        </a:gradFill>
+      </a:bgFillStyleLst>
+    </a:fmtScheme>
+  </a:themeElements>
+  <a:objectDefaults/>
+  <a:extraClrSchemeLst/>
+  <a:extLst>
+    <a:ext uri="{05A4C25C-085E-4340-85A3-A5531E510DB2}">
+      <thm15:themeFamily xmlns:thm15="http://schemas.microsoft.com/office/thememl/2012/main" name="Office Theme" id="{62F939B6-93AF-4DB8-9C6B-D6C7DFDC589F}" vid="{4A3C46E8-61CC-4603-A589-7422A47A8E4A}"/>
+    </a:ext>
+  </a:extLst>
+</a:theme>
 </file>